--- a/jcds03_finalproject.pptx
+++ b/jcds03_finalproject.pptx
@@ -21,30 +21,31 @@
     <p:sldId id="281" r:id="rId15"/>
     <p:sldId id="282" r:id="rId16"/>
     <p:sldId id="283" r:id="rId17"/>
-    <p:sldId id="284" r:id="rId18"/>
-    <p:sldId id="285" r:id="rId19"/>
-    <p:sldId id="286" r:id="rId20"/>
-    <p:sldId id="287" r:id="rId21"/>
-    <p:sldId id="265" r:id="rId22"/>
-    <p:sldId id="288" r:id="rId23"/>
-    <p:sldId id="289" r:id="rId24"/>
-    <p:sldId id="290" r:id="rId25"/>
-    <p:sldId id="291" r:id="rId26"/>
-    <p:sldId id="292" r:id="rId27"/>
-    <p:sldId id="294" r:id="rId28"/>
-    <p:sldId id="296" r:id="rId29"/>
-    <p:sldId id="295" r:id="rId30"/>
-    <p:sldId id="297" r:id="rId31"/>
-    <p:sldId id="256" r:id="rId32"/>
-    <p:sldId id="257" r:id="rId33"/>
-    <p:sldId id="298" r:id="rId34"/>
-    <p:sldId id="258" r:id="rId35"/>
-    <p:sldId id="299" r:id="rId36"/>
-    <p:sldId id="259" r:id="rId37"/>
-    <p:sldId id="300" r:id="rId38"/>
-    <p:sldId id="262" r:id="rId39"/>
-    <p:sldId id="263" r:id="rId40"/>
-    <p:sldId id="301" r:id="rId41"/>
+    <p:sldId id="302" r:id="rId18"/>
+    <p:sldId id="284" r:id="rId19"/>
+    <p:sldId id="285" r:id="rId20"/>
+    <p:sldId id="286" r:id="rId21"/>
+    <p:sldId id="287" r:id="rId22"/>
+    <p:sldId id="265" r:id="rId23"/>
+    <p:sldId id="288" r:id="rId24"/>
+    <p:sldId id="289" r:id="rId25"/>
+    <p:sldId id="290" r:id="rId26"/>
+    <p:sldId id="291" r:id="rId27"/>
+    <p:sldId id="292" r:id="rId28"/>
+    <p:sldId id="294" r:id="rId29"/>
+    <p:sldId id="296" r:id="rId30"/>
+    <p:sldId id="295" r:id="rId31"/>
+    <p:sldId id="297" r:id="rId32"/>
+    <p:sldId id="256" r:id="rId33"/>
+    <p:sldId id="257" r:id="rId34"/>
+    <p:sldId id="298" r:id="rId35"/>
+    <p:sldId id="258" r:id="rId36"/>
+    <p:sldId id="299" r:id="rId37"/>
+    <p:sldId id="259" r:id="rId38"/>
+    <p:sldId id="300" r:id="rId39"/>
+    <p:sldId id="262" r:id="rId40"/>
+    <p:sldId id="263" r:id="rId41"/>
+    <p:sldId id="301" r:id="rId42"/>
   </p:sldIdLst>
   <p:sldSz cx="9144000" cy="6858000" type="screen4x3"/>
   <p:notesSz cx="6858000" cy="9144000"/>
@@ -327,7 +328,7 @@
           <a:p>
             <a:fld id="{D0EB75DE-4D71-1A44-B0B7-2CA9E039F85B}" type="datetimeFigureOut">
               <a:rPr lang="en-US" smtClean="0"/>
-              <a:t>4/1/19</a:t>
+              <a:t>4/2/19</a:t>
             </a:fld>
             <a:endParaRPr lang="en-US"/>
           </a:p>
@@ -497,7 +498,7 @@
           <a:p>
             <a:fld id="{D0EB75DE-4D71-1A44-B0B7-2CA9E039F85B}" type="datetimeFigureOut">
               <a:rPr lang="en-US" smtClean="0"/>
-              <a:t>4/1/19</a:t>
+              <a:t>4/2/19</a:t>
             </a:fld>
             <a:endParaRPr lang="en-US"/>
           </a:p>
@@ -677,7 +678,7 @@
           <a:p>
             <a:fld id="{D0EB75DE-4D71-1A44-B0B7-2CA9E039F85B}" type="datetimeFigureOut">
               <a:rPr lang="en-US" smtClean="0"/>
-              <a:t>4/1/19</a:t>
+              <a:t>4/2/19</a:t>
             </a:fld>
             <a:endParaRPr lang="en-US"/>
           </a:p>
@@ -847,7 +848,7 @@
           <a:p>
             <a:fld id="{D0EB75DE-4D71-1A44-B0B7-2CA9E039F85B}" type="datetimeFigureOut">
               <a:rPr lang="en-US" smtClean="0"/>
-              <a:t>4/1/19</a:t>
+              <a:t>4/2/19</a:t>
             </a:fld>
             <a:endParaRPr lang="en-US"/>
           </a:p>
@@ -1093,7 +1094,7 @@
           <a:p>
             <a:fld id="{D0EB75DE-4D71-1A44-B0B7-2CA9E039F85B}" type="datetimeFigureOut">
               <a:rPr lang="en-US" smtClean="0"/>
-              <a:t>4/1/19</a:t>
+              <a:t>4/2/19</a:t>
             </a:fld>
             <a:endParaRPr lang="en-US"/>
           </a:p>
@@ -1381,7 +1382,7 @@
           <a:p>
             <a:fld id="{D0EB75DE-4D71-1A44-B0B7-2CA9E039F85B}" type="datetimeFigureOut">
               <a:rPr lang="en-US" smtClean="0"/>
-              <a:t>4/1/19</a:t>
+              <a:t>4/2/19</a:t>
             </a:fld>
             <a:endParaRPr lang="en-US"/>
           </a:p>
@@ -1803,7 +1804,7 @@
           <a:p>
             <a:fld id="{D0EB75DE-4D71-1A44-B0B7-2CA9E039F85B}" type="datetimeFigureOut">
               <a:rPr lang="en-US" smtClean="0"/>
-              <a:t>4/1/19</a:t>
+              <a:t>4/2/19</a:t>
             </a:fld>
             <a:endParaRPr lang="en-US"/>
           </a:p>
@@ -1921,7 +1922,7 @@
           <a:p>
             <a:fld id="{D0EB75DE-4D71-1A44-B0B7-2CA9E039F85B}" type="datetimeFigureOut">
               <a:rPr lang="en-US" smtClean="0"/>
-              <a:t>4/1/19</a:t>
+              <a:t>4/2/19</a:t>
             </a:fld>
             <a:endParaRPr lang="en-US"/>
           </a:p>
@@ -2016,7 +2017,7 @@
           <a:p>
             <a:fld id="{D0EB75DE-4D71-1A44-B0B7-2CA9E039F85B}" type="datetimeFigureOut">
               <a:rPr lang="en-US" smtClean="0"/>
-              <a:t>4/1/19</a:t>
+              <a:t>4/2/19</a:t>
             </a:fld>
             <a:endParaRPr lang="en-US"/>
           </a:p>
@@ -2293,7 +2294,7 @@
           <a:p>
             <a:fld id="{D0EB75DE-4D71-1A44-B0B7-2CA9E039F85B}" type="datetimeFigureOut">
               <a:rPr lang="en-US" smtClean="0"/>
-              <a:t>4/1/19</a:t>
+              <a:t>4/2/19</a:t>
             </a:fld>
             <a:endParaRPr lang="en-US"/>
           </a:p>
@@ -2546,7 +2547,7 @@
           <a:p>
             <a:fld id="{D0EB75DE-4D71-1A44-B0B7-2CA9E039F85B}" type="datetimeFigureOut">
               <a:rPr lang="en-US" smtClean="0"/>
-              <a:t>4/1/19</a:t>
+              <a:t>4/2/19</a:t>
             </a:fld>
             <a:endParaRPr lang="en-US"/>
           </a:p>
@@ -2759,7 +2760,7 @@
           <a:p>
             <a:fld id="{D0EB75DE-4D71-1A44-B0B7-2CA9E039F85B}" type="datetimeFigureOut">
               <a:rPr lang="en-US" smtClean="0"/>
-              <a:t>4/1/19</a:t>
+              <a:t>4/2/19</a:t>
             </a:fld>
             <a:endParaRPr lang="en-US"/>
           </a:p>
@@ -4171,11 +4172,11 @@
               <a:t> </a:t>
             </a:r>
             <a:r>
-              <a:rPr lang="en-US" dirty="0" err="1"/>
-              <a:t>describe_quantile</a:t>
-            </a:r>
-            <a:r>
-              <a:rPr lang="en-US" dirty="0"/>
+              <a:rPr lang="en-US" dirty="0" err="1" smtClean="0"/>
+              <a:t>describe_quintile</a:t>
+            </a:r>
+            <a:r>
+              <a:rPr lang="en-US" dirty="0" smtClean="0"/>
               <a:t>(</a:t>
             </a:r>
             <a:r>
@@ -4193,12 +4194,12 @@
               <a:t>    </a:t>
             </a:r>
             <a:r>
-              <a:rPr lang="en-US" dirty="0" err="1"/>
-              <a:t>quantiles</a:t>
-            </a:r>
-            <a:r>
-              <a:rPr lang="en-US" dirty="0"/>
-              <a:t> = [</a:t>
+              <a:rPr lang="en-US" dirty="0" smtClean="0"/>
+              <a:t>quintiles </a:t>
+            </a:r>
+            <a:r>
+              <a:rPr lang="en-US" dirty="0"/>
+              <a:t>= [</a:t>
             </a:r>
             <a:r>
               <a:rPr lang="en-US" dirty="0">
@@ -4272,11 +4273,11 @@
             </a:r>
             <a:r>
               <a:rPr lang="en-US" dirty="0"/>
-              <a:t>(x).collect(),</a:t>
-            </a:r>
-            <a:r>
-              <a:rPr lang="en-US" dirty="0" err="1"/>
-              <a:t>quantiles</a:t>
+              <a:t>(x).collect()</a:t>
+            </a:r>
+            <a:r>
+              <a:rPr lang="en-US" dirty="0" smtClean="0"/>
+              <a:t>,quintiles</a:t>
             </a:r>
             <a:r>
               <a:rPr lang="en-US" dirty="0"/>
@@ -4351,28 +4352,12 @@
               <a:t>[</a:t>
             </a:r>
             <a:r>
-              <a:rPr lang="en-US" dirty="0">
-                <a:solidFill>
-                  <a:srgbClr val="FF0000"/>
-                </a:solidFill>
-              </a:rPr>
-              <a:t>'</a:t>
-            </a:r>
-            <a:r>
-              <a:rPr lang="en-US" dirty="0" err="1">
-                <a:solidFill>
-                  <a:srgbClr val="FF0000"/>
-                </a:solidFill>
-              </a:rPr>
-              <a:t>quantile</a:t>
-            </a:r>
-            <a:r>
-              <a:rPr lang="en-US" dirty="0">
-                <a:solidFill>
-                  <a:srgbClr val="FF0000"/>
-                </a:solidFill>
-              </a:rPr>
-              <a:t>'</a:t>
+              <a:rPr lang="en-US" dirty="0" smtClean="0">
+                <a:solidFill>
+                  <a:srgbClr val="FF0000"/>
+                </a:solidFill>
+              </a:rPr>
+              <a:t>'quintile'</a:t>
             </a:r>
             <a:r>
               <a:rPr lang="en-US" dirty="0"/>
@@ -4423,8 +4408,8 @@
               <a:t> </a:t>
             </a:r>
             <a:r>
-              <a:rPr lang="en-US" dirty="0" err="1"/>
-              <a:t>quantiles</a:t>
+              <a:rPr lang="en-US" dirty="0" smtClean="0"/>
+              <a:t>quintiles</a:t>
             </a:r>
             <a:r>
               <a:rPr lang="en-US" dirty="0"/>
@@ -4472,28 +4457,12 @@
               <a:t>(</a:t>
             </a:r>
             <a:r>
-              <a:rPr lang="en-US" dirty="0">
-                <a:solidFill>
-                  <a:srgbClr val="FF0000"/>
-                </a:solidFill>
-              </a:rPr>
-              <a:t>'</a:t>
-            </a:r>
-            <a:r>
-              <a:rPr lang="en-US" dirty="0" err="1">
-                <a:solidFill>
-                  <a:srgbClr val="FF0000"/>
-                </a:solidFill>
-              </a:rPr>
-              <a:t>quantile</a:t>
-            </a:r>
-            <a:r>
-              <a:rPr lang="en-US" dirty="0">
-                <a:solidFill>
-                  <a:srgbClr val="FF0000"/>
-                </a:solidFill>
-              </a:rPr>
-              <a:t>'</a:t>
+              <a:rPr lang="en-US" dirty="0" smtClean="0">
+                <a:solidFill>
+                  <a:srgbClr val="FF0000"/>
+                </a:solidFill>
+              </a:rPr>
+              <a:t>'quintile'</a:t>
             </a:r>
             <a:r>
               <a:rPr lang="en-US" dirty="0"/>
@@ -4637,11 +4606,11 @@
               <a:t> = </a:t>
             </a:r>
             <a:r>
-              <a:rPr lang="en-US" dirty="0" err="1"/>
-              <a:t>describe_quantile</a:t>
-            </a:r>
-            <a:r>
-              <a:rPr lang="en-US" dirty="0"/>
+              <a:rPr lang="en-US" dirty="0" err="1" smtClean="0"/>
+              <a:t>describe_quintile</a:t>
+            </a:r>
+            <a:r>
+              <a:rPr lang="en-US" dirty="0" smtClean="0"/>
               <a:t>(</a:t>
             </a:r>
             <a:r>
@@ -5051,8 +5020,8 @@
               <a:t>RFM-based on </a:t>
             </a:r>
             <a:r>
-              <a:rPr lang="en-US" sz="3200" dirty="0" err="1" smtClean="0"/>
-              <a:t>quantile</a:t>
+              <a:rPr lang="en-US" sz="3200" dirty="0" smtClean="0"/>
+              <a:t>quintile</a:t>
             </a:r>
             <a:endParaRPr lang="en-US" sz="3200" dirty="0"/>
           </a:p>
@@ -5375,8 +5344,12 @@
           <a:p>
             <a:pPr algn="l"/>
             <a:r>
-              <a:rPr lang="en-US" sz="3200" smtClean="0"/>
-              <a:t>RFM-based on quantile</a:t>
+              <a:rPr lang="en-US" sz="3200" dirty="0" smtClean="0"/>
+              <a:t>RFM-based on </a:t>
+            </a:r>
+            <a:r>
+              <a:rPr lang="en-US" sz="3200" dirty="0" smtClean="0"/>
+              <a:t>quintile</a:t>
             </a:r>
             <a:endParaRPr lang="en-US" sz="3200" dirty="0"/>
           </a:p>
@@ -5711,8 +5684,8 @@
               <a:t>RFM-based on </a:t>
             </a:r>
             <a:r>
-              <a:rPr lang="en-US" sz="3200" dirty="0" err="1" smtClean="0"/>
-              <a:t>quantile</a:t>
+              <a:rPr lang="en-US" sz="3200" dirty="0" smtClean="0"/>
+              <a:t>quintile</a:t>
             </a:r>
             <a:endParaRPr lang="en-US" sz="3200" dirty="0"/>
           </a:p>
@@ -6515,8 +6488,8 @@
               <a:t>RFM-based on </a:t>
             </a:r>
             <a:r>
-              <a:rPr lang="en-US" sz="3200" dirty="0" err="1" smtClean="0"/>
-              <a:t>quantile</a:t>
+              <a:rPr lang="en-US" sz="3200" dirty="0" smtClean="0"/>
+              <a:t>quintile</a:t>
             </a:r>
             <a:endParaRPr lang="en-US" sz="3200" dirty="0"/>
           </a:p>
@@ -6591,14 +6564,52 @@
       </p:grpSpPr>
       <p:sp>
         <p:nvSpPr>
-          <p:cNvPr id="3" name="TextBox 2"/>
-          <p:cNvSpPr txBox="1"/>
+          <p:cNvPr id="2" name="Title 1"/>
+          <p:cNvSpPr>
+            <a:spLocks noGrp="1"/>
+          </p:cNvSpPr>
+          <p:nvPr>
+            <p:ph type="title"/>
+          </p:nvPr>
+        </p:nvSpPr>
+        <p:spPr/>
+        <p:txBody>
+          <a:bodyPr/>
+          <a:lstStyle/>
+          <a:p>
+            <a:endParaRPr lang="en-US"/>
+          </a:p>
+        </p:txBody>
+      </p:sp>
+      <p:sp>
+        <p:nvSpPr>
+          <p:cNvPr id="3" name="Content Placeholder 2"/>
+          <p:cNvSpPr>
+            <a:spLocks noGrp="1"/>
+          </p:cNvSpPr>
+          <p:nvPr>
+            <p:ph idx="1"/>
+          </p:nvPr>
+        </p:nvSpPr>
+        <p:spPr/>
+        <p:txBody>
+          <a:bodyPr/>
+          <a:lstStyle/>
+          <a:p>
+            <a:endParaRPr lang="en-US"/>
+          </a:p>
+        </p:txBody>
+      </p:sp>
+      <p:sp>
+        <p:nvSpPr>
+          <p:cNvPr id="4" name="Rectangle 3"/>
+          <p:cNvSpPr/>
           <p:nvPr/>
         </p:nvSpPr>
         <p:spPr>
           <a:xfrm>
-            <a:off x="457200" y="768719"/>
-            <a:ext cx="8229600" cy="1754327"/>
+            <a:off x="0" y="2519340"/>
+            <a:ext cx="9144000" cy="1295598"/>
           </a:xfrm>
           <a:prstGeom prst="rect">
             <a:avLst/>
@@ -6606,400 +6617,37 @@
           <a:solidFill>
             <a:srgbClr val="EFEFEF"/>
           </a:solidFill>
+          <a:ln>
+            <a:noFill/>
+          </a:ln>
+          <a:effectLst/>
         </p:spPr>
         <p:style>
-          <a:lnRef idx="2">
-            <a:schemeClr val="dk1"/>
+          <a:lnRef idx="1">
+            <a:schemeClr val="accent1"/>
           </a:lnRef>
-          <a:fillRef idx="1">
-            <a:schemeClr val="lt1"/>
+          <a:fillRef idx="3">
+            <a:schemeClr val="accent1"/>
           </a:fillRef>
-          <a:effectRef idx="0">
-            <a:schemeClr val="dk1"/>
+          <a:effectRef idx="2">
+            <a:schemeClr val="accent1"/>
           </a:effectRef>
           <a:fontRef idx="minor">
-            <a:schemeClr val="dk1"/>
+            <a:schemeClr val="lt1"/>
           </a:fontRef>
         </p:style>
         <p:txBody>
-          <a:bodyPr wrap="square" rtlCol="0">
-            <a:spAutoFit/>
-          </a:bodyPr>
+          <a:bodyPr rtlCol="0" anchor="ctr"/>
           <a:lstStyle/>
           <a:p>
-            <a:r>
-              <a:rPr lang="en-US" dirty="0">
-                <a:solidFill>
-                  <a:srgbClr val="008000"/>
-                </a:solidFill>
-              </a:rPr>
-              <a:t>## prepare the data in vector dense</a:t>
-            </a:r>
-          </a:p>
-          <a:p>
-            <a:r>
-              <a:rPr lang="en-US" dirty="0">
-                <a:solidFill>
-                  <a:srgbClr val="0000FF"/>
-                </a:solidFill>
-              </a:rPr>
-              <a:t>from</a:t>
-            </a:r>
-            <a:r>
-              <a:rPr lang="en-US" dirty="0">
-                <a:solidFill>
-                  <a:srgbClr val="000000"/>
-                </a:solidFill>
-              </a:rPr>
-              <a:t> </a:t>
-            </a:r>
-            <a:r>
-              <a:rPr lang="en-US" dirty="0" err="1">
-                <a:solidFill>
-                  <a:srgbClr val="000000"/>
-                </a:solidFill>
-              </a:rPr>
-              <a:t>pyspark.ml.linalg</a:t>
-            </a:r>
-            <a:r>
-              <a:rPr lang="en-US" dirty="0">
-                <a:solidFill>
-                  <a:srgbClr val="000000"/>
-                </a:solidFill>
-              </a:rPr>
-              <a:t> </a:t>
-            </a:r>
-            <a:r>
-              <a:rPr lang="en-US" dirty="0">
-                <a:solidFill>
-                  <a:srgbClr val="0000FF"/>
-                </a:solidFill>
-              </a:rPr>
-              <a:t>import</a:t>
-            </a:r>
-            <a:r>
-              <a:rPr lang="en-US" dirty="0">
-                <a:solidFill>
-                  <a:srgbClr val="000000"/>
-                </a:solidFill>
-              </a:rPr>
-              <a:t> Vectors</a:t>
-            </a:r>
-          </a:p>
-          <a:p>
-            <a:r>
-              <a:rPr lang="en-US" dirty="0" err="1">
-                <a:solidFill>
-                  <a:srgbClr val="0000FF"/>
-                </a:solidFill>
-              </a:rPr>
-              <a:t>def</a:t>
-            </a:r>
-            <a:r>
-              <a:rPr lang="en-US" dirty="0">
-                <a:solidFill>
-                  <a:srgbClr val="000000"/>
-                </a:solidFill>
-              </a:rPr>
-              <a:t> </a:t>
-            </a:r>
-            <a:r>
-              <a:rPr lang="en-US" dirty="0" err="1">
-                <a:solidFill>
-                  <a:srgbClr val="000000"/>
-                </a:solidFill>
-              </a:rPr>
-              <a:t>transData</a:t>
-            </a:r>
-            <a:r>
-              <a:rPr lang="en-US" dirty="0">
-                <a:solidFill>
-                  <a:srgbClr val="000000"/>
-                </a:solidFill>
-              </a:rPr>
-              <a:t>(data):</a:t>
-            </a:r>
-          </a:p>
-          <a:p>
-            <a:r>
-              <a:rPr lang="en-US" dirty="0">
-                <a:solidFill>
-                  <a:srgbClr val="000000"/>
-                </a:solidFill>
-              </a:rPr>
-              <a:t>    </a:t>
-            </a:r>
-            <a:r>
-              <a:rPr lang="en-US" dirty="0">
-                <a:solidFill>
-                  <a:srgbClr val="0000FF"/>
-                </a:solidFill>
-              </a:rPr>
-              <a:t>return</a:t>
-            </a:r>
-            <a:r>
-              <a:rPr lang="en-US" dirty="0">
-                <a:solidFill>
-                  <a:srgbClr val="000000"/>
-                </a:solidFill>
-              </a:rPr>
-              <a:t> </a:t>
-            </a:r>
-            <a:r>
-              <a:rPr lang="en-US" dirty="0" err="1">
-                <a:solidFill>
-                  <a:srgbClr val="000000"/>
-                </a:solidFill>
-              </a:rPr>
-              <a:t>data.rdd.map</a:t>
-            </a:r>
-            <a:r>
-              <a:rPr lang="en-US" dirty="0">
-                <a:solidFill>
-                  <a:srgbClr val="000000"/>
-                </a:solidFill>
-              </a:rPr>
-              <a:t>(</a:t>
-            </a:r>
-            <a:r>
-              <a:rPr lang="en-US" dirty="0">
-                <a:solidFill>
-                  <a:srgbClr val="0000FF"/>
-                </a:solidFill>
-              </a:rPr>
-              <a:t>lambda</a:t>
-            </a:r>
-            <a:r>
-              <a:rPr lang="en-US" dirty="0">
-                <a:solidFill>
-                  <a:srgbClr val="000000"/>
-                </a:solidFill>
-              </a:rPr>
-              <a:t> r: [r[</a:t>
-            </a:r>
-            <a:r>
-              <a:rPr lang="en-US" dirty="0">
-                <a:solidFill>
-                  <a:srgbClr val="008000"/>
-                </a:solidFill>
-              </a:rPr>
-              <a:t>0</a:t>
-            </a:r>
-            <a:r>
-              <a:rPr lang="en-US" dirty="0">
-                <a:solidFill>
-                  <a:srgbClr val="000000"/>
-                </a:solidFill>
-              </a:rPr>
-              <a:t>],</a:t>
-            </a:r>
-            <a:r>
-              <a:rPr lang="en-US" dirty="0" err="1">
-                <a:solidFill>
-                  <a:srgbClr val="000000"/>
-                </a:solidFill>
-              </a:rPr>
-              <a:t>Vectors.dense</a:t>
-            </a:r>
-            <a:r>
-              <a:rPr lang="en-US" dirty="0">
-                <a:solidFill>
-                  <a:srgbClr val="000000"/>
-                </a:solidFill>
-              </a:rPr>
-              <a:t>(r[</a:t>
-            </a:r>
-            <a:r>
-              <a:rPr lang="en-US" dirty="0">
-                <a:solidFill>
-                  <a:srgbClr val="008000"/>
-                </a:solidFill>
-              </a:rPr>
-              <a:t>1</a:t>
-            </a:r>
-            <a:r>
-              <a:rPr lang="en-US" dirty="0">
-                <a:solidFill>
-                  <a:srgbClr val="000000"/>
-                </a:solidFill>
-              </a:rPr>
-              <a:t>:])]).</a:t>
-            </a:r>
-            <a:r>
-              <a:rPr lang="en-US" dirty="0" err="1">
-                <a:solidFill>
-                  <a:srgbClr val="000000"/>
-                </a:solidFill>
-              </a:rPr>
-              <a:t>toDF</a:t>
-            </a:r>
-            <a:r>
-              <a:rPr lang="en-US" dirty="0">
-                <a:solidFill>
-                  <a:srgbClr val="000000"/>
-                </a:solidFill>
-              </a:rPr>
-              <a:t>([</a:t>
-            </a:r>
-            <a:r>
-              <a:rPr lang="en-US" dirty="0">
-                <a:solidFill>
-                  <a:srgbClr val="FF0000"/>
-                </a:solidFill>
-              </a:rPr>
-              <a:t>'</a:t>
-            </a:r>
-            <a:r>
-              <a:rPr lang="en-US" dirty="0" err="1">
-                <a:solidFill>
-                  <a:srgbClr val="FF0000"/>
-                </a:solidFill>
-              </a:rPr>
-              <a:t>CustomerID</a:t>
-            </a:r>
-            <a:r>
-              <a:rPr lang="en-US" dirty="0">
-                <a:solidFill>
-                  <a:srgbClr val="FF0000"/>
-                </a:solidFill>
-              </a:rPr>
-              <a:t>'</a:t>
-            </a:r>
-            <a:r>
-              <a:rPr lang="en-US" dirty="0">
-                <a:solidFill>
-                  <a:srgbClr val="000000"/>
-                </a:solidFill>
-              </a:rPr>
-              <a:t>,</a:t>
-            </a:r>
-            <a:r>
-              <a:rPr lang="en-US" dirty="0">
-                <a:solidFill>
-                  <a:srgbClr val="FF0000"/>
-                </a:solidFill>
-              </a:rPr>
-              <a:t>'</a:t>
-            </a:r>
-            <a:r>
-              <a:rPr lang="en-US" dirty="0" err="1">
-                <a:solidFill>
-                  <a:srgbClr val="FF0000"/>
-                </a:solidFill>
-              </a:rPr>
-              <a:t>rfm</a:t>
-            </a:r>
-            <a:r>
-              <a:rPr lang="en-US" dirty="0">
-                <a:solidFill>
-                  <a:srgbClr val="FF0000"/>
-                </a:solidFill>
-              </a:rPr>
-              <a:t>'</a:t>
-            </a:r>
-            <a:r>
-              <a:rPr lang="en-US" dirty="0">
-                <a:solidFill>
-                  <a:srgbClr val="000000"/>
-                </a:solidFill>
-              </a:rPr>
-              <a:t>]</a:t>
-            </a:r>
-            <a:r>
-              <a:rPr lang="en-US" dirty="0" smtClean="0">
-                <a:solidFill>
-                  <a:srgbClr val="000000"/>
-                </a:solidFill>
-              </a:rPr>
-              <a:t>)</a:t>
-            </a:r>
-            <a:endParaRPr lang="en-US" dirty="0">
-              <a:solidFill>
-                <a:srgbClr val="000000"/>
-              </a:solidFill>
-            </a:endParaRPr>
-          </a:p>
-          <a:p>
-            <a:r>
-              <a:rPr lang="en-US" dirty="0">
-                <a:solidFill>
-                  <a:srgbClr val="000000"/>
-                </a:solidFill>
-              </a:rPr>
-              <a:t>transformed=</a:t>
-            </a:r>
-            <a:r>
-              <a:rPr lang="en-US" dirty="0" err="1">
-                <a:solidFill>
-                  <a:srgbClr val="000000"/>
-                </a:solidFill>
-              </a:rPr>
-              <a:t>transData</a:t>
-            </a:r>
-            <a:r>
-              <a:rPr lang="en-US" dirty="0">
-                <a:solidFill>
-                  <a:srgbClr val="000000"/>
-                </a:solidFill>
-              </a:rPr>
-              <a:t>(</a:t>
-            </a:r>
-            <a:r>
-              <a:rPr lang="en-US" dirty="0" err="1">
-                <a:solidFill>
-                  <a:srgbClr val="000000"/>
-                </a:solidFill>
-              </a:rPr>
-              <a:t>rfm</a:t>
-            </a:r>
-            <a:r>
-              <a:rPr lang="en-US" dirty="0">
-                <a:solidFill>
-                  <a:srgbClr val="000000"/>
-                </a:solidFill>
-              </a:rPr>
-              <a:t>)</a:t>
-            </a:r>
-          </a:p>
-          <a:p>
-            <a:r>
-              <a:rPr lang="en-US" dirty="0" err="1">
-                <a:solidFill>
-                  <a:srgbClr val="000000"/>
-                </a:solidFill>
-              </a:rPr>
-              <a:t>transformed.show</a:t>
-            </a:r>
-            <a:r>
-              <a:rPr lang="en-US" dirty="0">
-                <a:solidFill>
-                  <a:srgbClr val="000000"/>
-                </a:solidFill>
-              </a:rPr>
-              <a:t>(</a:t>
-            </a:r>
-            <a:r>
-              <a:rPr lang="en-US" dirty="0">
-                <a:solidFill>
-                  <a:srgbClr val="008000"/>
-                </a:solidFill>
-              </a:rPr>
-              <a:t>5</a:t>
-            </a:r>
-            <a:r>
-              <a:rPr lang="en-US" dirty="0">
-                <a:solidFill>
-                  <a:srgbClr val="000000"/>
-                </a:solidFill>
-              </a:rPr>
-              <a:t>)</a:t>
-            </a:r>
+            <a:pPr algn="ctr"/>
+            <a:endParaRPr lang="en-US"/>
           </a:p>
         </p:txBody>
       </p:sp>
       <p:sp>
         <p:nvSpPr>
-          <p:cNvPr id="6" name="Title 1"/>
+          <p:cNvPr id="5" name="Title 1"/>
           <p:cNvSpPr txBox="1">
             <a:spLocks/>
           </p:cNvSpPr>
@@ -7007,8 +6655,8 @@
         </p:nvSpPr>
         <p:spPr>
           <a:xfrm>
-            <a:off x="-1" y="0"/>
-            <a:ext cx="4938618" cy="718596"/>
+            <a:off x="457200" y="2587286"/>
+            <a:ext cx="8229600" cy="1143000"/>
           </a:xfrm>
           <a:prstGeom prst="rect">
             <a:avLst/>
@@ -7035,70 +6683,24 @@
             </a:lvl1pPr>
           </a:lstStyle>
           <a:p>
-            <a:pPr algn="l"/>
-            <a:r>
-              <a:rPr lang="en-US" sz="3200" dirty="0" smtClean="0"/>
-              <a:t>Data Preparation </a:t>
-            </a:r>
-            <a:r>
-              <a:rPr lang="mr-IN" sz="3200" dirty="0" smtClean="0"/>
-              <a:t>–</a:t>
-            </a:r>
-            <a:r>
-              <a:rPr lang="en-US" sz="3200" dirty="0" smtClean="0"/>
-              <a:t> K-means</a:t>
-            </a:r>
-            <a:endParaRPr lang="en-US" sz="3200" dirty="0"/>
+            <a:r>
+              <a:rPr lang="en-US" dirty="0" smtClean="0"/>
+              <a:t>K-means</a:t>
+            </a:r>
+            <a:endParaRPr lang="en-US" dirty="0"/>
           </a:p>
         </p:txBody>
       </p:sp>
-      <p:pic>
-        <p:nvPicPr>
-          <p:cNvPr id="2" name="Picture 1" descr="Screen Shot 2019-04-01 at 7.15.02 AM.png"/>
-          <p:cNvPicPr>
-            <a:picLocks noChangeAspect="1"/>
-          </p:cNvPicPr>
-          <p:nvPr/>
-        </p:nvPicPr>
-        <p:blipFill>
-          <a:blip r:embed="rId2">
-            <a:extLst>
-              <a:ext uri="{28A0092B-C50C-407E-A947-70E740481C1C}">
-                <a14:useLocalDpi xmlns:a14="http://schemas.microsoft.com/office/drawing/2010/main" val="0"/>
-              </a:ext>
-            </a:extLst>
-          </a:blip>
-          <a:stretch>
-            <a:fillRect/>
-          </a:stretch>
-        </p:blipFill>
-        <p:spPr>
-          <a:xfrm>
-            <a:off x="0" y="2766140"/>
-            <a:ext cx="3378200" cy="1917700"/>
-          </a:xfrm>
-          <a:prstGeom prst="rect">
-            <a:avLst/>
-          </a:prstGeom>
-        </p:spPr>
-      </p:pic>
     </p:spTree>
     <p:extLst>
       <p:ext uri="{BB962C8B-B14F-4D97-AF65-F5344CB8AC3E}">
-        <p14:creationId xmlns:p14="http://schemas.microsoft.com/office/powerpoint/2010/main" val="2148366251"/>
+        <p14:creationId xmlns:p14="http://schemas.microsoft.com/office/powerpoint/2010/main" val="3793935099"/>
       </p:ext>
     </p:extLst>
   </p:cSld>
   <p:clrMapOvr>
     <a:masterClrMapping/>
   </p:clrMapOvr>
-  <p:timing>
-    <p:tnLst>
-      <p:par>
-        <p:cTn xmlns:p14="http://schemas.microsoft.com/office/powerpoint/2010/main" id="1" dur="indefinite" restart="never" nodeType="tmRoot"/>
-      </p:par>
-    </p:tnLst>
-  </p:timing>
 </p:sld>
 </file>
 
@@ -7163,7 +6765,7 @@
                   <a:srgbClr val="008000"/>
                 </a:solidFill>
               </a:rPr>
-              <a:t>## normalization</a:t>
+              <a:t>## prepare the data in vector dense</a:t>
             </a:r>
           </a:p>
           <a:p>
@@ -7189,7 +6791,7 @@
                   <a:srgbClr val="000000"/>
                 </a:solidFill>
               </a:rPr>
-              <a:t>pyspark.ml.feature</a:t>
+              <a:t>pyspark.ml.linalg</a:t>
             </a:r>
             <a:r>
               <a:rPr lang="en-US" dirty="0">
@@ -7213,6 +6815,24 @@
                   <a:srgbClr val="000000"/>
                 </a:solidFill>
               </a:rPr>
+              <a:t> Vectors</a:t>
+            </a:r>
+          </a:p>
+          <a:p>
+            <a:r>
+              <a:rPr lang="en-US" dirty="0" err="1">
+                <a:solidFill>
+                  <a:srgbClr val="0000FF"/>
+                </a:solidFill>
+              </a:rPr>
+              <a:t>def</a:t>
+            </a:r>
+            <a:r>
+              <a:rPr lang="en-US" dirty="0">
+                <a:solidFill>
+                  <a:srgbClr val="000000"/>
+                </a:solidFill>
+              </a:rPr>
               <a:t> </a:t>
             </a:r>
             <a:r>
@@ -7221,7 +6841,209 @@
                   <a:srgbClr val="000000"/>
                 </a:solidFill>
               </a:rPr>
-              <a:t>MinMaxScaler</a:t>
+              <a:t>transData</a:t>
+            </a:r>
+            <a:r>
+              <a:rPr lang="en-US" dirty="0">
+                <a:solidFill>
+                  <a:srgbClr val="000000"/>
+                </a:solidFill>
+              </a:rPr>
+              <a:t>(data):</a:t>
+            </a:r>
+          </a:p>
+          <a:p>
+            <a:r>
+              <a:rPr lang="en-US" dirty="0">
+                <a:solidFill>
+                  <a:srgbClr val="000000"/>
+                </a:solidFill>
+              </a:rPr>
+              <a:t>    </a:t>
+            </a:r>
+            <a:r>
+              <a:rPr lang="en-US" dirty="0">
+                <a:solidFill>
+                  <a:srgbClr val="0000FF"/>
+                </a:solidFill>
+              </a:rPr>
+              <a:t>return</a:t>
+            </a:r>
+            <a:r>
+              <a:rPr lang="en-US" dirty="0">
+                <a:solidFill>
+                  <a:srgbClr val="000000"/>
+                </a:solidFill>
+              </a:rPr>
+              <a:t> </a:t>
+            </a:r>
+            <a:r>
+              <a:rPr lang="en-US" dirty="0" err="1">
+                <a:solidFill>
+                  <a:srgbClr val="000000"/>
+                </a:solidFill>
+              </a:rPr>
+              <a:t>data.rdd.map</a:t>
+            </a:r>
+            <a:r>
+              <a:rPr lang="en-US" dirty="0">
+                <a:solidFill>
+                  <a:srgbClr val="000000"/>
+                </a:solidFill>
+              </a:rPr>
+              <a:t>(</a:t>
+            </a:r>
+            <a:r>
+              <a:rPr lang="en-US" dirty="0">
+                <a:solidFill>
+                  <a:srgbClr val="0000FF"/>
+                </a:solidFill>
+              </a:rPr>
+              <a:t>lambda</a:t>
+            </a:r>
+            <a:r>
+              <a:rPr lang="en-US" dirty="0">
+                <a:solidFill>
+                  <a:srgbClr val="000000"/>
+                </a:solidFill>
+              </a:rPr>
+              <a:t> r: [r[</a:t>
+            </a:r>
+            <a:r>
+              <a:rPr lang="en-US" dirty="0">
+                <a:solidFill>
+                  <a:srgbClr val="008000"/>
+                </a:solidFill>
+              </a:rPr>
+              <a:t>0</a:t>
+            </a:r>
+            <a:r>
+              <a:rPr lang="en-US" dirty="0">
+                <a:solidFill>
+                  <a:srgbClr val="000000"/>
+                </a:solidFill>
+              </a:rPr>
+              <a:t>],</a:t>
+            </a:r>
+            <a:r>
+              <a:rPr lang="en-US" dirty="0" err="1">
+                <a:solidFill>
+                  <a:srgbClr val="000000"/>
+                </a:solidFill>
+              </a:rPr>
+              <a:t>Vectors.dense</a:t>
+            </a:r>
+            <a:r>
+              <a:rPr lang="en-US" dirty="0">
+                <a:solidFill>
+                  <a:srgbClr val="000000"/>
+                </a:solidFill>
+              </a:rPr>
+              <a:t>(r[</a:t>
+            </a:r>
+            <a:r>
+              <a:rPr lang="en-US" dirty="0">
+                <a:solidFill>
+                  <a:srgbClr val="008000"/>
+                </a:solidFill>
+              </a:rPr>
+              <a:t>1</a:t>
+            </a:r>
+            <a:r>
+              <a:rPr lang="en-US" dirty="0">
+                <a:solidFill>
+                  <a:srgbClr val="000000"/>
+                </a:solidFill>
+              </a:rPr>
+              <a:t>:])]).</a:t>
+            </a:r>
+            <a:r>
+              <a:rPr lang="en-US" dirty="0" err="1">
+                <a:solidFill>
+                  <a:srgbClr val="000000"/>
+                </a:solidFill>
+              </a:rPr>
+              <a:t>toDF</a:t>
+            </a:r>
+            <a:r>
+              <a:rPr lang="en-US" dirty="0">
+                <a:solidFill>
+                  <a:srgbClr val="000000"/>
+                </a:solidFill>
+              </a:rPr>
+              <a:t>([</a:t>
+            </a:r>
+            <a:r>
+              <a:rPr lang="en-US" dirty="0">
+                <a:solidFill>
+                  <a:srgbClr val="FF0000"/>
+                </a:solidFill>
+              </a:rPr>
+              <a:t>'</a:t>
+            </a:r>
+            <a:r>
+              <a:rPr lang="en-US" dirty="0" err="1">
+                <a:solidFill>
+                  <a:srgbClr val="FF0000"/>
+                </a:solidFill>
+              </a:rPr>
+              <a:t>CustomerID</a:t>
+            </a:r>
+            <a:r>
+              <a:rPr lang="en-US" dirty="0">
+                <a:solidFill>
+                  <a:srgbClr val="FF0000"/>
+                </a:solidFill>
+              </a:rPr>
+              <a:t>'</a:t>
+            </a:r>
+            <a:r>
+              <a:rPr lang="en-US" dirty="0">
+                <a:solidFill>
+                  <a:srgbClr val="000000"/>
+                </a:solidFill>
+              </a:rPr>
+              <a:t>,</a:t>
+            </a:r>
+            <a:r>
+              <a:rPr lang="en-US" dirty="0">
+                <a:solidFill>
+                  <a:srgbClr val="FF0000"/>
+                </a:solidFill>
+              </a:rPr>
+              <a:t>'</a:t>
+            </a:r>
+            <a:r>
+              <a:rPr lang="en-US" dirty="0" err="1">
+                <a:solidFill>
+                  <a:srgbClr val="FF0000"/>
+                </a:solidFill>
+              </a:rPr>
+              <a:t>rfm</a:t>
+            </a:r>
+            <a:r>
+              <a:rPr lang="en-US" dirty="0">
+                <a:solidFill>
+                  <a:srgbClr val="FF0000"/>
+                </a:solidFill>
+              </a:rPr>
+              <a:t>'</a:t>
+            </a:r>
+            <a:r>
+              <a:rPr lang="en-US" dirty="0">
+                <a:solidFill>
+                  <a:srgbClr val="000000"/>
+                </a:solidFill>
+              </a:rPr>
+              <a:t>]</a:t>
+            </a:r>
+            <a:r>
+              <a:rPr lang="en-US" dirty="0" smtClean="0">
+                <a:solidFill>
+                  <a:srgbClr val="000000"/>
+                </a:solidFill>
+              </a:rPr>
+              <a:t>)</a:t>
             </a:r>
             <a:endParaRPr lang="en-US" dirty="0">
               <a:solidFill>
@@ -7231,28 +7053,20 @@
           </a:p>
           <a:p>
             <a:r>
-              <a:rPr lang="en-US" dirty="0" err="1">
-                <a:solidFill>
-                  <a:srgbClr val="000000"/>
-                </a:solidFill>
-              </a:rPr>
-              <a:t>scaler</a:t>
-            </a:r>
-            <a:r>
-              <a:rPr lang="en-US" dirty="0">
-                <a:solidFill>
-                  <a:srgbClr val="000000"/>
-                </a:solidFill>
-              </a:rPr>
-              <a:t> = </a:t>
-            </a:r>
-            <a:r>
-              <a:rPr lang="en-US" dirty="0" err="1">
-                <a:solidFill>
-                  <a:srgbClr val="000000"/>
-                </a:solidFill>
-              </a:rPr>
-              <a:t>MinMaxScaler</a:t>
+              <a:rPr lang="en-US" dirty="0">
+                <a:solidFill>
+                  <a:srgbClr val="000000"/>
+                </a:solidFill>
+              </a:rPr>
+              <a:t>transformed=</a:t>
+            </a:r>
+            <a:r>
+              <a:rPr lang="en-US" dirty="0" err="1">
+                <a:solidFill>
+                  <a:srgbClr val="000000"/>
+                </a:solidFill>
+              </a:rPr>
+              <a:t>transData</a:t>
             </a:r>
             <a:r>
               <a:rPr lang="en-US" dirty="0">
@@ -7268,75 +7082,11 @@
                   <a:srgbClr val="000000"/>
                 </a:solidFill>
               </a:rPr>
-              <a:t>inputCol</a:t>
-            </a:r>
-            <a:r>
-              <a:rPr lang="en-US" dirty="0">
-                <a:solidFill>
-                  <a:srgbClr val="000000"/>
-                </a:solidFill>
-              </a:rPr>
-              <a:t>=</a:t>
-            </a:r>
-            <a:r>
-              <a:rPr lang="en-US" dirty="0">
-                <a:solidFill>
-                  <a:srgbClr val="FF0000"/>
-                </a:solidFill>
-              </a:rPr>
-              <a:t>"</a:t>
-            </a:r>
-            <a:r>
-              <a:rPr lang="en-US" dirty="0" err="1">
-                <a:solidFill>
-                  <a:srgbClr val="FF0000"/>
-                </a:solidFill>
-              </a:rPr>
               <a:t>rfm</a:t>
             </a:r>
             <a:r>
               <a:rPr lang="en-US" dirty="0">
                 <a:solidFill>
-                  <a:srgbClr val="FF0000"/>
-                </a:solidFill>
-              </a:rPr>
-              <a:t>"</a:t>
-            </a:r>
-            <a:r>
-              <a:rPr lang="en-US" dirty="0">
-                <a:solidFill>
-                  <a:srgbClr val="000000"/>
-                </a:solidFill>
-              </a:rPr>
-              <a:t>,</a:t>
-            </a:r>
-            <a:r>
-              <a:rPr lang="en-US" dirty="0" err="1">
-                <a:solidFill>
-                  <a:srgbClr val="000000"/>
-                </a:solidFill>
-              </a:rPr>
-              <a:t>outputCol</a:t>
-            </a:r>
-            <a:r>
-              <a:rPr lang="en-US" dirty="0">
-                <a:solidFill>
-                  <a:srgbClr val="000000"/>
-                </a:solidFill>
-              </a:rPr>
-              <a:t>=</a:t>
-            </a:r>
-            <a:r>
-              <a:rPr lang="en-US" dirty="0">
-                <a:solidFill>
-                  <a:srgbClr val="FF0000"/>
-                </a:solidFill>
-              </a:rPr>
-              <a:t>"features"</a:t>
-            </a:r>
-            <a:r>
-              <a:rPr lang="en-US" dirty="0">
-                <a:solidFill>
                   <a:srgbClr val="000000"/>
                 </a:solidFill>
               </a:rPr>
@@ -7350,75 +7100,7 @@
                   <a:srgbClr val="000000"/>
                 </a:solidFill>
               </a:rPr>
-              <a:t>scalerModel</a:t>
-            </a:r>
-            <a:r>
-              <a:rPr lang="en-US" dirty="0">
-                <a:solidFill>
-                  <a:srgbClr val="000000"/>
-                </a:solidFill>
-              </a:rPr>
-              <a:t> = </a:t>
-            </a:r>
-            <a:r>
-              <a:rPr lang="en-US" dirty="0" err="1">
-                <a:solidFill>
-                  <a:srgbClr val="000000"/>
-                </a:solidFill>
-              </a:rPr>
-              <a:t>scaler.fit</a:t>
-            </a:r>
-            <a:r>
-              <a:rPr lang="en-US" dirty="0">
-                <a:solidFill>
-                  <a:srgbClr val="000000"/>
-                </a:solidFill>
-              </a:rPr>
-              <a:t>(transformed)</a:t>
-            </a:r>
-          </a:p>
-          <a:p>
-            <a:r>
-              <a:rPr lang="en-US" dirty="0" err="1">
-                <a:solidFill>
-                  <a:srgbClr val="000000"/>
-                </a:solidFill>
-              </a:rPr>
-              <a:t>scaledData</a:t>
-            </a:r>
-            <a:r>
-              <a:rPr lang="en-US" dirty="0">
-                <a:solidFill>
-                  <a:srgbClr val="000000"/>
-                </a:solidFill>
-              </a:rPr>
-              <a:t> = </a:t>
-            </a:r>
-            <a:r>
-              <a:rPr lang="en-US" dirty="0" err="1">
-                <a:solidFill>
-                  <a:srgbClr val="000000"/>
-                </a:solidFill>
-              </a:rPr>
-              <a:t>scalerModel.transform</a:t>
-            </a:r>
-            <a:r>
-              <a:rPr lang="en-US" dirty="0">
-                <a:solidFill>
-                  <a:srgbClr val="000000"/>
-                </a:solidFill>
-              </a:rPr>
-              <a:t>(transformed)</a:t>
-            </a:r>
-          </a:p>
-          <a:p>
-            <a:r>
-              <a:rPr lang="en-US" dirty="0" err="1">
-                <a:solidFill>
-                  <a:srgbClr val="000000"/>
-                </a:solidFill>
-              </a:rPr>
-              <a:t>scaledData.show</a:t>
+              <a:t>transformed.show</a:t>
             </a:r>
             <a:r>
               <a:rPr lang="en-US" dirty="0">
@@ -7442,29 +7124,8 @@
                   <a:srgbClr val="000000"/>
                 </a:solidFill>
               </a:rPr>
-              <a:t>,</a:t>
-            </a:r>
-            <a:r>
-              <a:rPr lang="en-US" dirty="0">
-                <a:solidFill>
-                  <a:srgbClr val="0000FF"/>
-                </a:solidFill>
-              </a:rPr>
-              <a:t>False</a:t>
-            </a:r>
-            <a:r>
-              <a:rPr lang="en-US" dirty="0" smtClean="0">
-                <a:solidFill>
-                  <a:srgbClr val="000000"/>
-                </a:solidFill>
-              </a:rPr>
               <a:t>)</a:t>
             </a:r>
-            <a:endParaRPr lang="en-US" dirty="0">
-              <a:solidFill>
-                <a:srgbClr val="000000"/>
-              </a:solidFill>
-            </a:endParaRPr>
           </a:p>
         </p:txBody>
       </p:sp>
@@ -7479,7 +7140,7 @@
         <p:spPr>
           <a:xfrm>
             <a:off x="-1" y="0"/>
-            <a:ext cx="5503031" cy="718596"/>
+            <a:ext cx="4938618" cy="718596"/>
           </a:xfrm>
           <a:prstGeom prst="rect">
             <a:avLst/>
@@ -7525,7 +7186,7 @@
       </p:sp>
       <p:pic>
         <p:nvPicPr>
-          <p:cNvPr id="4" name="Picture 3" descr="Screen Shot 2019-04-01 at 7.15.20 AM.png"/>
+          <p:cNvPr id="2" name="Picture 1" descr="Screen Shot 2019-04-01 at 7.15.02 AM.png"/>
           <p:cNvPicPr>
             <a:picLocks noChangeAspect="1"/>
           </p:cNvPicPr>
@@ -7545,8 +7206,8 @@
         </p:blipFill>
         <p:spPr>
           <a:xfrm>
-            <a:off x="0" y="2837096"/>
-            <a:ext cx="8801100" cy="1828800"/>
+            <a:off x="0" y="2766140"/>
+            <a:ext cx="3378200" cy="1917700"/>
           </a:xfrm>
           <a:prstGeom prst="rect">
             <a:avLst/>
@@ -7556,7 +7217,7 @@
     </p:spTree>
     <p:extLst>
       <p:ext uri="{BB962C8B-B14F-4D97-AF65-F5344CB8AC3E}">
-        <p14:creationId xmlns:p14="http://schemas.microsoft.com/office/powerpoint/2010/main" val="3968648793"/>
+        <p14:creationId xmlns:p14="http://schemas.microsoft.com/office/powerpoint/2010/main" val="2148366251"/>
       </p:ext>
     </p:extLst>
   </p:cSld>
@@ -7599,7 +7260,7 @@
         <p:spPr>
           <a:xfrm>
             <a:off x="457200" y="768719"/>
-            <a:ext cx="8229600" cy="2862323"/>
+            <a:ext cx="8229600" cy="1754327"/>
           </a:xfrm>
           <a:prstGeom prst="rect">
             <a:avLst/>
@@ -7634,7 +7295,7 @@
                   <a:srgbClr val="008000"/>
                 </a:solidFill>
               </a:rPr>
-              <a:t>## find optimal parameter</a:t>
+              <a:t>## normalization</a:t>
             </a:r>
           </a:p>
           <a:p>
@@ -7660,7 +7321,7 @@
                   <a:srgbClr val="000000"/>
                 </a:solidFill>
               </a:rPr>
-              <a:t>pyspark.ml.clustering</a:t>
+              <a:t>pyspark.ml.feature</a:t>
             </a:r>
             <a:r>
               <a:rPr lang="en-US" dirty="0">
@@ -7692,7 +7353,7 @@
                   <a:srgbClr val="000000"/>
                 </a:solidFill>
               </a:rPr>
-              <a:t>KMeans</a:t>
+              <a:t>MinMaxScaler</a:t>
             </a:r>
             <a:endParaRPr lang="en-US" dirty="0">
               <a:solidFill>
@@ -7702,20 +7363,28 @@
           </a:p>
           <a:p>
             <a:r>
-              <a:rPr lang="en-US" dirty="0">
-                <a:solidFill>
-                  <a:srgbClr val="000000"/>
-                </a:solidFill>
-              </a:rPr>
-              <a:t>cost = </a:t>
-            </a:r>
-            <a:r>
-              <a:rPr lang="en-US" dirty="0" err="1">
-                <a:solidFill>
-                  <a:srgbClr val="000000"/>
-                </a:solidFill>
-              </a:rPr>
-              <a:t>np.zeros</a:t>
+              <a:rPr lang="en-US" dirty="0" err="1">
+                <a:solidFill>
+                  <a:srgbClr val="000000"/>
+                </a:solidFill>
+              </a:rPr>
+              <a:t>scaler</a:t>
+            </a:r>
+            <a:r>
+              <a:rPr lang="en-US" dirty="0">
+                <a:solidFill>
+                  <a:srgbClr val="000000"/>
+                </a:solidFill>
+              </a:rPr>
+              <a:t> = </a:t>
+            </a:r>
+            <a:r>
+              <a:rPr lang="en-US" dirty="0" err="1">
+                <a:solidFill>
+                  <a:srgbClr val="000000"/>
+                </a:solidFill>
+              </a:rPr>
+              <a:t>MinMaxScaler</a:t>
             </a:r>
             <a:r>
               <a:rPr lang="en-US" dirty="0">
@@ -7726,331 +7395,208 @@
               <a:t>(</a:t>
             </a:r>
             <a:r>
+              <a:rPr lang="en-US" dirty="0" err="1">
+                <a:solidFill>
+                  <a:srgbClr val="000000"/>
+                </a:solidFill>
+              </a:rPr>
+              <a:t>inputCol</a:t>
+            </a:r>
+            <a:r>
+              <a:rPr lang="en-US" dirty="0">
+                <a:solidFill>
+                  <a:srgbClr val="000000"/>
+                </a:solidFill>
+              </a:rPr>
+              <a:t>=</a:t>
+            </a:r>
+            <a:r>
+              <a:rPr lang="en-US" dirty="0">
+                <a:solidFill>
+                  <a:srgbClr val="FF0000"/>
+                </a:solidFill>
+              </a:rPr>
+              <a:t>"</a:t>
+            </a:r>
+            <a:r>
+              <a:rPr lang="en-US" dirty="0" err="1">
+                <a:solidFill>
+                  <a:srgbClr val="FF0000"/>
+                </a:solidFill>
+              </a:rPr>
+              <a:t>rfm</a:t>
+            </a:r>
+            <a:r>
+              <a:rPr lang="en-US" dirty="0">
+                <a:solidFill>
+                  <a:srgbClr val="FF0000"/>
+                </a:solidFill>
+              </a:rPr>
+              <a:t>"</a:t>
+            </a:r>
+            <a:r>
+              <a:rPr lang="en-US" dirty="0">
+                <a:solidFill>
+                  <a:srgbClr val="000000"/>
+                </a:solidFill>
+              </a:rPr>
+              <a:t>,</a:t>
+            </a:r>
+            <a:r>
+              <a:rPr lang="en-US" dirty="0" err="1">
+                <a:solidFill>
+                  <a:srgbClr val="000000"/>
+                </a:solidFill>
+              </a:rPr>
+              <a:t>outputCol</a:t>
+            </a:r>
+            <a:r>
+              <a:rPr lang="en-US" dirty="0">
+                <a:solidFill>
+                  <a:srgbClr val="000000"/>
+                </a:solidFill>
+              </a:rPr>
+              <a:t>=</a:t>
+            </a:r>
+            <a:r>
+              <a:rPr lang="en-US" dirty="0">
+                <a:solidFill>
+                  <a:srgbClr val="FF0000"/>
+                </a:solidFill>
+              </a:rPr>
+              <a:t>"features"</a:t>
+            </a:r>
+            <a:r>
+              <a:rPr lang="en-US" dirty="0">
+                <a:solidFill>
+                  <a:srgbClr val="000000"/>
+                </a:solidFill>
+              </a:rPr>
+              <a:t>)</a:t>
+            </a:r>
+          </a:p>
+          <a:p>
+            <a:r>
+              <a:rPr lang="en-US" dirty="0" err="1">
+                <a:solidFill>
+                  <a:srgbClr val="000000"/>
+                </a:solidFill>
+              </a:rPr>
+              <a:t>scalerModel</a:t>
+            </a:r>
+            <a:r>
+              <a:rPr lang="en-US" dirty="0">
+                <a:solidFill>
+                  <a:srgbClr val="000000"/>
+                </a:solidFill>
+              </a:rPr>
+              <a:t> = </a:t>
+            </a:r>
+            <a:r>
+              <a:rPr lang="en-US" dirty="0" err="1">
+                <a:solidFill>
+                  <a:srgbClr val="000000"/>
+                </a:solidFill>
+              </a:rPr>
+              <a:t>scaler.fit</a:t>
+            </a:r>
+            <a:r>
+              <a:rPr lang="en-US" dirty="0">
+                <a:solidFill>
+                  <a:srgbClr val="000000"/>
+                </a:solidFill>
+              </a:rPr>
+              <a:t>(transformed)</a:t>
+            </a:r>
+          </a:p>
+          <a:p>
+            <a:r>
+              <a:rPr lang="en-US" dirty="0" err="1">
+                <a:solidFill>
+                  <a:srgbClr val="000000"/>
+                </a:solidFill>
+              </a:rPr>
+              <a:t>scaledData</a:t>
+            </a:r>
+            <a:r>
+              <a:rPr lang="en-US" dirty="0">
+                <a:solidFill>
+                  <a:srgbClr val="000000"/>
+                </a:solidFill>
+              </a:rPr>
+              <a:t> = </a:t>
+            </a:r>
+            <a:r>
+              <a:rPr lang="en-US" dirty="0" err="1">
+                <a:solidFill>
+                  <a:srgbClr val="000000"/>
+                </a:solidFill>
+              </a:rPr>
+              <a:t>scalerModel.transform</a:t>
+            </a:r>
+            <a:r>
+              <a:rPr lang="en-US" dirty="0">
+                <a:solidFill>
+                  <a:srgbClr val="000000"/>
+                </a:solidFill>
+              </a:rPr>
+              <a:t>(transformed)</a:t>
+            </a:r>
+          </a:p>
+          <a:p>
+            <a:r>
+              <a:rPr lang="en-US" dirty="0" err="1">
+                <a:solidFill>
+                  <a:srgbClr val="000000"/>
+                </a:solidFill>
+              </a:rPr>
+              <a:t>scaledData.show</a:t>
+            </a:r>
+            <a:r>
+              <a:rPr lang="en-US" dirty="0">
+                <a:solidFill>
+                  <a:srgbClr val="000000"/>
+                </a:solidFill>
+              </a:rPr>
+              <a:t>(</a:t>
+            </a:r>
+            <a:r>
               <a:rPr lang="en-US" dirty="0">
                 <a:solidFill>
                   <a:srgbClr val="008000"/>
                 </a:solidFill>
               </a:rPr>
-              <a:t>10</a:t>
-            </a:r>
-            <a:r>
-              <a:rPr lang="en-US" dirty="0">
+              <a:t>5</a:t>
+            </a:r>
+            <a:r>
+              <a:rPr lang="en-US" dirty="0">
+                <a:solidFill>
+                  <a:srgbClr val="000000"/>
+                </a:solidFill>
+              </a:rPr>
+              <a:t>,</a:t>
+            </a:r>
+            <a:r>
+              <a:rPr lang="en-US" dirty="0">
+                <a:solidFill>
+                  <a:srgbClr val="0000FF"/>
+                </a:solidFill>
+              </a:rPr>
+              <a:t>False</a:t>
+            </a:r>
+            <a:r>
+              <a:rPr lang="en-US" dirty="0" smtClean="0">
                 <a:solidFill>
                   <a:srgbClr val="000000"/>
                 </a:solidFill>
               </a:rPr>
               <a:t>)</a:t>
             </a:r>
-          </a:p>
-          <a:p>
-            <a:r>
-              <a:rPr lang="en-US" dirty="0">
-                <a:solidFill>
-                  <a:srgbClr val="000000"/>
-                </a:solidFill>
-              </a:rPr>
-              <a:t>for k in range(</a:t>
-            </a:r>
-            <a:r>
-              <a:rPr lang="en-US" dirty="0">
-                <a:solidFill>
-                  <a:srgbClr val="008000"/>
-                </a:solidFill>
-              </a:rPr>
-              <a:t>2</a:t>
-            </a:r>
-            <a:r>
-              <a:rPr lang="en-US" dirty="0">
-                <a:solidFill>
-                  <a:srgbClr val="000000"/>
-                </a:solidFill>
-              </a:rPr>
-              <a:t>,</a:t>
-            </a:r>
-            <a:r>
-              <a:rPr lang="en-US" dirty="0">
-                <a:solidFill>
-                  <a:srgbClr val="008000"/>
-                </a:solidFill>
-              </a:rPr>
-              <a:t>10</a:t>
-            </a:r>
-            <a:r>
-              <a:rPr lang="en-US" dirty="0">
-                <a:solidFill>
-                  <a:srgbClr val="000000"/>
-                </a:solidFill>
-              </a:rPr>
-              <a:t>):</a:t>
-            </a:r>
-          </a:p>
-          <a:p>
-            <a:r>
-              <a:rPr lang="en-US" dirty="0">
-                <a:solidFill>
-                  <a:srgbClr val="000000"/>
-                </a:solidFill>
-              </a:rPr>
-              <a:t>    </a:t>
-            </a:r>
-            <a:r>
-              <a:rPr lang="en-US" dirty="0" err="1">
-                <a:solidFill>
-                  <a:srgbClr val="000000"/>
-                </a:solidFill>
-              </a:rPr>
-              <a:t>kmeans</a:t>
-            </a:r>
-            <a:r>
-              <a:rPr lang="en-US" dirty="0">
-                <a:solidFill>
-                  <a:srgbClr val="000000"/>
-                </a:solidFill>
-              </a:rPr>
-              <a:t> = </a:t>
-            </a:r>
-            <a:r>
-              <a:rPr lang="en-US" dirty="0" err="1">
-                <a:solidFill>
-                  <a:srgbClr val="000000"/>
-                </a:solidFill>
-              </a:rPr>
-              <a:t>KMeans</a:t>
-            </a:r>
-            <a:r>
-              <a:rPr lang="en-US" dirty="0">
-                <a:solidFill>
-                  <a:srgbClr val="000000"/>
-                </a:solidFill>
-              </a:rPr>
-              <a:t>().</a:t>
-            </a:r>
-            <a:r>
-              <a:rPr lang="en-US" dirty="0" err="1">
-                <a:solidFill>
-                  <a:srgbClr val="000000"/>
-                </a:solidFill>
-              </a:rPr>
-              <a:t>setK</a:t>
-            </a:r>
-            <a:r>
-              <a:rPr lang="en-US" dirty="0">
-                <a:solidFill>
-                  <a:srgbClr val="000000"/>
-                </a:solidFill>
-              </a:rPr>
-              <a:t>(k)\</a:t>
-            </a:r>
-          </a:p>
-          <a:p>
-            <a:r>
-              <a:rPr lang="en-US" dirty="0">
-                <a:solidFill>
-                  <a:srgbClr val="000000"/>
-                </a:solidFill>
-              </a:rPr>
-              <a:t>        .</a:t>
-            </a:r>
-            <a:r>
-              <a:rPr lang="en-US" dirty="0" err="1">
-                <a:solidFill>
-                  <a:srgbClr val="000000"/>
-                </a:solidFill>
-              </a:rPr>
-              <a:t>setSeed</a:t>
-            </a:r>
-            <a:r>
-              <a:rPr lang="en-US" dirty="0">
-                <a:solidFill>
-                  <a:srgbClr val="000000"/>
-                </a:solidFill>
-              </a:rPr>
-              <a:t>(</a:t>
-            </a:r>
-            <a:r>
-              <a:rPr lang="en-US" dirty="0">
-                <a:solidFill>
-                  <a:srgbClr val="008000"/>
-                </a:solidFill>
-              </a:rPr>
-              <a:t>1</a:t>
-            </a:r>
-            <a:r>
-              <a:rPr lang="en-US" dirty="0">
-                <a:solidFill>
-                  <a:srgbClr val="000000"/>
-                </a:solidFill>
-              </a:rPr>
-              <a:t>) \</a:t>
-            </a:r>
-          </a:p>
-          <a:p>
-            <a:r>
-              <a:rPr lang="en-US" dirty="0">
-                <a:solidFill>
-                  <a:srgbClr val="000000"/>
-                </a:solidFill>
-              </a:rPr>
-              <a:t>        .</a:t>
-            </a:r>
-            <a:r>
-              <a:rPr lang="en-US" dirty="0" err="1">
-                <a:solidFill>
-                  <a:srgbClr val="000000"/>
-                </a:solidFill>
-              </a:rPr>
-              <a:t>setFeaturesCol</a:t>
-            </a:r>
-            <a:r>
-              <a:rPr lang="en-US" dirty="0">
-                <a:solidFill>
-                  <a:srgbClr val="000000"/>
-                </a:solidFill>
-              </a:rPr>
-              <a:t>(</a:t>
-            </a:r>
-            <a:r>
-              <a:rPr lang="en-US" dirty="0">
-                <a:solidFill>
-                  <a:srgbClr val="FF0000"/>
-                </a:solidFill>
-              </a:rPr>
-              <a:t>"features"</a:t>
-            </a:r>
-            <a:r>
-              <a:rPr lang="en-US" dirty="0">
-                <a:solidFill>
-                  <a:srgbClr val="000000"/>
-                </a:solidFill>
-              </a:rPr>
-              <a:t>)\</a:t>
-            </a:r>
-          </a:p>
-          <a:p>
-            <a:r>
-              <a:rPr lang="en-US" dirty="0">
-                <a:solidFill>
-                  <a:srgbClr val="000000"/>
-                </a:solidFill>
-              </a:rPr>
-              <a:t>        .</a:t>
-            </a:r>
-            <a:r>
-              <a:rPr lang="en-US" dirty="0" err="1">
-                <a:solidFill>
-                  <a:srgbClr val="000000"/>
-                </a:solidFill>
-              </a:rPr>
-              <a:t>setPredictionCol</a:t>
-            </a:r>
-            <a:r>
-              <a:rPr lang="en-US" dirty="0">
-                <a:solidFill>
-                  <a:schemeClr val="tx1"/>
-                </a:solidFill>
-              </a:rPr>
-              <a:t>(</a:t>
-            </a:r>
-            <a:r>
-              <a:rPr lang="en-US" dirty="0">
-                <a:solidFill>
-                  <a:srgbClr val="FF0000"/>
-                </a:solidFill>
-              </a:rPr>
-              <a:t>"cluster"</a:t>
-            </a:r>
-            <a:r>
-              <a:rPr lang="en-US" dirty="0">
-                <a:solidFill>
-                  <a:srgbClr val="000000"/>
-                </a:solidFill>
-              </a:rPr>
-              <a:t>)</a:t>
-            </a:r>
-          </a:p>
-          <a:p>
-            <a:r>
-              <a:rPr lang="en-US" dirty="0">
-                <a:solidFill>
-                  <a:srgbClr val="000000"/>
-                </a:solidFill>
-              </a:rPr>
-              <a:t>    model = </a:t>
-            </a:r>
-            <a:r>
-              <a:rPr lang="en-US" dirty="0" err="1">
-                <a:solidFill>
-                  <a:srgbClr val="000000"/>
-                </a:solidFill>
-              </a:rPr>
-              <a:t>kmeans.fit</a:t>
-            </a:r>
-            <a:r>
-              <a:rPr lang="en-US" dirty="0">
-                <a:solidFill>
-                  <a:srgbClr val="000000"/>
-                </a:solidFill>
-              </a:rPr>
-              <a:t>(</a:t>
-            </a:r>
-            <a:r>
-              <a:rPr lang="en-US" dirty="0" err="1">
-                <a:solidFill>
-                  <a:srgbClr val="000000"/>
-                </a:solidFill>
-              </a:rPr>
-              <a:t>scaledData</a:t>
-            </a:r>
-            <a:r>
-              <a:rPr lang="en-US" dirty="0">
-                <a:solidFill>
-                  <a:srgbClr val="000000"/>
-                </a:solidFill>
-              </a:rPr>
-              <a:t>)</a:t>
-            </a:r>
-          </a:p>
-          <a:p>
-            <a:r>
-              <a:rPr lang="en-US" dirty="0">
-                <a:solidFill>
-                  <a:srgbClr val="000000"/>
-                </a:solidFill>
-              </a:rPr>
-              <a:t>    cost[k] = </a:t>
-            </a:r>
-            <a:r>
-              <a:rPr lang="en-US" dirty="0" err="1">
-                <a:solidFill>
-                  <a:srgbClr val="000000"/>
-                </a:solidFill>
-              </a:rPr>
-              <a:t>model.computeCost</a:t>
-            </a:r>
-            <a:r>
-              <a:rPr lang="en-US" dirty="0">
-                <a:solidFill>
-                  <a:srgbClr val="000000"/>
-                </a:solidFill>
-              </a:rPr>
-              <a:t>(</a:t>
-            </a:r>
-            <a:r>
-              <a:rPr lang="en-US" dirty="0" err="1">
-                <a:solidFill>
-                  <a:srgbClr val="000000"/>
-                </a:solidFill>
-              </a:rPr>
-              <a:t>scaledData</a:t>
-            </a:r>
-            <a:r>
-              <a:rPr lang="en-US" dirty="0">
-                <a:solidFill>
-                  <a:srgbClr val="000000"/>
-                </a:solidFill>
-              </a:rPr>
-              <a:t>)</a:t>
-            </a:r>
+            <a:endParaRPr lang="en-US" dirty="0">
+              <a:solidFill>
+                <a:srgbClr val="000000"/>
+              </a:solidFill>
+            </a:endParaRPr>
           </a:p>
         </p:txBody>
       </p:sp>
@@ -8065,7 +7611,7 @@
         <p:spPr>
           <a:xfrm>
             <a:off x="-1" y="0"/>
-            <a:ext cx="4999091" cy="718596"/>
+            <a:ext cx="5503031" cy="718596"/>
           </a:xfrm>
           <a:prstGeom prst="rect">
             <a:avLst/>
@@ -8095,7 +7641,7 @@
             <a:pPr algn="l"/>
             <a:r>
               <a:rPr lang="en-US" sz="3200" dirty="0" smtClean="0"/>
-              <a:t>K-means </a:t>
+              <a:t>Data Preparation </a:t>
             </a:r>
             <a:r>
               <a:rPr lang="mr-IN" sz="3200" dirty="0" smtClean="0"/>
@@ -8103,16 +7649,46 @@
             </a:r>
             <a:r>
               <a:rPr lang="en-US" sz="3200" dirty="0" smtClean="0"/>
-              <a:t> Parameter Tuning </a:t>
+              <a:t> K-means</a:t>
             </a:r>
             <a:endParaRPr lang="en-US" sz="3200" dirty="0"/>
           </a:p>
         </p:txBody>
       </p:sp>
+      <p:pic>
+        <p:nvPicPr>
+          <p:cNvPr id="4" name="Picture 3" descr="Screen Shot 2019-04-01 at 7.15.20 AM.png"/>
+          <p:cNvPicPr>
+            <a:picLocks noChangeAspect="1"/>
+          </p:cNvPicPr>
+          <p:nvPr/>
+        </p:nvPicPr>
+        <p:blipFill>
+          <a:blip r:embed="rId2">
+            <a:extLst>
+              <a:ext uri="{28A0092B-C50C-407E-A947-70E740481C1C}">
+                <a14:useLocalDpi xmlns:a14="http://schemas.microsoft.com/office/drawing/2010/main" val="0"/>
+              </a:ext>
+            </a:extLst>
+          </a:blip>
+          <a:stretch>
+            <a:fillRect/>
+          </a:stretch>
+        </p:blipFill>
+        <p:spPr>
+          <a:xfrm>
+            <a:off x="0" y="2837096"/>
+            <a:ext cx="8801100" cy="1828800"/>
+          </a:xfrm>
+          <a:prstGeom prst="rect">
+            <a:avLst/>
+          </a:prstGeom>
+        </p:spPr>
+      </p:pic>
     </p:spTree>
     <p:extLst>
       <p:ext uri="{BB962C8B-B14F-4D97-AF65-F5344CB8AC3E}">
-        <p14:creationId xmlns:p14="http://schemas.microsoft.com/office/powerpoint/2010/main" val="1077087731"/>
+        <p14:creationId xmlns:p14="http://schemas.microsoft.com/office/powerpoint/2010/main" val="3968648793"/>
       </p:ext>
     </p:extLst>
   </p:cSld>
@@ -8704,7 +8280,7 @@
         <p:spPr>
           <a:xfrm>
             <a:off x="457200" y="768719"/>
-            <a:ext cx="8229600" cy="2585323"/>
+            <a:ext cx="8229600" cy="2308324"/>
           </a:xfrm>
           <a:prstGeom prst="rect">
             <a:avLst/>
@@ -8734,38 +8310,298 @@
           <a:lstStyle/>
           <a:p>
             <a:r>
+              <a:rPr lang="en-US" dirty="0">
+                <a:solidFill>
+                  <a:srgbClr val="008000"/>
+                </a:solidFill>
+              </a:rPr>
+              <a:t>## find optimal parameter</a:t>
+            </a:r>
+          </a:p>
+          <a:p>
+            <a:r>
+              <a:rPr lang="en-US" dirty="0">
+                <a:solidFill>
+                  <a:srgbClr val="0000FF"/>
+                </a:solidFill>
+              </a:rPr>
+              <a:t>from</a:t>
+            </a:r>
+            <a:r>
+              <a:rPr lang="en-US" dirty="0">
+                <a:solidFill>
+                  <a:srgbClr val="000000"/>
+                </a:solidFill>
+              </a:rPr>
+              <a:t> </a:t>
+            </a:r>
+            <a:r>
+              <a:rPr lang="en-US" dirty="0" err="1">
+                <a:solidFill>
+                  <a:srgbClr val="000000"/>
+                </a:solidFill>
+              </a:rPr>
+              <a:t>pyspark.ml.clustering</a:t>
+            </a:r>
+            <a:r>
+              <a:rPr lang="en-US" dirty="0">
+                <a:solidFill>
+                  <a:srgbClr val="000000"/>
+                </a:solidFill>
+              </a:rPr>
+              <a:t> </a:t>
+            </a:r>
+            <a:r>
+              <a:rPr lang="en-US" dirty="0">
+                <a:solidFill>
+                  <a:srgbClr val="0000FF"/>
+                </a:solidFill>
+              </a:rPr>
+              <a:t>import</a:t>
+            </a:r>
+            <a:r>
+              <a:rPr lang="en-US" dirty="0">
+                <a:solidFill>
+                  <a:srgbClr val="000000"/>
+                </a:solidFill>
+              </a:rPr>
+              <a:t> </a:t>
+            </a:r>
+            <a:r>
+              <a:rPr lang="en-US" dirty="0" err="1">
+                <a:solidFill>
+                  <a:srgbClr val="000000"/>
+                </a:solidFill>
+              </a:rPr>
+              <a:t>KMeans</a:t>
+            </a:r>
+            <a:endParaRPr lang="en-US" dirty="0">
+              <a:solidFill>
+                <a:srgbClr val="000000"/>
+              </a:solidFill>
+            </a:endParaRPr>
+          </a:p>
+          <a:p>
+            <a:r>
+              <a:rPr lang="en-US" dirty="0">
+                <a:solidFill>
+                  <a:srgbClr val="000000"/>
+                </a:solidFill>
+              </a:rPr>
+              <a:t>cost = </a:t>
+            </a:r>
+            <a:r>
+              <a:rPr lang="en-US" dirty="0" err="1">
+                <a:solidFill>
+                  <a:srgbClr val="000000"/>
+                </a:solidFill>
+              </a:rPr>
+              <a:t>np.zeros</a:t>
+            </a:r>
+            <a:r>
+              <a:rPr lang="en-US" dirty="0">
+                <a:solidFill>
+                  <a:srgbClr val="000000"/>
+                </a:solidFill>
+              </a:rPr>
+              <a:t>(</a:t>
+            </a:r>
+            <a:r>
+              <a:rPr lang="en-US" dirty="0">
+                <a:solidFill>
+                  <a:srgbClr val="008000"/>
+                </a:solidFill>
+              </a:rPr>
+              <a:t>10</a:t>
+            </a:r>
+            <a:r>
+              <a:rPr lang="en-US" dirty="0">
+                <a:solidFill>
+                  <a:srgbClr val="000000"/>
+                </a:solidFill>
+              </a:rPr>
+              <a:t>)</a:t>
+            </a:r>
+          </a:p>
+          <a:p>
+            <a:r>
+              <a:rPr lang="en-US" dirty="0">
+                <a:solidFill>
+                  <a:srgbClr val="3366FF"/>
+                </a:solidFill>
+              </a:rPr>
+              <a:t>for</a:t>
+            </a:r>
+            <a:r>
+              <a:rPr lang="en-US" dirty="0">
+                <a:solidFill>
+                  <a:srgbClr val="000000"/>
+                </a:solidFill>
+              </a:rPr>
+              <a:t> k in range(</a:t>
+            </a:r>
+            <a:r>
+              <a:rPr lang="en-US" dirty="0">
+                <a:solidFill>
+                  <a:srgbClr val="008000"/>
+                </a:solidFill>
+              </a:rPr>
+              <a:t>2</a:t>
+            </a:r>
+            <a:r>
+              <a:rPr lang="en-US" dirty="0">
+                <a:solidFill>
+                  <a:srgbClr val="000000"/>
+                </a:solidFill>
+              </a:rPr>
+              <a:t>,</a:t>
+            </a:r>
+            <a:r>
+              <a:rPr lang="en-US" dirty="0">
+                <a:solidFill>
+                  <a:srgbClr val="008000"/>
+                </a:solidFill>
+              </a:rPr>
+              <a:t>10</a:t>
+            </a:r>
+            <a:r>
+              <a:rPr lang="en-US" dirty="0">
+                <a:solidFill>
+                  <a:srgbClr val="000000"/>
+                </a:solidFill>
+              </a:rPr>
+              <a:t>):</a:t>
+            </a:r>
+          </a:p>
+          <a:p>
+            <a:r>
+              <a:rPr lang="en-US" dirty="0">
+                <a:solidFill>
+                  <a:srgbClr val="000000"/>
+                </a:solidFill>
+              </a:rPr>
+              <a:t>    </a:t>
+            </a:r>
+            <a:r>
+              <a:rPr lang="en-US" dirty="0" err="1">
+                <a:solidFill>
+                  <a:srgbClr val="000000"/>
+                </a:solidFill>
+              </a:rPr>
+              <a:t>kmeans</a:t>
+            </a:r>
+            <a:r>
+              <a:rPr lang="en-US" dirty="0">
+                <a:solidFill>
+                  <a:srgbClr val="000000"/>
+                </a:solidFill>
+              </a:rPr>
+              <a:t> = </a:t>
+            </a:r>
+            <a:r>
+              <a:rPr lang="en-US" dirty="0" err="1">
+                <a:solidFill>
+                  <a:srgbClr val="000000"/>
+                </a:solidFill>
+              </a:rPr>
+              <a:t>KMeans</a:t>
+            </a:r>
+            <a:r>
+              <a:rPr lang="en-US" dirty="0">
+                <a:solidFill>
+                  <a:srgbClr val="000000"/>
+                </a:solidFill>
+              </a:rPr>
+              <a:t>().</a:t>
+            </a:r>
+            <a:r>
+              <a:rPr lang="en-US" dirty="0" err="1">
+                <a:solidFill>
+                  <a:srgbClr val="000000"/>
+                </a:solidFill>
+              </a:rPr>
+              <a:t>setK</a:t>
+            </a:r>
+            <a:r>
+              <a:rPr lang="en-US" dirty="0">
+                <a:solidFill>
+                  <a:srgbClr val="000000"/>
+                </a:solidFill>
+              </a:rPr>
+              <a:t>(k)\</a:t>
+            </a:r>
+          </a:p>
+          <a:p>
+            <a:r>
+              <a:rPr lang="en-US" dirty="0">
+                <a:solidFill>
+                  <a:srgbClr val="000000"/>
+                </a:solidFill>
+              </a:rPr>
+              <a:t>        .</a:t>
+            </a:r>
+            <a:r>
+              <a:rPr lang="en-US" dirty="0" err="1">
+                <a:solidFill>
+                  <a:srgbClr val="000000"/>
+                </a:solidFill>
+              </a:rPr>
+              <a:t>setSeed</a:t>
+            </a:r>
+            <a:r>
+              <a:rPr lang="en-US" dirty="0">
+                <a:solidFill>
+                  <a:srgbClr val="000000"/>
+                </a:solidFill>
+              </a:rPr>
+              <a:t>(</a:t>
+            </a:r>
+            <a:r>
+              <a:rPr lang="en-US" dirty="0">
+                <a:solidFill>
+                  <a:srgbClr val="008000"/>
+                </a:solidFill>
+              </a:rPr>
+              <a:t>1</a:t>
+            </a:r>
+            <a:r>
+              <a:rPr lang="en-US" dirty="0">
+                <a:solidFill>
+                  <a:srgbClr val="000000"/>
+                </a:solidFill>
+              </a:rPr>
+              <a:t>) </a:t>
+            </a:r>
+            <a:endParaRPr lang="en-US" dirty="0" smtClean="0">
+              <a:solidFill>
+                <a:srgbClr val="000000"/>
+              </a:solidFill>
+            </a:endParaRPr>
+          </a:p>
+          <a:p>
+            <a:r>
               <a:rPr lang="en-US" dirty="0" smtClean="0">
                 <a:solidFill>
-                  <a:srgbClr val="008000"/>
-                </a:solidFill>
-              </a:rPr>
-              <a:t>## </a:t>
-            </a:r>
-            <a:r>
-              <a:rPr lang="en-US" dirty="0">
-                <a:solidFill>
-                  <a:srgbClr val="008000"/>
-                </a:solidFill>
-              </a:rPr>
-              <a:t>plot elbow</a:t>
-            </a:r>
-          </a:p>
-          <a:p>
-            <a:r>
-              <a:rPr lang="en-US" dirty="0">
-                <a:solidFill>
-                  <a:srgbClr val="000000"/>
-                </a:solidFill>
-              </a:rPr>
-              <a:t>fig, ax = </a:t>
-            </a:r>
-            <a:r>
-              <a:rPr lang="en-US" dirty="0" err="1">
-                <a:solidFill>
-                  <a:srgbClr val="000000"/>
-                </a:solidFill>
-              </a:rPr>
-              <a:t>plt.subplots</a:t>
+                  <a:srgbClr val="000000"/>
+                </a:solidFill>
+              </a:rPr>
+              <a:t>    </a:t>
+            </a:r>
+            <a:r>
+              <a:rPr lang="en-US" dirty="0">
+                <a:solidFill>
+                  <a:srgbClr val="000000"/>
+                </a:solidFill>
+              </a:rPr>
+              <a:t>model = </a:t>
+            </a:r>
+            <a:r>
+              <a:rPr lang="en-US" dirty="0" err="1">
+                <a:solidFill>
+                  <a:srgbClr val="000000"/>
+                </a:solidFill>
+              </a:rPr>
+              <a:t>kmeans.fit</a:t>
             </a:r>
             <a:r>
               <a:rPr lang="en-US" dirty="0">
@@ -8776,222 +8612,12 @@
               <a:t>(</a:t>
             </a:r>
             <a:r>
-              <a:rPr lang="en-US" dirty="0">
-                <a:solidFill>
-                  <a:srgbClr val="008000"/>
-                </a:solidFill>
-              </a:rPr>
-              <a:t>1</a:t>
-            </a:r>
-            <a:r>
-              <a:rPr lang="en-US" dirty="0">
-                <a:solidFill>
-                  <a:srgbClr val="000000"/>
-                </a:solidFill>
-              </a:rPr>
-              <a:t>,</a:t>
-            </a:r>
-            <a:r>
-              <a:rPr lang="en-US" dirty="0">
-                <a:solidFill>
-                  <a:srgbClr val="008000"/>
-                </a:solidFill>
-              </a:rPr>
-              <a:t>1</a:t>
-            </a:r>
-            <a:r>
-              <a:rPr lang="en-US" dirty="0">
-                <a:solidFill>
-                  <a:srgbClr val="000000"/>
-                </a:solidFill>
-              </a:rPr>
-              <a:t>, </a:t>
-            </a:r>
-            <a:r>
-              <a:rPr lang="en-US" dirty="0" err="1">
-                <a:solidFill>
-                  <a:srgbClr val="000000"/>
-                </a:solidFill>
-              </a:rPr>
-              <a:t>figsize</a:t>
-            </a:r>
-            <a:r>
-              <a:rPr lang="en-US" dirty="0">
-                <a:solidFill>
-                  <a:srgbClr val="000000"/>
-                </a:solidFill>
-              </a:rPr>
-              <a:t> =(</a:t>
-            </a:r>
-            <a:r>
-              <a:rPr lang="en-US" dirty="0">
-                <a:solidFill>
-                  <a:srgbClr val="008000"/>
-                </a:solidFill>
-              </a:rPr>
-              <a:t>8</a:t>
-            </a:r>
-            <a:r>
-              <a:rPr lang="en-US" dirty="0">
-                <a:solidFill>
-                  <a:srgbClr val="000000"/>
-                </a:solidFill>
-              </a:rPr>
-              <a:t>,</a:t>
-            </a:r>
-            <a:r>
-              <a:rPr lang="en-US" dirty="0">
-                <a:solidFill>
-                  <a:srgbClr val="008000"/>
-                </a:solidFill>
-              </a:rPr>
-              <a:t>6</a:t>
-            </a:r>
-            <a:r>
-              <a:rPr lang="en-US" dirty="0">
-                <a:solidFill>
-                  <a:srgbClr val="000000"/>
-                </a:solidFill>
-              </a:rPr>
-              <a:t>))</a:t>
-            </a:r>
-          </a:p>
-          <a:p>
-            <a:r>
-              <a:rPr lang="en-US" dirty="0" err="1">
-                <a:solidFill>
-                  <a:srgbClr val="000000"/>
-                </a:solidFill>
-              </a:rPr>
-              <a:t>ax.plot</a:t>
-            </a:r>
-            <a:r>
-              <a:rPr lang="en-US" dirty="0">
-                <a:solidFill>
-                  <a:srgbClr val="000000"/>
-                </a:solidFill>
-              </a:rPr>
-              <a:t>(range(</a:t>
-            </a:r>
-            <a:r>
-              <a:rPr lang="en-US" dirty="0">
-                <a:solidFill>
-                  <a:srgbClr val="008000"/>
-                </a:solidFill>
-              </a:rPr>
-              <a:t>2</a:t>
-            </a:r>
-            <a:r>
-              <a:rPr lang="en-US" dirty="0">
-                <a:solidFill>
-                  <a:srgbClr val="000000"/>
-                </a:solidFill>
-              </a:rPr>
-              <a:t>,</a:t>
-            </a:r>
-            <a:r>
-              <a:rPr lang="en-US" dirty="0">
-                <a:solidFill>
-                  <a:srgbClr val="008000"/>
-                </a:solidFill>
-              </a:rPr>
-              <a:t>10</a:t>
-            </a:r>
-            <a:r>
-              <a:rPr lang="en-US" dirty="0">
-                <a:solidFill>
-                  <a:srgbClr val="000000"/>
-                </a:solidFill>
-              </a:rPr>
-              <a:t>),cost[</a:t>
-            </a:r>
-            <a:r>
-              <a:rPr lang="en-US" dirty="0">
-                <a:solidFill>
-                  <a:srgbClr val="008000"/>
-                </a:solidFill>
-              </a:rPr>
-              <a:t>2</a:t>
-            </a:r>
-            <a:r>
-              <a:rPr lang="en-US" dirty="0">
-                <a:solidFill>
-                  <a:srgbClr val="000000"/>
-                </a:solidFill>
-              </a:rPr>
-              <a:t>:</a:t>
-            </a:r>
-            <a:r>
-              <a:rPr lang="en-US" dirty="0">
-                <a:solidFill>
-                  <a:srgbClr val="008000"/>
-                </a:solidFill>
-              </a:rPr>
-              <a:t>10</a:t>
-            </a:r>
-            <a:r>
-              <a:rPr lang="en-US" dirty="0">
-                <a:solidFill>
-                  <a:srgbClr val="000000"/>
-                </a:solidFill>
-              </a:rPr>
-              <a:t>], marker = </a:t>
-            </a:r>
-            <a:r>
-              <a:rPr lang="en-US" dirty="0">
-                <a:solidFill>
-                  <a:srgbClr val="FF0000"/>
-                </a:solidFill>
-              </a:rPr>
-              <a:t>"</a:t>
-            </a:r>
-            <a:r>
-              <a:rPr lang="en-US" dirty="0" err="1">
-                <a:solidFill>
-                  <a:srgbClr val="FF0000"/>
-                </a:solidFill>
-              </a:rPr>
-              <a:t>o"</a:t>
-            </a:r>
-            <a:r>
-              <a:rPr lang="en-US" dirty="0" err="1">
-                <a:solidFill>
-                  <a:srgbClr val="000000"/>
-                </a:solidFill>
-              </a:rPr>
-              <a:t>,color</a:t>
-            </a:r>
-            <a:r>
-              <a:rPr lang="en-US" dirty="0">
-                <a:solidFill>
-                  <a:srgbClr val="000000"/>
-                </a:solidFill>
-              </a:rPr>
-              <a:t>=</a:t>
-            </a:r>
-            <a:r>
-              <a:rPr lang="en-US" dirty="0">
-                <a:solidFill>
-                  <a:srgbClr val="FF0000"/>
-                </a:solidFill>
-              </a:rPr>
-              <a:t>'</a:t>
-            </a:r>
-            <a:r>
-              <a:rPr lang="en-US" dirty="0" err="1">
-                <a:solidFill>
-                  <a:srgbClr val="FF0000"/>
-                </a:solidFill>
-              </a:rPr>
-              <a:t>indianred</a:t>
-            </a:r>
-            <a:r>
-              <a:rPr lang="en-US" dirty="0">
-                <a:solidFill>
-                  <a:srgbClr val="FF0000"/>
-                </a:solidFill>
-              </a:rPr>
-              <a:t>'</a:t>
+              <a:rPr lang="en-US" dirty="0" err="1">
+                <a:solidFill>
+                  <a:srgbClr val="000000"/>
+                </a:solidFill>
+              </a:rPr>
+              <a:t>scaledData</a:t>
             </a:r>
             <a:r>
               <a:rPr lang="en-US" dirty="0">
@@ -9004,12 +8630,20 @@
           </a:p>
           <a:p>
             <a:r>
-              <a:rPr lang="en-US" dirty="0" err="1">
-                <a:solidFill>
-                  <a:srgbClr val="000000"/>
-                </a:solidFill>
-              </a:rPr>
-              <a:t>plt.title</a:t>
+              <a:rPr lang="en-US" dirty="0">
+                <a:solidFill>
+                  <a:srgbClr val="000000"/>
+                </a:solidFill>
+              </a:rPr>
+              <a:t>    cost[k] = </a:t>
+            </a:r>
+            <a:r>
+              <a:rPr lang="en-US" dirty="0" err="1">
+                <a:solidFill>
+                  <a:srgbClr val="000000"/>
+                </a:solidFill>
+              </a:rPr>
+              <a:t>model.computeCost</a:t>
             </a:r>
             <a:r>
               <a:rPr lang="en-US" dirty="0">
@@ -9020,12 +8654,12 @@
               <a:t>(</a:t>
             </a:r>
             <a:r>
-              <a:rPr lang="en-US" dirty="0">
-                <a:solidFill>
-                  <a:srgbClr val="FF0000"/>
-                </a:solidFill>
-              </a:rPr>
-              <a:t>'Elbow Method for Optimal K'</a:t>
+              <a:rPr lang="en-US" dirty="0" err="1">
+                <a:solidFill>
+                  <a:srgbClr val="000000"/>
+                </a:solidFill>
+              </a:rPr>
+              <a:t>scaledData</a:t>
             </a:r>
             <a:r>
               <a:rPr lang="en-US" dirty="0">
@@ -9034,224 +8668,6 @@
                 </a:solidFill>
               </a:rPr>
               <a:t>)</a:t>
-            </a:r>
-          </a:p>
-          <a:p>
-            <a:r>
-              <a:rPr lang="en-US" dirty="0" err="1">
-                <a:solidFill>
-                  <a:srgbClr val="000000"/>
-                </a:solidFill>
-              </a:rPr>
-              <a:t>ax.spines</a:t>
-            </a:r>
-            <a:r>
-              <a:rPr lang="en-US" dirty="0">
-                <a:solidFill>
-                  <a:srgbClr val="000000"/>
-                </a:solidFill>
-              </a:rPr>
-              <a:t>[</a:t>
-            </a:r>
-            <a:r>
-              <a:rPr lang="en-US" dirty="0">
-                <a:solidFill>
-                  <a:srgbClr val="FF0000"/>
-                </a:solidFill>
-              </a:rPr>
-              <a:t>'right</a:t>
-            </a:r>
-            <a:r>
-              <a:rPr lang="en-US" dirty="0">
-                <a:solidFill>
-                  <a:srgbClr val="000000"/>
-                </a:solidFill>
-              </a:rPr>
-              <a:t>'].</a:t>
-            </a:r>
-            <a:r>
-              <a:rPr lang="en-US" dirty="0" err="1">
-                <a:solidFill>
-                  <a:srgbClr val="000000"/>
-                </a:solidFill>
-              </a:rPr>
-              <a:t>set_visible</a:t>
-            </a:r>
-            <a:r>
-              <a:rPr lang="en-US" dirty="0">
-                <a:solidFill>
-                  <a:srgbClr val="000000"/>
-                </a:solidFill>
-              </a:rPr>
-              <a:t>(</a:t>
-            </a:r>
-            <a:r>
-              <a:rPr lang="en-US" dirty="0">
-                <a:solidFill>
-                  <a:srgbClr val="0000FF"/>
-                </a:solidFill>
-              </a:rPr>
-              <a:t>False</a:t>
-            </a:r>
-            <a:r>
-              <a:rPr lang="en-US" dirty="0">
-                <a:solidFill>
-                  <a:srgbClr val="000000"/>
-                </a:solidFill>
-              </a:rPr>
-              <a:t>)</a:t>
-            </a:r>
-          </a:p>
-          <a:p>
-            <a:r>
-              <a:rPr lang="en-US" dirty="0" err="1">
-                <a:solidFill>
-                  <a:srgbClr val="000000"/>
-                </a:solidFill>
-              </a:rPr>
-              <a:t>ax.spines</a:t>
-            </a:r>
-            <a:r>
-              <a:rPr lang="en-US" dirty="0">
-                <a:solidFill>
-                  <a:srgbClr val="000000"/>
-                </a:solidFill>
-              </a:rPr>
-              <a:t>[</a:t>
-            </a:r>
-            <a:r>
-              <a:rPr lang="en-US" dirty="0">
-                <a:solidFill>
-                  <a:srgbClr val="FF0000"/>
-                </a:solidFill>
-              </a:rPr>
-              <a:t>'top'</a:t>
-            </a:r>
-            <a:r>
-              <a:rPr lang="en-US" dirty="0">
-                <a:solidFill>
-                  <a:srgbClr val="000000"/>
-                </a:solidFill>
-              </a:rPr>
-              <a:t>].</a:t>
-            </a:r>
-            <a:r>
-              <a:rPr lang="en-US" dirty="0" err="1">
-                <a:solidFill>
-                  <a:srgbClr val="000000"/>
-                </a:solidFill>
-              </a:rPr>
-              <a:t>set_visible</a:t>
-            </a:r>
-            <a:r>
-              <a:rPr lang="en-US" dirty="0">
-                <a:solidFill>
-                  <a:srgbClr val="000000"/>
-                </a:solidFill>
-              </a:rPr>
-              <a:t>(</a:t>
-            </a:r>
-            <a:r>
-              <a:rPr lang="en-US" dirty="0">
-                <a:solidFill>
-                  <a:srgbClr val="0000FF"/>
-                </a:solidFill>
-              </a:rPr>
-              <a:t>False</a:t>
-            </a:r>
-            <a:r>
-              <a:rPr lang="en-US" dirty="0">
-                <a:solidFill>
-                  <a:srgbClr val="000000"/>
-                </a:solidFill>
-              </a:rPr>
-              <a:t>)</a:t>
-            </a:r>
-          </a:p>
-          <a:p>
-            <a:r>
-              <a:rPr lang="en-US" dirty="0" err="1">
-                <a:solidFill>
-                  <a:srgbClr val="000000"/>
-                </a:solidFill>
-              </a:rPr>
-              <a:t>ax.set_xlabel</a:t>
-            </a:r>
-            <a:r>
-              <a:rPr lang="en-US" dirty="0">
-                <a:solidFill>
-                  <a:srgbClr val="000000"/>
-                </a:solidFill>
-              </a:rPr>
-              <a:t>(</a:t>
-            </a:r>
-            <a:r>
-              <a:rPr lang="en-US" dirty="0">
-                <a:solidFill>
-                  <a:srgbClr val="FF0000"/>
-                </a:solidFill>
-              </a:rPr>
-              <a:t>'K'</a:t>
-            </a:r>
-            <a:r>
-              <a:rPr lang="en-US" dirty="0">
-                <a:solidFill>
-                  <a:srgbClr val="000000"/>
-                </a:solidFill>
-              </a:rPr>
-              <a:t>)</a:t>
-            </a:r>
-          </a:p>
-          <a:p>
-            <a:r>
-              <a:rPr lang="en-US" dirty="0" err="1">
-                <a:solidFill>
-                  <a:srgbClr val="000000"/>
-                </a:solidFill>
-              </a:rPr>
-              <a:t>ax.set_ylabel</a:t>
-            </a:r>
-            <a:r>
-              <a:rPr lang="en-US" dirty="0">
-                <a:solidFill>
-                  <a:srgbClr val="000000"/>
-                </a:solidFill>
-              </a:rPr>
-              <a:t>(</a:t>
-            </a:r>
-            <a:r>
-              <a:rPr lang="en-US" dirty="0">
-                <a:solidFill>
-                  <a:srgbClr val="FF0000"/>
-                </a:solidFill>
-              </a:rPr>
-              <a:t>'Cost'</a:t>
-            </a:r>
-            <a:r>
-              <a:rPr lang="en-US" dirty="0">
-                <a:solidFill>
-                  <a:srgbClr val="000000"/>
-                </a:solidFill>
-              </a:rPr>
-              <a:t>)</a:t>
-            </a:r>
-          </a:p>
-          <a:p>
-            <a:r>
-              <a:rPr lang="en-US" dirty="0" err="1">
-                <a:solidFill>
-                  <a:srgbClr val="000000"/>
-                </a:solidFill>
-              </a:rPr>
-              <a:t>plt.show</a:t>
-            </a:r>
-            <a:r>
-              <a:rPr lang="en-US" dirty="0">
-                <a:solidFill>
-                  <a:srgbClr val="000000"/>
-                </a:solidFill>
-              </a:rPr>
-              <a:t>()</a:t>
             </a:r>
           </a:p>
         </p:txBody>
@@ -9314,6 +8730,659 @@
     </p:spTree>
     <p:extLst>
       <p:ext uri="{BB962C8B-B14F-4D97-AF65-F5344CB8AC3E}">
+        <p14:creationId xmlns:p14="http://schemas.microsoft.com/office/powerpoint/2010/main" val="1077087731"/>
+      </p:ext>
+    </p:extLst>
+  </p:cSld>
+  <p:clrMapOvr>
+    <a:masterClrMapping/>
+  </p:clrMapOvr>
+  <p:timing>
+    <p:tnLst>
+      <p:par>
+        <p:cTn xmlns:p14="http://schemas.microsoft.com/office/powerpoint/2010/main" id="1" dur="indefinite" restart="never" nodeType="tmRoot"/>
+      </p:par>
+    </p:tnLst>
+  </p:timing>
+</p:sld>
+</file>
+
+<file path=ppt/slides/slide21.xml><?xml version="1.0" encoding="utf-8"?>
+<p:sld xmlns:a="http://schemas.openxmlformats.org/drawingml/2006/main" xmlns:r="http://schemas.openxmlformats.org/officeDocument/2006/relationships" xmlns:p="http://schemas.openxmlformats.org/presentationml/2006/main">
+  <p:cSld>
+    <p:spTree>
+      <p:nvGrpSpPr>
+        <p:cNvPr id="1" name=""/>
+        <p:cNvGrpSpPr/>
+        <p:nvPr/>
+      </p:nvGrpSpPr>
+      <p:grpSpPr>
+        <a:xfrm>
+          <a:off x="0" y="0"/>
+          <a:ext cx="0" cy="0"/>
+          <a:chOff x="0" y="0"/>
+          <a:chExt cx="0" cy="0"/>
+        </a:xfrm>
+      </p:grpSpPr>
+      <p:sp>
+        <p:nvSpPr>
+          <p:cNvPr id="3" name="TextBox 2"/>
+          <p:cNvSpPr txBox="1"/>
+          <p:nvPr/>
+        </p:nvSpPr>
+        <p:spPr>
+          <a:xfrm>
+            <a:off x="457200" y="768719"/>
+            <a:ext cx="8229600" cy="2585323"/>
+          </a:xfrm>
+          <a:prstGeom prst="rect">
+            <a:avLst/>
+          </a:prstGeom>
+          <a:solidFill>
+            <a:srgbClr val="EFEFEF"/>
+          </a:solidFill>
+        </p:spPr>
+        <p:style>
+          <a:lnRef idx="2">
+            <a:schemeClr val="dk1"/>
+          </a:lnRef>
+          <a:fillRef idx="1">
+            <a:schemeClr val="lt1"/>
+          </a:fillRef>
+          <a:effectRef idx="0">
+            <a:schemeClr val="dk1"/>
+          </a:effectRef>
+          <a:fontRef idx="minor">
+            <a:schemeClr val="dk1"/>
+          </a:fontRef>
+        </p:style>
+        <p:txBody>
+          <a:bodyPr wrap="square" rtlCol="0">
+            <a:spAutoFit/>
+          </a:bodyPr>
+          <a:lstStyle/>
+          <a:p>
+            <a:r>
+              <a:rPr lang="en-US" dirty="0" smtClean="0">
+                <a:solidFill>
+                  <a:srgbClr val="008000"/>
+                </a:solidFill>
+              </a:rPr>
+              <a:t>## </a:t>
+            </a:r>
+            <a:r>
+              <a:rPr lang="en-US" dirty="0">
+                <a:solidFill>
+                  <a:srgbClr val="008000"/>
+                </a:solidFill>
+              </a:rPr>
+              <a:t>plot elbow</a:t>
+            </a:r>
+          </a:p>
+          <a:p>
+            <a:r>
+              <a:rPr lang="en-US" dirty="0">
+                <a:solidFill>
+                  <a:srgbClr val="000000"/>
+                </a:solidFill>
+              </a:rPr>
+              <a:t>fig, ax = </a:t>
+            </a:r>
+            <a:r>
+              <a:rPr lang="en-US" dirty="0" err="1">
+                <a:solidFill>
+                  <a:srgbClr val="000000"/>
+                </a:solidFill>
+              </a:rPr>
+              <a:t>plt.subplots</a:t>
+            </a:r>
+            <a:r>
+              <a:rPr lang="en-US" dirty="0">
+                <a:solidFill>
+                  <a:srgbClr val="000000"/>
+                </a:solidFill>
+              </a:rPr>
+              <a:t>(</a:t>
+            </a:r>
+            <a:r>
+              <a:rPr lang="en-US" dirty="0">
+                <a:solidFill>
+                  <a:srgbClr val="008000"/>
+                </a:solidFill>
+              </a:rPr>
+              <a:t>1</a:t>
+            </a:r>
+            <a:r>
+              <a:rPr lang="en-US" dirty="0">
+                <a:solidFill>
+                  <a:srgbClr val="000000"/>
+                </a:solidFill>
+              </a:rPr>
+              <a:t>,</a:t>
+            </a:r>
+            <a:r>
+              <a:rPr lang="en-US" dirty="0">
+                <a:solidFill>
+                  <a:srgbClr val="008000"/>
+                </a:solidFill>
+              </a:rPr>
+              <a:t>1</a:t>
+            </a:r>
+            <a:r>
+              <a:rPr lang="en-US" dirty="0">
+                <a:solidFill>
+                  <a:srgbClr val="000000"/>
+                </a:solidFill>
+              </a:rPr>
+              <a:t>, </a:t>
+            </a:r>
+            <a:r>
+              <a:rPr lang="en-US" dirty="0" err="1">
+                <a:solidFill>
+                  <a:srgbClr val="000000"/>
+                </a:solidFill>
+              </a:rPr>
+              <a:t>figsize</a:t>
+            </a:r>
+            <a:r>
+              <a:rPr lang="en-US" dirty="0">
+                <a:solidFill>
+                  <a:srgbClr val="000000"/>
+                </a:solidFill>
+              </a:rPr>
+              <a:t> =(</a:t>
+            </a:r>
+            <a:r>
+              <a:rPr lang="en-US" dirty="0">
+                <a:solidFill>
+                  <a:srgbClr val="008000"/>
+                </a:solidFill>
+              </a:rPr>
+              <a:t>8</a:t>
+            </a:r>
+            <a:r>
+              <a:rPr lang="en-US" dirty="0">
+                <a:solidFill>
+                  <a:srgbClr val="000000"/>
+                </a:solidFill>
+              </a:rPr>
+              <a:t>,</a:t>
+            </a:r>
+            <a:r>
+              <a:rPr lang="en-US" dirty="0">
+                <a:solidFill>
+                  <a:srgbClr val="008000"/>
+                </a:solidFill>
+              </a:rPr>
+              <a:t>6</a:t>
+            </a:r>
+            <a:r>
+              <a:rPr lang="en-US" dirty="0">
+                <a:solidFill>
+                  <a:srgbClr val="000000"/>
+                </a:solidFill>
+              </a:rPr>
+              <a:t>))</a:t>
+            </a:r>
+          </a:p>
+          <a:p>
+            <a:r>
+              <a:rPr lang="en-US" dirty="0" err="1">
+                <a:solidFill>
+                  <a:srgbClr val="000000"/>
+                </a:solidFill>
+              </a:rPr>
+              <a:t>ax.plot</a:t>
+            </a:r>
+            <a:r>
+              <a:rPr lang="en-US" dirty="0">
+                <a:solidFill>
+                  <a:srgbClr val="000000"/>
+                </a:solidFill>
+              </a:rPr>
+              <a:t>(range(</a:t>
+            </a:r>
+            <a:r>
+              <a:rPr lang="en-US" dirty="0">
+                <a:solidFill>
+                  <a:srgbClr val="008000"/>
+                </a:solidFill>
+              </a:rPr>
+              <a:t>2</a:t>
+            </a:r>
+            <a:r>
+              <a:rPr lang="en-US" dirty="0">
+                <a:solidFill>
+                  <a:srgbClr val="000000"/>
+                </a:solidFill>
+              </a:rPr>
+              <a:t>,</a:t>
+            </a:r>
+            <a:r>
+              <a:rPr lang="en-US" dirty="0">
+                <a:solidFill>
+                  <a:srgbClr val="008000"/>
+                </a:solidFill>
+              </a:rPr>
+              <a:t>10</a:t>
+            </a:r>
+            <a:r>
+              <a:rPr lang="en-US" dirty="0">
+                <a:solidFill>
+                  <a:srgbClr val="000000"/>
+                </a:solidFill>
+              </a:rPr>
+              <a:t>),cost[</a:t>
+            </a:r>
+            <a:r>
+              <a:rPr lang="en-US" dirty="0">
+                <a:solidFill>
+                  <a:srgbClr val="008000"/>
+                </a:solidFill>
+              </a:rPr>
+              <a:t>2</a:t>
+            </a:r>
+            <a:r>
+              <a:rPr lang="en-US" dirty="0">
+                <a:solidFill>
+                  <a:srgbClr val="000000"/>
+                </a:solidFill>
+              </a:rPr>
+              <a:t>:</a:t>
+            </a:r>
+            <a:r>
+              <a:rPr lang="en-US" dirty="0">
+                <a:solidFill>
+                  <a:srgbClr val="008000"/>
+                </a:solidFill>
+              </a:rPr>
+              <a:t>10</a:t>
+            </a:r>
+            <a:r>
+              <a:rPr lang="en-US" dirty="0">
+                <a:solidFill>
+                  <a:srgbClr val="000000"/>
+                </a:solidFill>
+              </a:rPr>
+              <a:t>], marker = </a:t>
+            </a:r>
+            <a:r>
+              <a:rPr lang="en-US" dirty="0">
+                <a:solidFill>
+                  <a:srgbClr val="FF0000"/>
+                </a:solidFill>
+              </a:rPr>
+              <a:t>"</a:t>
+            </a:r>
+            <a:r>
+              <a:rPr lang="en-US" dirty="0" err="1">
+                <a:solidFill>
+                  <a:srgbClr val="FF0000"/>
+                </a:solidFill>
+              </a:rPr>
+              <a:t>o"</a:t>
+            </a:r>
+            <a:r>
+              <a:rPr lang="en-US" dirty="0" err="1">
+                <a:solidFill>
+                  <a:srgbClr val="000000"/>
+                </a:solidFill>
+              </a:rPr>
+              <a:t>,color</a:t>
+            </a:r>
+            <a:r>
+              <a:rPr lang="en-US" dirty="0">
+                <a:solidFill>
+                  <a:srgbClr val="000000"/>
+                </a:solidFill>
+              </a:rPr>
+              <a:t>=</a:t>
+            </a:r>
+            <a:r>
+              <a:rPr lang="en-US" dirty="0">
+                <a:solidFill>
+                  <a:srgbClr val="FF0000"/>
+                </a:solidFill>
+              </a:rPr>
+              <a:t>'</a:t>
+            </a:r>
+            <a:r>
+              <a:rPr lang="en-US" dirty="0" err="1">
+                <a:solidFill>
+                  <a:srgbClr val="FF0000"/>
+                </a:solidFill>
+              </a:rPr>
+              <a:t>indianred</a:t>
+            </a:r>
+            <a:r>
+              <a:rPr lang="en-US" dirty="0">
+                <a:solidFill>
+                  <a:srgbClr val="FF0000"/>
+                </a:solidFill>
+              </a:rPr>
+              <a:t>'</a:t>
+            </a:r>
+            <a:r>
+              <a:rPr lang="en-US" dirty="0">
+                <a:solidFill>
+                  <a:srgbClr val="000000"/>
+                </a:solidFill>
+              </a:rPr>
+              <a:t>)</a:t>
+            </a:r>
+          </a:p>
+          <a:p>
+            <a:r>
+              <a:rPr lang="en-US" dirty="0" err="1">
+                <a:solidFill>
+                  <a:srgbClr val="000000"/>
+                </a:solidFill>
+              </a:rPr>
+              <a:t>plt.title</a:t>
+            </a:r>
+            <a:r>
+              <a:rPr lang="en-US" dirty="0">
+                <a:solidFill>
+                  <a:srgbClr val="000000"/>
+                </a:solidFill>
+              </a:rPr>
+              <a:t>(</a:t>
+            </a:r>
+            <a:r>
+              <a:rPr lang="en-US" dirty="0">
+                <a:solidFill>
+                  <a:srgbClr val="FF0000"/>
+                </a:solidFill>
+              </a:rPr>
+              <a:t>'Elbow Method for Optimal K'</a:t>
+            </a:r>
+            <a:r>
+              <a:rPr lang="en-US" dirty="0">
+                <a:solidFill>
+                  <a:srgbClr val="000000"/>
+                </a:solidFill>
+              </a:rPr>
+              <a:t>)</a:t>
+            </a:r>
+          </a:p>
+          <a:p>
+            <a:r>
+              <a:rPr lang="en-US" dirty="0" err="1">
+                <a:solidFill>
+                  <a:srgbClr val="000000"/>
+                </a:solidFill>
+              </a:rPr>
+              <a:t>ax.spines</a:t>
+            </a:r>
+            <a:r>
+              <a:rPr lang="en-US" dirty="0">
+                <a:solidFill>
+                  <a:srgbClr val="000000"/>
+                </a:solidFill>
+              </a:rPr>
+              <a:t>[</a:t>
+            </a:r>
+            <a:r>
+              <a:rPr lang="en-US" dirty="0">
+                <a:solidFill>
+                  <a:srgbClr val="FF0000"/>
+                </a:solidFill>
+              </a:rPr>
+              <a:t>'right</a:t>
+            </a:r>
+            <a:r>
+              <a:rPr lang="en-US" dirty="0">
+                <a:solidFill>
+                  <a:srgbClr val="000000"/>
+                </a:solidFill>
+              </a:rPr>
+              <a:t>'].</a:t>
+            </a:r>
+            <a:r>
+              <a:rPr lang="en-US" dirty="0" err="1">
+                <a:solidFill>
+                  <a:srgbClr val="000000"/>
+                </a:solidFill>
+              </a:rPr>
+              <a:t>set_visible</a:t>
+            </a:r>
+            <a:r>
+              <a:rPr lang="en-US" dirty="0">
+                <a:solidFill>
+                  <a:srgbClr val="000000"/>
+                </a:solidFill>
+              </a:rPr>
+              <a:t>(</a:t>
+            </a:r>
+            <a:r>
+              <a:rPr lang="en-US" dirty="0">
+                <a:solidFill>
+                  <a:srgbClr val="0000FF"/>
+                </a:solidFill>
+              </a:rPr>
+              <a:t>False</a:t>
+            </a:r>
+            <a:r>
+              <a:rPr lang="en-US" dirty="0">
+                <a:solidFill>
+                  <a:srgbClr val="000000"/>
+                </a:solidFill>
+              </a:rPr>
+              <a:t>)</a:t>
+            </a:r>
+          </a:p>
+          <a:p>
+            <a:r>
+              <a:rPr lang="en-US" dirty="0" err="1">
+                <a:solidFill>
+                  <a:srgbClr val="000000"/>
+                </a:solidFill>
+              </a:rPr>
+              <a:t>ax.spines</a:t>
+            </a:r>
+            <a:r>
+              <a:rPr lang="en-US" dirty="0">
+                <a:solidFill>
+                  <a:srgbClr val="000000"/>
+                </a:solidFill>
+              </a:rPr>
+              <a:t>[</a:t>
+            </a:r>
+            <a:r>
+              <a:rPr lang="en-US" dirty="0">
+                <a:solidFill>
+                  <a:srgbClr val="FF0000"/>
+                </a:solidFill>
+              </a:rPr>
+              <a:t>'top'</a:t>
+            </a:r>
+            <a:r>
+              <a:rPr lang="en-US" dirty="0">
+                <a:solidFill>
+                  <a:srgbClr val="000000"/>
+                </a:solidFill>
+              </a:rPr>
+              <a:t>].</a:t>
+            </a:r>
+            <a:r>
+              <a:rPr lang="en-US" dirty="0" err="1">
+                <a:solidFill>
+                  <a:srgbClr val="000000"/>
+                </a:solidFill>
+              </a:rPr>
+              <a:t>set_visible</a:t>
+            </a:r>
+            <a:r>
+              <a:rPr lang="en-US" dirty="0">
+                <a:solidFill>
+                  <a:srgbClr val="000000"/>
+                </a:solidFill>
+              </a:rPr>
+              <a:t>(</a:t>
+            </a:r>
+            <a:r>
+              <a:rPr lang="en-US" dirty="0">
+                <a:solidFill>
+                  <a:srgbClr val="0000FF"/>
+                </a:solidFill>
+              </a:rPr>
+              <a:t>False</a:t>
+            </a:r>
+            <a:r>
+              <a:rPr lang="en-US" dirty="0">
+                <a:solidFill>
+                  <a:srgbClr val="000000"/>
+                </a:solidFill>
+              </a:rPr>
+              <a:t>)</a:t>
+            </a:r>
+          </a:p>
+          <a:p>
+            <a:r>
+              <a:rPr lang="en-US" dirty="0" err="1">
+                <a:solidFill>
+                  <a:srgbClr val="000000"/>
+                </a:solidFill>
+              </a:rPr>
+              <a:t>ax.set_xlabel</a:t>
+            </a:r>
+            <a:r>
+              <a:rPr lang="en-US" dirty="0">
+                <a:solidFill>
+                  <a:srgbClr val="000000"/>
+                </a:solidFill>
+              </a:rPr>
+              <a:t>(</a:t>
+            </a:r>
+            <a:r>
+              <a:rPr lang="en-US" dirty="0">
+                <a:solidFill>
+                  <a:srgbClr val="FF0000"/>
+                </a:solidFill>
+              </a:rPr>
+              <a:t>'K'</a:t>
+            </a:r>
+            <a:r>
+              <a:rPr lang="en-US" dirty="0">
+                <a:solidFill>
+                  <a:srgbClr val="000000"/>
+                </a:solidFill>
+              </a:rPr>
+              <a:t>)</a:t>
+            </a:r>
+          </a:p>
+          <a:p>
+            <a:r>
+              <a:rPr lang="en-US" dirty="0" err="1">
+                <a:solidFill>
+                  <a:srgbClr val="000000"/>
+                </a:solidFill>
+              </a:rPr>
+              <a:t>ax.set_ylabel</a:t>
+            </a:r>
+            <a:r>
+              <a:rPr lang="en-US" dirty="0">
+                <a:solidFill>
+                  <a:srgbClr val="000000"/>
+                </a:solidFill>
+              </a:rPr>
+              <a:t>(</a:t>
+            </a:r>
+            <a:r>
+              <a:rPr lang="en-US" dirty="0">
+                <a:solidFill>
+                  <a:srgbClr val="FF0000"/>
+                </a:solidFill>
+              </a:rPr>
+              <a:t>'Cost'</a:t>
+            </a:r>
+            <a:r>
+              <a:rPr lang="en-US" dirty="0">
+                <a:solidFill>
+                  <a:srgbClr val="000000"/>
+                </a:solidFill>
+              </a:rPr>
+              <a:t>)</a:t>
+            </a:r>
+          </a:p>
+          <a:p>
+            <a:r>
+              <a:rPr lang="en-US" dirty="0" err="1">
+                <a:solidFill>
+                  <a:srgbClr val="000000"/>
+                </a:solidFill>
+              </a:rPr>
+              <a:t>plt.show</a:t>
+            </a:r>
+            <a:r>
+              <a:rPr lang="en-US" dirty="0">
+                <a:solidFill>
+                  <a:srgbClr val="000000"/>
+                </a:solidFill>
+              </a:rPr>
+              <a:t>()</a:t>
+            </a:r>
+          </a:p>
+        </p:txBody>
+      </p:sp>
+      <p:sp>
+        <p:nvSpPr>
+          <p:cNvPr id="6" name="Title 1"/>
+          <p:cNvSpPr txBox="1">
+            <a:spLocks/>
+          </p:cNvSpPr>
+          <p:nvPr/>
+        </p:nvSpPr>
+        <p:spPr>
+          <a:xfrm>
+            <a:off x="-1" y="0"/>
+            <a:ext cx="4999091" cy="718596"/>
+          </a:xfrm>
+          <a:prstGeom prst="rect">
+            <a:avLst/>
+          </a:prstGeom>
+        </p:spPr>
+        <p:txBody>
+          <a:bodyPr vert="horz" lIns="91440" tIns="45720" rIns="91440" bIns="45720" rtlCol="0" anchor="ctr">
+            <a:normAutofit/>
+          </a:bodyPr>
+          <a:lstStyle>
+            <a:lvl1pPr algn="ctr" defTabSz="457200" rtl="0" eaLnBrk="1" latinLnBrk="0" hangingPunct="1">
+              <a:spcBef>
+                <a:spcPct val="0"/>
+              </a:spcBef>
+              <a:buNone/>
+              <a:defRPr sz="4400" kern="1200">
+                <a:solidFill>
+                  <a:schemeClr val="tx1"/>
+                </a:solidFill>
+                <a:latin typeface="+mj-lt"/>
+                <a:ea typeface="+mj-ea"/>
+                <a:cs typeface="+mj-cs"/>
+              </a:defRPr>
+            </a:lvl1pPr>
+          </a:lstStyle>
+          <a:p>
+            <a:pPr algn="l"/>
+            <a:r>
+              <a:rPr lang="en-US" sz="3200" dirty="0" smtClean="0"/>
+              <a:t>K-means </a:t>
+            </a:r>
+            <a:r>
+              <a:rPr lang="mr-IN" sz="3200" dirty="0" smtClean="0"/>
+              <a:t>–</a:t>
+            </a:r>
+            <a:r>
+              <a:rPr lang="en-US" sz="3200" dirty="0" smtClean="0"/>
+              <a:t> Parameter Tuning </a:t>
+            </a:r>
+            <a:endParaRPr lang="en-US" sz="3200" dirty="0"/>
+          </a:p>
+        </p:txBody>
+      </p:sp>
+    </p:spTree>
+    <p:extLst>
+      <p:ext uri="{BB962C8B-B14F-4D97-AF65-F5344CB8AC3E}">
         <p14:creationId xmlns:p14="http://schemas.microsoft.com/office/powerpoint/2010/main" val="2610253432"/>
       </p:ext>
     </p:extLst>
@@ -9331,7 +9400,7 @@
 </p:sld>
 </file>
 
-<file path=ppt/slides/slide21.xml><?xml version="1.0" encoding="utf-8"?>
+<file path=ppt/slides/slide22.xml><?xml version="1.0" encoding="utf-8"?>
 <p:sld xmlns:a="http://schemas.openxmlformats.org/drawingml/2006/main" xmlns:r="http://schemas.openxmlformats.org/officeDocument/2006/relationships" xmlns:p="http://schemas.openxmlformats.org/presentationml/2006/main">
   <p:cSld>
     <p:spTree>
@@ -9388,10 +9457,17 @@
   <p:clrMapOvr>
     <a:masterClrMapping/>
   </p:clrMapOvr>
+  <p:timing>
+    <p:tnLst>
+      <p:par>
+        <p:cTn xmlns:p14="http://schemas.microsoft.com/office/powerpoint/2010/main" id="1" dur="indefinite" restart="never" nodeType="tmRoot"/>
+      </p:par>
+    </p:tnLst>
+  </p:timing>
 </p:sld>
 </file>
 
-<file path=ppt/slides/slide22.xml><?xml version="1.0" encoding="utf-8"?>
+<file path=ppt/slides/slide23.xml><?xml version="1.0" encoding="utf-8"?>
 <p:sld xmlns:a="http://schemas.openxmlformats.org/drawingml/2006/main" xmlns:r="http://schemas.openxmlformats.org/officeDocument/2006/relationships" xmlns:p="http://schemas.openxmlformats.org/presentationml/2006/main">
   <p:cSld>
     <p:spTree>
@@ -10206,7 +10282,11 @@
             </a:r>
             <a:r>
               <a:rPr lang="en-US" sz="3200" dirty="0" smtClean="0"/>
-              <a:t> Parameter Tuning </a:t>
+              <a:t> </a:t>
+            </a:r>
+            <a:r>
+              <a:rPr lang="en-US" sz="3200" dirty="0" smtClean="0"/>
+              <a:t>Parameter Tuning </a:t>
             </a:r>
             <a:endParaRPr lang="en-US" sz="3200" dirty="0"/>
           </a:p>
@@ -10232,7 +10312,7 @@
 </p:sld>
 </file>
 
-<file path=ppt/slides/slide23.xml><?xml version="1.0" encoding="utf-8"?>
+<file path=ppt/slides/slide24.xml><?xml version="1.0" encoding="utf-8"?>
 <p:sld xmlns:a="http://schemas.openxmlformats.org/drawingml/2006/main" xmlns:r="http://schemas.openxmlformats.org/officeDocument/2006/relationships" xmlns:p="http://schemas.openxmlformats.org/presentationml/2006/main">
   <p:cSld>
     <p:spTree>
@@ -10249,36 +10329,6 @@
           <a:chExt cx="0" cy="0"/>
         </a:xfrm>
       </p:grpSpPr>
-      <p:pic>
-        <p:nvPicPr>
-          <p:cNvPr id="6" name="Picture 5" descr="Screen Shot 2019-04-01 at 7.15.35 AM.png"/>
-          <p:cNvPicPr>
-            <a:picLocks noChangeAspect="1"/>
-          </p:cNvPicPr>
-          <p:nvPr/>
-        </p:nvPicPr>
-        <p:blipFill>
-          <a:blip r:embed="rId2">
-            <a:extLst>
-              <a:ext uri="{28A0092B-C50C-407E-A947-70E740481C1C}">
-                <a14:useLocalDpi xmlns:a14="http://schemas.microsoft.com/office/drawing/2010/main" val="0"/>
-              </a:ext>
-            </a:extLst>
-          </a:blip>
-          <a:stretch>
-            <a:fillRect/>
-          </a:stretch>
-        </p:blipFill>
-        <p:spPr>
-          <a:xfrm>
-            <a:off x="0" y="1079672"/>
-            <a:ext cx="2438400" cy="2159000"/>
-          </a:xfrm>
-          <a:prstGeom prst="rect">
-            <a:avLst/>
-          </a:prstGeom>
-        </p:spPr>
-      </p:pic>
       <p:sp>
         <p:nvSpPr>
           <p:cNvPr id="7" name="Title 1"/>
@@ -10334,6 +10384,36 @@
           </a:p>
         </p:txBody>
       </p:sp>
+      <p:pic>
+        <p:nvPicPr>
+          <p:cNvPr id="2" name="Picture 1" descr="Screen Shot 2019-04-02 at 5.58.51 AM.png"/>
+          <p:cNvPicPr>
+            <a:picLocks noChangeAspect="1"/>
+          </p:cNvPicPr>
+          <p:nvPr/>
+        </p:nvPicPr>
+        <p:blipFill>
+          <a:blip r:embed="rId2">
+            <a:extLst>
+              <a:ext uri="{28A0092B-C50C-407E-A947-70E740481C1C}">
+                <a14:useLocalDpi xmlns:a14="http://schemas.microsoft.com/office/drawing/2010/main" val="0"/>
+              </a:ext>
+            </a:extLst>
+          </a:blip>
+          <a:stretch>
+            <a:fillRect/>
+          </a:stretch>
+        </p:blipFill>
+        <p:spPr>
+          <a:xfrm>
+            <a:off x="0" y="1128967"/>
+            <a:ext cx="2755900" cy="2209800"/>
+          </a:xfrm>
+          <a:prstGeom prst="rect">
+            <a:avLst/>
+          </a:prstGeom>
+        </p:spPr>
+      </p:pic>
     </p:spTree>
     <p:extLst>
       <p:ext uri="{BB962C8B-B14F-4D97-AF65-F5344CB8AC3E}">
@@ -10344,10 +10424,17 @@
   <p:clrMapOvr>
     <a:masterClrMapping/>
   </p:clrMapOvr>
+  <p:timing>
+    <p:tnLst>
+      <p:par>
+        <p:cTn xmlns:p14="http://schemas.microsoft.com/office/powerpoint/2010/main" id="1" dur="indefinite" restart="never" nodeType="tmRoot"/>
+      </p:par>
+    </p:tnLst>
+  </p:timing>
 </p:sld>
 </file>
 
-<file path=ppt/slides/slide24.xml><?xml version="1.0" encoding="utf-8"?>
+<file path=ppt/slides/slide25.xml><?xml version="1.0" encoding="utf-8"?>
 <p:sld xmlns:a="http://schemas.openxmlformats.org/drawingml/2006/main" xmlns:r="http://schemas.openxmlformats.org/officeDocument/2006/relationships" xmlns:p="http://schemas.openxmlformats.org/presentationml/2006/main">
   <p:cSld>
     <p:spTree>
@@ -10788,542 +10875,6 @@
     <p:extLst>
       <p:ext uri="{BB962C8B-B14F-4D97-AF65-F5344CB8AC3E}">
         <p14:creationId xmlns:p14="http://schemas.microsoft.com/office/powerpoint/2010/main" val="770896278"/>
-      </p:ext>
-    </p:extLst>
-  </p:cSld>
-  <p:clrMapOvr>
-    <a:masterClrMapping/>
-  </p:clrMapOvr>
-  <p:timing>
-    <p:tnLst>
-      <p:par>
-        <p:cTn xmlns:p14="http://schemas.microsoft.com/office/powerpoint/2010/main" id="1" dur="indefinite" restart="never" nodeType="tmRoot"/>
-      </p:par>
-    </p:tnLst>
-  </p:timing>
-</p:sld>
-</file>
-
-<file path=ppt/slides/slide25.xml><?xml version="1.0" encoding="utf-8"?>
-<p:sld xmlns:a="http://schemas.openxmlformats.org/drawingml/2006/main" xmlns:r="http://schemas.openxmlformats.org/officeDocument/2006/relationships" xmlns:p="http://schemas.openxmlformats.org/presentationml/2006/main">
-  <p:cSld>
-    <p:spTree>
-      <p:nvGrpSpPr>
-        <p:cNvPr id="1" name=""/>
-        <p:cNvGrpSpPr/>
-        <p:nvPr/>
-      </p:nvGrpSpPr>
-      <p:grpSpPr>
-        <a:xfrm>
-          <a:off x="0" y="0"/>
-          <a:ext cx="0" cy="0"/>
-          <a:chOff x="0" y="0"/>
-          <a:chExt cx="0" cy="0"/>
-        </a:xfrm>
-      </p:grpSpPr>
-      <p:sp>
-        <p:nvSpPr>
-          <p:cNvPr id="3" name="TextBox 2"/>
-          <p:cNvSpPr txBox="1"/>
-          <p:nvPr/>
-        </p:nvSpPr>
-        <p:spPr>
-          <a:xfrm>
-            <a:off x="457200" y="768719"/>
-            <a:ext cx="8229600" cy="1754327"/>
-          </a:xfrm>
-          <a:prstGeom prst="rect">
-            <a:avLst/>
-          </a:prstGeom>
-          <a:solidFill>
-            <a:srgbClr val="EFEFEF"/>
-          </a:solidFill>
-        </p:spPr>
-        <p:style>
-          <a:lnRef idx="2">
-            <a:schemeClr val="dk1"/>
-          </a:lnRef>
-          <a:fillRef idx="1">
-            <a:schemeClr val="lt1"/>
-          </a:fillRef>
-          <a:effectRef idx="0">
-            <a:schemeClr val="dk1"/>
-          </a:effectRef>
-          <a:fontRef idx="minor">
-            <a:schemeClr val="dk1"/>
-          </a:fontRef>
-        </p:style>
-        <p:txBody>
-          <a:bodyPr wrap="square" rtlCol="0">
-            <a:spAutoFit/>
-          </a:bodyPr>
-          <a:lstStyle/>
-          <a:p>
-            <a:r>
-              <a:rPr lang="en-US" dirty="0" smtClean="0">
-                <a:solidFill>
-                  <a:srgbClr val="008000"/>
-                </a:solidFill>
-              </a:rPr>
-              <a:t>## extract scaled </a:t>
-            </a:r>
-            <a:r>
-              <a:rPr lang="en-US" dirty="0" err="1" smtClean="0">
-                <a:solidFill>
-                  <a:srgbClr val="008000"/>
-                </a:solidFill>
-              </a:rPr>
-              <a:t>rfm</a:t>
-            </a:r>
-            <a:r>
-              <a:rPr lang="en-US" dirty="0" smtClean="0">
-                <a:solidFill>
-                  <a:srgbClr val="008000"/>
-                </a:solidFill>
-              </a:rPr>
-              <a:t> to different </a:t>
-            </a:r>
-            <a:r>
-              <a:rPr lang="en-US" dirty="0">
-                <a:solidFill>
-                  <a:srgbClr val="008000"/>
-                </a:solidFill>
-              </a:rPr>
-              <a:t>columns</a:t>
-            </a:r>
-          </a:p>
-          <a:p>
-            <a:r>
-              <a:rPr lang="en-US" dirty="0" err="1">
-                <a:solidFill>
-                  <a:srgbClr val="0000FF"/>
-                </a:solidFill>
-              </a:rPr>
-              <a:t>def</a:t>
-            </a:r>
-            <a:r>
-              <a:rPr lang="en-US" dirty="0">
-                <a:solidFill>
-                  <a:srgbClr val="000000"/>
-                </a:solidFill>
-              </a:rPr>
-              <a:t> extract(row):</a:t>
-            </a:r>
-          </a:p>
-          <a:p>
-            <a:r>
-              <a:rPr lang="en-US" dirty="0">
-                <a:solidFill>
-                  <a:srgbClr val="000000"/>
-                </a:solidFill>
-              </a:rPr>
-              <a:t>    </a:t>
-            </a:r>
-            <a:r>
-              <a:rPr lang="en-US" dirty="0">
-                <a:solidFill>
-                  <a:srgbClr val="0000FF"/>
-                </a:solidFill>
-              </a:rPr>
-              <a:t>return</a:t>
-            </a:r>
-            <a:r>
-              <a:rPr lang="en-US" dirty="0">
-                <a:solidFill>
-                  <a:srgbClr val="000000"/>
-                </a:solidFill>
-              </a:rPr>
-              <a:t> (</a:t>
-            </a:r>
-            <a:r>
-              <a:rPr lang="en-US" dirty="0" err="1">
-                <a:solidFill>
-                  <a:srgbClr val="000000"/>
-                </a:solidFill>
-              </a:rPr>
-              <a:t>row.CustomerID</a:t>
-            </a:r>
-            <a:r>
-              <a:rPr lang="en-US" dirty="0">
-                <a:solidFill>
-                  <a:srgbClr val="000000"/>
-                </a:solidFill>
-              </a:rPr>
-              <a:t>, ) + tuple(</a:t>
-            </a:r>
-            <a:r>
-              <a:rPr lang="en-US" dirty="0" err="1">
-                <a:solidFill>
-                  <a:srgbClr val="000000"/>
-                </a:solidFill>
-              </a:rPr>
-              <a:t>row.features.toArray</a:t>
-            </a:r>
-            <a:r>
-              <a:rPr lang="en-US" dirty="0">
-                <a:solidFill>
-                  <a:srgbClr val="000000"/>
-                </a:solidFill>
-              </a:rPr>
-              <a:t>().</a:t>
-            </a:r>
-            <a:r>
-              <a:rPr lang="en-US" dirty="0" err="1">
-                <a:solidFill>
-                  <a:srgbClr val="000000"/>
-                </a:solidFill>
-              </a:rPr>
-              <a:t>tolist</a:t>
-            </a:r>
-            <a:r>
-              <a:rPr lang="en-US" dirty="0">
-                <a:solidFill>
-                  <a:srgbClr val="000000"/>
-                </a:solidFill>
-              </a:rPr>
-              <a:t>()) </a:t>
-            </a:r>
-            <a:r>
-              <a:rPr lang="en-US" dirty="0" smtClean="0">
-                <a:solidFill>
-                  <a:srgbClr val="000000"/>
-                </a:solidFill>
-              </a:rPr>
-              <a:t>+ (</a:t>
-            </a:r>
-            <a:r>
-              <a:rPr lang="en-US" dirty="0" err="1">
-                <a:solidFill>
-                  <a:srgbClr val="000000"/>
-                </a:solidFill>
-              </a:rPr>
-              <a:t>row.prediction</a:t>
-            </a:r>
-            <a:r>
-              <a:rPr lang="en-US" dirty="0">
-                <a:solidFill>
-                  <a:srgbClr val="000000"/>
-                </a:solidFill>
-              </a:rPr>
-              <a:t>,)</a:t>
-            </a:r>
-          </a:p>
-          <a:p>
-            <a:r>
-              <a:rPr lang="en-US" dirty="0" err="1">
-                <a:solidFill>
-                  <a:srgbClr val="000000"/>
-                </a:solidFill>
-              </a:rPr>
-              <a:t>d_sc</a:t>
-            </a:r>
-            <a:r>
-              <a:rPr lang="en-US" dirty="0">
-                <a:solidFill>
-                  <a:srgbClr val="000000"/>
-                </a:solidFill>
-              </a:rPr>
-              <a:t>=</a:t>
-            </a:r>
-            <a:r>
-              <a:rPr lang="en-US" dirty="0" err="1">
-                <a:solidFill>
-                  <a:srgbClr val="000000"/>
-                </a:solidFill>
-              </a:rPr>
-              <a:t>predictions.rdd.map</a:t>
-            </a:r>
-            <a:r>
-              <a:rPr lang="en-US" dirty="0">
-                <a:solidFill>
-                  <a:srgbClr val="000000"/>
-                </a:solidFill>
-              </a:rPr>
-              <a:t>(extract).</a:t>
-            </a:r>
-            <a:r>
-              <a:rPr lang="en-US" dirty="0" err="1">
-                <a:solidFill>
-                  <a:srgbClr val="000000"/>
-                </a:solidFill>
-              </a:rPr>
-              <a:t>toDF</a:t>
-            </a:r>
-            <a:r>
-              <a:rPr lang="en-US" dirty="0">
-                <a:solidFill>
-                  <a:srgbClr val="000000"/>
-                </a:solidFill>
-              </a:rPr>
-              <a:t>([</a:t>
-            </a:r>
-            <a:r>
-              <a:rPr lang="en-US" dirty="0">
-                <a:solidFill>
-                  <a:srgbClr val="FF0000"/>
-                </a:solidFill>
-              </a:rPr>
-              <a:t>"</a:t>
-            </a:r>
-            <a:r>
-              <a:rPr lang="en-US" dirty="0" err="1">
-                <a:solidFill>
-                  <a:srgbClr val="FF0000"/>
-                </a:solidFill>
-              </a:rPr>
-              <a:t>CustomerID</a:t>
-            </a:r>
-            <a:r>
-              <a:rPr lang="en-US" dirty="0">
-                <a:solidFill>
-                  <a:srgbClr val="FF0000"/>
-                </a:solidFill>
-              </a:rPr>
-              <a:t>"</a:t>
-            </a:r>
-            <a:r>
-              <a:rPr lang="en-US" dirty="0">
-                <a:solidFill>
-                  <a:srgbClr val="000000"/>
-                </a:solidFill>
-              </a:rPr>
-              <a:t>,</a:t>
-            </a:r>
-            <a:r>
-              <a:rPr lang="en-US" dirty="0">
-                <a:solidFill>
-                  <a:srgbClr val="FF0000"/>
-                </a:solidFill>
-              </a:rPr>
-              <a:t>'r_</a:t>
-            </a:r>
-            <a:r>
-              <a:rPr lang="en-US" dirty="0" err="1">
-                <a:solidFill>
-                  <a:srgbClr val="FF0000"/>
-                </a:solidFill>
-              </a:rPr>
-              <a:t>sca</a:t>
-            </a:r>
-            <a:r>
-              <a:rPr lang="en-US" dirty="0">
-                <a:solidFill>
-                  <a:srgbClr val="FF0000"/>
-                </a:solidFill>
-              </a:rPr>
-              <a:t>'</a:t>
-            </a:r>
-            <a:r>
-              <a:rPr lang="en-US" dirty="0">
-                <a:solidFill>
-                  <a:srgbClr val="000000"/>
-                </a:solidFill>
-              </a:rPr>
-              <a:t>,</a:t>
-            </a:r>
-            <a:r>
-              <a:rPr lang="en-US" dirty="0">
-                <a:solidFill>
-                  <a:srgbClr val="FF0000"/>
-                </a:solidFill>
-              </a:rPr>
-              <a:t>'f_</a:t>
-            </a:r>
-            <a:r>
-              <a:rPr lang="en-US" dirty="0" err="1">
-                <a:solidFill>
-                  <a:srgbClr val="FF0000"/>
-                </a:solidFill>
-              </a:rPr>
-              <a:t>sca</a:t>
-            </a:r>
-            <a:r>
-              <a:rPr lang="en-US" dirty="0">
-                <a:solidFill>
-                  <a:srgbClr val="FF0000"/>
-                </a:solidFill>
-              </a:rPr>
-              <a:t>'</a:t>
-            </a:r>
-            <a:r>
-              <a:rPr lang="en-US" dirty="0">
-                <a:solidFill>
-                  <a:srgbClr val="000000"/>
-                </a:solidFill>
-              </a:rPr>
-              <a:t>,</a:t>
-            </a:r>
-            <a:r>
-              <a:rPr lang="en-US" dirty="0">
-                <a:solidFill>
-                  <a:srgbClr val="FF0000"/>
-                </a:solidFill>
-              </a:rPr>
-              <a:t>'m_</a:t>
-            </a:r>
-            <a:r>
-              <a:rPr lang="en-US" dirty="0" err="1">
-                <a:solidFill>
-                  <a:srgbClr val="FF0000"/>
-                </a:solidFill>
-              </a:rPr>
-              <a:t>sca</a:t>
-            </a:r>
-            <a:r>
-              <a:rPr lang="en-US" dirty="0">
-                <a:solidFill>
-                  <a:srgbClr val="FF0000"/>
-                </a:solidFill>
-              </a:rPr>
-              <a:t>'</a:t>
-            </a:r>
-            <a:r>
-              <a:rPr lang="en-US" dirty="0">
-                <a:solidFill>
-                  <a:srgbClr val="000000"/>
-                </a:solidFill>
-              </a:rPr>
-              <a:t>,</a:t>
-            </a:r>
-            <a:r>
-              <a:rPr lang="en-US" dirty="0">
-                <a:solidFill>
-                  <a:srgbClr val="FF0000"/>
-                </a:solidFill>
-              </a:rPr>
-              <a:t>'prediction'</a:t>
-            </a:r>
-            <a:r>
-              <a:rPr lang="en-US" dirty="0">
-                <a:solidFill>
-                  <a:srgbClr val="000000"/>
-                </a:solidFill>
-              </a:rPr>
-              <a:t>]) </a:t>
-            </a:r>
-          </a:p>
-          <a:p>
-            <a:r>
-              <a:rPr lang="en-US" dirty="0" err="1">
-                <a:solidFill>
-                  <a:srgbClr val="000000"/>
-                </a:solidFill>
-              </a:rPr>
-              <a:t>d_sc.show</a:t>
-            </a:r>
-            <a:r>
-              <a:rPr lang="en-US" dirty="0">
-                <a:solidFill>
-                  <a:srgbClr val="000000"/>
-                </a:solidFill>
-              </a:rPr>
-              <a:t>(</a:t>
-            </a:r>
-            <a:r>
-              <a:rPr lang="en-US" dirty="0">
-                <a:solidFill>
-                  <a:srgbClr val="008000"/>
-                </a:solidFill>
-              </a:rPr>
-              <a:t>5</a:t>
-            </a:r>
-            <a:r>
-              <a:rPr lang="en-US" dirty="0" smtClean="0">
-                <a:solidFill>
-                  <a:srgbClr val="000000"/>
-                </a:solidFill>
-              </a:rPr>
-              <a:t>)</a:t>
-            </a:r>
-            <a:endParaRPr lang="en-US" dirty="0">
-              <a:solidFill>
-                <a:srgbClr val="000000"/>
-              </a:solidFill>
-            </a:endParaRPr>
-          </a:p>
-        </p:txBody>
-      </p:sp>
-      <p:sp>
-        <p:nvSpPr>
-          <p:cNvPr id="6" name="Title 1"/>
-          <p:cNvSpPr txBox="1">
-            <a:spLocks/>
-          </p:cNvSpPr>
-          <p:nvPr/>
-        </p:nvSpPr>
-        <p:spPr>
-          <a:xfrm>
-            <a:off x="-1" y="0"/>
-            <a:ext cx="4999091" cy="718596"/>
-          </a:xfrm>
-          <a:prstGeom prst="rect">
-            <a:avLst/>
-          </a:prstGeom>
-        </p:spPr>
-        <p:txBody>
-          <a:bodyPr vert="horz" lIns="91440" tIns="45720" rIns="91440" bIns="45720" rtlCol="0" anchor="ctr">
-            <a:normAutofit/>
-          </a:bodyPr>
-          <a:lstStyle>
-            <a:lvl1pPr algn="ctr" defTabSz="457200" rtl="0" eaLnBrk="1" latinLnBrk="0" hangingPunct="1">
-              <a:spcBef>
-                <a:spcPct val="0"/>
-              </a:spcBef>
-              <a:buNone/>
-              <a:defRPr sz="4400" kern="1200">
-                <a:solidFill>
-                  <a:schemeClr val="tx1"/>
-                </a:solidFill>
-                <a:latin typeface="+mj-lt"/>
-                <a:ea typeface="+mj-ea"/>
-                <a:cs typeface="+mj-cs"/>
-              </a:defRPr>
-            </a:lvl1pPr>
-          </a:lstStyle>
-          <a:p>
-            <a:pPr algn="l"/>
-            <a:r>
-              <a:rPr lang="en-US" sz="3200" dirty="0" smtClean="0"/>
-              <a:t>K-means </a:t>
-            </a:r>
-            <a:endParaRPr lang="en-US" sz="3200" dirty="0"/>
-          </a:p>
-        </p:txBody>
-      </p:sp>
-      <p:pic>
-        <p:nvPicPr>
-          <p:cNvPr id="5" name="Picture 4" descr="Screen Shot 2019-04-01 at 8.28.03 AM.png"/>
-          <p:cNvPicPr>
-            <a:picLocks noChangeAspect="1"/>
-          </p:cNvPicPr>
-          <p:nvPr/>
-        </p:nvPicPr>
-        <p:blipFill>
-          <a:blip r:embed="rId2">
-            <a:extLst>
-              <a:ext uri="{28A0092B-C50C-407E-A947-70E740481C1C}">
-                <a14:useLocalDpi xmlns:a14="http://schemas.microsoft.com/office/drawing/2010/main" val="0"/>
-              </a:ext>
-            </a:extLst>
-          </a:blip>
-          <a:stretch>
-            <a:fillRect/>
-          </a:stretch>
-        </p:blipFill>
-        <p:spPr>
-          <a:xfrm>
-            <a:off x="-1" y="2811715"/>
-            <a:ext cx="7874000" cy="1879600"/>
-          </a:xfrm>
-          <a:prstGeom prst="rect">
-            <a:avLst/>
-          </a:prstGeom>
-        </p:spPr>
-      </p:pic>
-    </p:spTree>
-    <p:extLst>
-      <p:ext uri="{BB962C8B-B14F-4D97-AF65-F5344CB8AC3E}">
-        <p14:creationId xmlns:p14="http://schemas.microsoft.com/office/powerpoint/2010/main" val="3113955471"/>
       </p:ext>
     </p:extLst>
   </p:cSld>
@@ -11398,6 +10949,542 @@
             <a:r>
               <a:rPr lang="en-US" dirty="0" smtClean="0">
                 <a:solidFill>
+                  <a:srgbClr val="008000"/>
+                </a:solidFill>
+              </a:rPr>
+              <a:t>## extract scaled </a:t>
+            </a:r>
+            <a:r>
+              <a:rPr lang="en-US" dirty="0" err="1" smtClean="0">
+                <a:solidFill>
+                  <a:srgbClr val="008000"/>
+                </a:solidFill>
+              </a:rPr>
+              <a:t>rfm</a:t>
+            </a:r>
+            <a:r>
+              <a:rPr lang="en-US" dirty="0" smtClean="0">
+                <a:solidFill>
+                  <a:srgbClr val="008000"/>
+                </a:solidFill>
+              </a:rPr>
+              <a:t> to different </a:t>
+            </a:r>
+            <a:r>
+              <a:rPr lang="en-US" dirty="0">
+                <a:solidFill>
+                  <a:srgbClr val="008000"/>
+                </a:solidFill>
+              </a:rPr>
+              <a:t>columns</a:t>
+            </a:r>
+          </a:p>
+          <a:p>
+            <a:r>
+              <a:rPr lang="en-US" dirty="0" err="1">
+                <a:solidFill>
+                  <a:srgbClr val="0000FF"/>
+                </a:solidFill>
+              </a:rPr>
+              <a:t>def</a:t>
+            </a:r>
+            <a:r>
+              <a:rPr lang="en-US" dirty="0">
+                <a:solidFill>
+                  <a:srgbClr val="000000"/>
+                </a:solidFill>
+              </a:rPr>
+              <a:t> extract(row):</a:t>
+            </a:r>
+          </a:p>
+          <a:p>
+            <a:r>
+              <a:rPr lang="en-US" dirty="0">
+                <a:solidFill>
+                  <a:srgbClr val="000000"/>
+                </a:solidFill>
+              </a:rPr>
+              <a:t>    </a:t>
+            </a:r>
+            <a:r>
+              <a:rPr lang="en-US" dirty="0">
+                <a:solidFill>
+                  <a:srgbClr val="0000FF"/>
+                </a:solidFill>
+              </a:rPr>
+              <a:t>return</a:t>
+            </a:r>
+            <a:r>
+              <a:rPr lang="en-US" dirty="0">
+                <a:solidFill>
+                  <a:srgbClr val="000000"/>
+                </a:solidFill>
+              </a:rPr>
+              <a:t> (</a:t>
+            </a:r>
+            <a:r>
+              <a:rPr lang="en-US" dirty="0" err="1">
+                <a:solidFill>
+                  <a:srgbClr val="000000"/>
+                </a:solidFill>
+              </a:rPr>
+              <a:t>row.CustomerID</a:t>
+            </a:r>
+            <a:r>
+              <a:rPr lang="en-US" dirty="0">
+                <a:solidFill>
+                  <a:srgbClr val="000000"/>
+                </a:solidFill>
+              </a:rPr>
+              <a:t>, ) + tuple(</a:t>
+            </a:r>
+            <a:r>
+              <a:rPr lang="en-US" dirty="0" err="1">
+                <a:solidFill>
+                  <a:srgbClr val="000000"/>
+                </a:solidFill>
+              </a:rPr>
+              <a:t>row.features.toArray</a:t>
+            </a:r>
+            <a:r>
+              <a:rPr lang="en-US" dirty="0">
+                <a:solidFill>
+                  <a:srgbClr val="000000"/>
+                </a:solidFill>
+              </a:rPr>
+              <a:t>().</a:t>
+            </a:r>
+            <a:r>
+              <a:rPr lang="en-US" dirty="0" err="1">
+                <a:solidFill>
+                  <a:srgbClr val="000000"/>
+                </a:solidFill>
+              </a:rPr>
+              <a:t>tolist</a:t>
+            </a:r>
+            <a:r>
+              <a:rPr lang="en-US" dirty="0">
+                <a:solidFill>
+                  <a:srgbClr val="000000"/>
+                </a:solidFill>
+              </a:rPr>
+              <a:t>()) </a:t>
+            </a:r>
+            <a:r>
+              <a:rPr lang="en-US" dirty="0" smtClean="0">
+                <a:solidFill>
+                  <a:srgbClr val="000000"/>
+                </a:solidFill>
+              </a:rPr>
+              <a:t>+ (</a:t>
+            </a:r>
+            <a:r>
+              <a:rPr lang="en-US" dirty="0" err="1">
+                <a:solidFill>
+                  <a:srgbClr val="000000"/>
+                </a:solidFill>
+              </a:rPr>
+              <a:t>row.prediction</a:t>
+            </a:r>
+            <a:r>
+              <a:rPr lang="en-US" dirty="0">
+                <a:solidFill>
+                  <a:srgbClr val="000000"/>
+                </a:solidFill>
+              </a:rPr>
+              <a:t>,)</a:t>
+            </a:r>
+          </a:p>
+          <a:p>
+            <a:r>
+              <a:rPr lang="en-US" dirty="0" err="1">
+                <a:solidFill>
+                  <a:srgbClr val="000000"/>
+                </a:solidFill>
+              </a:rPr>
+              <a:t>d_sc</a:t>
+            </a:r>
+            <a:r>
+              <a:rPr lang="en-US" dirty="0">
+                <a:solidFill>
+                  <a:srgbClr val="000000"/>
+                </a:solidFill>
+              </a:rPr>
+              <a:t>=</a:t>
+            </a:r>
+            <a:r>
+              <a:rPr lang="en-US" dirty="0" err="1">
+                <a:solidFill>
+                  <a:srgbClr val="000000"/>
+                </a:solidFill>
+              </a:rPr>
+              <a:t>predictions.rdd.map</a:t>
+            </a:r>
+            <a:r>
+              <a:rPr lang="en-US" dirty="0">
+                <a:solidFill>
+                  <a:srgbClr val="000000"/>
+                </a:solidFill>
+              </a:rPr>
+              <a:t>(extract).</a:t>
+            </a:r>
+            <a:r>
+              <a:rPr lang="en-US" dirty="0" err="1">
+                <a:solidFill>
+                  <a:srgbClr val="000000"/>
+                </a:solidFill>
+              </a:rPr>
+              <a:t>toDF</a:t>
+            </a:r>
+            <a:r>
+              <a:rPr lang="en-US" dirty="0">
+                <a:solidFill>
+                  <a:srgbClr val="000000"/>
+                </a:solidFill>
+              </a:rPr>
+              <a:t>([</a:t>
+            </a:r>
+            <a:r>
+              <a:rPr lang="en-US" dirty="0">
+                <a:solidFill>
+                  <a:srgbClr val="FF0000"/>
+                </a:solidFill>
+              </a:rPr>
+              <a:t>"</a:t>
+            </a:r>
+            <a:r>
+              <a:rPr lang="en-US" dirty="0" err="1">
+                <a:solidFill>
+                  <a:srgbClr val="FF0000"/>
+                </a:solidFill>
+              </a:rPr>
+              <a:t>CustomerID</a:t>
+            </a:r>
+            <a:r>
+              <a:rPr lang="en-US" dirty="0">
+                <a:solidFill>
+                  <a:srgbClr val="FF0000"/>
+                </a:solidFill>
+              </a:rPr>
+              <a:t>"</a:t>
+            </a:r>
+            <a:r>
+              <a:rPr lang="en-US" dirty="0">
+                <a:solidFill>
+                  <a:srgbClr val="000000"/>
+                </a:solidFill>
+              </a:rPr>
+              <a:t>,</a:t>
+            </a:r>
+            <a:r>
+              <a:rPr lang="en-US" dirty="0">
+                <a:solidFill>
+                  <a:srgbClr val="FF0000"/>
+                </a:solidFill>
+              </a:rPr>
+              <a:t>'r_</a:t>
+            </a:r>
+            <a:r>
+              <a:rPr lang="en-US" dirty="0" err="1">
+                <a:solidFill>
+                  <a:srgbClr val="FF0000"/>
+                </a:solidFill>
+              </a:rPr>
+              <a:t>sca</a:t>
+            </a:r>
+            <a:r>
+              <a:rPr lang="en-US" dirty="0">
+                <a:solidFill>
+                  <a:srgbClr val="FF0000"/>
+                </a:solidFill>
+              </a:rPr>
+              <a:t>'</a:t>
+            </a:r>
+            <a:r>
+              <a:rPr lang="en-US" dirty="0">
+                <a:solidFill>
+                  <a:srgbClr val="000000"/>
+                </a:solidFill>
+              </a:rPr>
+              <a:t>,</a:t>
+            </a:r>
+            <a:r>
+              <a:rPr lang="en-US" dirty="0">
+                <a:solidFill>
+                  <a:srgbClr val="FF0000"/>
+                </a:solidFill>
+              </a:rPr>
+              <a:t>'f_</a:t>
+            </a:r>
+            <a:r>
+              <a:rPr lang="en-US" dirty="0" err="1">
+                <a:solidFill>
+                  <a:srgbClr val="FF0000"/>
+                </a:solidFill>
+              </a:rPr>
+              <a:t>sca</a:t>
+            </a:r>
+            <a:r>
+              <a:rPr lang="en-US" dirty="0">
+                <a:solidFill>
+                  <a:srgbClr val="FF0000"/>
+                </a:solidFill>
+              </a:rPr>
+              <a:t>'</a:t>
+            </a:r>
+            <a:r>
+              <a:rPr lang="en-US" dirty="0">
+                <a:solidFill>
+                  <a:srgbClr val="000000"/>
+                </a:solidFill>
+              </a:rPr>
+              <a:t>,</a:t>
+            </a:r>
+            <a:r>
+              <a:rPr lang="en-US" dirty="0">
+                <a:solidFill>
+                  <a:srgbClr val="FF0000"/>
+                </a:solidFill>
+              </a:rPr>
+              <a:t>'m_</a:t>
+            </a:r>
+            <a:r>
+              <a:rPr lang="en-US" dirty="0" err="1">
+                <a:solidFill>
+                  <a:srgbClr val="FF0000"/>
+                </a:solidFill>
+              </a:rPr>
+              <a:t>sca</a:t>
+            </a:r>
+            <a:r>
+              <a:rPr lang="en-US" dirty="0">
+                <a:solidFill>
+                  <a:srgbClr val="FF0000"/>
+                </a:solidFill>
+              </a:rPr>
+              <a:t>'</a:t>
+            </a:r>
+            <a:r>
+              <a:rPr lang="en-US" dirty="0">
+                <a:solidFill>
+                  <a:srgbClr val="000000"/>
+                </a:solidFill>
+              </a:rPr>
+              <a:t>,</a:t>
+            </a:r>
+            <a:r>
+              <a:rPr lang="en-US" dirty="0">
+                <a:solidFill>
+                  <a:srgbClr val="FF0000"/>
+                </a:solidFill>
+              </a:rPr>
+              <a:t>'prediction'</a:t>
+            </a:r>
+            <a:r>
+              <a:rPr lang="en-US" dirty="0">
+                <a:solidFill>
+                  <a:srgbClr val="000000"/>
+                </a:solidFill>
+              </a:rPr>
+              <a:t>]) </a:t>
+            </a:r>
+          </a:p>
+          <a:p>
+            <a:r>
+              <a:rPr lang="en-US" dirty="0" err="1">
+                <a:solidFill>
+                  <a:srgbClr val="000000"/>
+                </a:solidFill>
+              </a:rPr>
+              <a:t>d_sc.show</a:t>
+            </a:r>
+            <a:r>
+              <a:rPr lang="en-US" dirty="0">
+                <a:solidFill>
+                  <a:srgbClr val="000000"/>
+                </a:solidFill>
+              </a:rPr>
+              <a:t>(</a:t>
+            </a:r>
+            <a:r>
+              <a:rPr lang="en-US" dirty="0">
+                <a:solidFill>
+                  <a:srgbClr val="008000"/>
+                </a:solidFill>
+              </a:rPr>
+              <a:t>5</a:t>
+            </a:r>
+            <a:r>
+              <a:rPr lang="en-US" dirty="0" smtClean="0">
+                <a:solidFill>
+                  <a:srgbClr val="000000"/>
+                </a:solidFill>
+              </a:rPr>
+              <a:t>)</a:t>
+            </a:r>
+            <a:endParaRPr lang="en-US" dirty="0">
+              <a:solidFill>
+                <a:srgbClr val="000000"/>
+              </a:solidFill>
+            </a:endParaRPr>
+          </a:p>
+        </p:txBody>
+      </p:sp>
+      <p:sp>
+        <p:nvSpPr>
+          <p:cNvPr id="6" name="Title 1"/>
+          <p:cNvSpPr txBox="1">
+            <a:spLocks/>
+          </p:cNvSpPr>
+          <p:nvPr/>
+        </p:nvSpPr>
+        <p:spPr>
+          <a:xfrm>
+            <a:off x="-1" y="0"/>
+            <a:ext cx="4999091" cy="718596"/>
+          </a:xfrm>
+          <a:prstGeom prst="rect">
+            <a:avLst/>
+          </a:prstGeom>
+        </p:spPr>
+        <p:txBody>
+          <a:bodyPr vert="horz" lIns="91440" tIns="45720" rIns="91440" bIns="45720" rtlCol="0" anchor="ctr">
+            <a:normAutofit/>
+          </a:bodyPr>
+          <a:lstStyle>
+            <a:lvl1pPr algn="ctr" defTabSz="457200" rtl="0" eaLnBrk="1" latinLnBrk="0" hangingPunct="1">
+              <a:spcBef>
+                <a:spcPct val="0"/>
+              </a:spcBef>
+              <a:buNone/>
+              <a:defRPr sz="4400" kern="1200">
+                <a:solidFill>
+                  <a:schemeClr val="tx1"/>
+                </a:solidFill>
+                <a:latin typeface="+mj-lt"/>
+                <a:ea typeface="+mj-ea"/>
+                <a:cs typeface="+mj-cs"/>
+              </a:defRPr>
+            </a:lvl1pPr>
+          </a:lstStyle>
+          <a:p>
+            <a:pPr algn="l"/>
+            <a:r>
+              <a:rPr lang="en-US" sz="3200" dirty="0" smtClean="0"/>
+              <a:t>K-means </a:t>
+            </a:r>
+            <a:endParaRPr lang="en-US" sz="3200" dirty="0"/>
+          </a:p>
+        </p:txBody>
+      </p:sp>
+      <p:pic>
+        <p:nvPicPr>
+          <p:cNvPr id="5" name="Picture 4" descr="Screen Shot 2019-04-01 at 8.28.03 AM.png"/>
+          <p:cNvPicPr>
+            <a:picLocks noChangeAspect="1"/>
+          </p:cNvPicPr>
+          <p:nvPr/>
+        </p:nvPicPr>
+        <p:blipFill>
+          <a:blip r:embed="rId2">
+            <a:extLst>
+              <a:ext uri="{28A0092B-C50C-407E-A947-70E740481C1C}">
+                <a14:useLocalDpi xmlns:a14="http://schemas.microsoft.com/office/drawing/2010/main" val="0"/>
+              </a:ext>
+            </a:extLst>
+          </a:blip>
+          <a:stretch>
+            <a:fillRect/>
+          </a:stretch>
+        </p:blipFill>
+        <p:spPr>
+          <a:xfrm>
+            <a:off x="-1" y="2811715"/>
+            <a:ext cx="7874000" cy="1879600"/>
+          </a:xfrm>
+          <a:prstGeom prst="rect">
+            <a:avLst/>
+          </a:prstGeom>
+        </p:spPr>
+      </p:pic>
+    </p:spTree>
+    <p:extLst>
+      <p:ext uri="{BB962C8B-B14F-4D97-AF65-F5344CB8AC3E}">
+        <p14:creationId xmlns:p14="http://schemas.microsoft.com/office/powerpoint/2010/main" val="3113955471"/>
+      </p:ext>
+    </p:extLst>
+  </p:cSld>
+  <p:clrMapOvr>
+    <a:masterClrMapping/>
+  </p:clrMapOvr>
+  <p:timing>
+    <p:tnLst>
+      <p:par>
+        <p:cTn xmlns:p14="http://schemas.microsoft.com/office/powerpoint/2010/main" id="1" dur="indefinite" restart="never" nodeType="tmRoot"/>
+      </p:par>
+    </p:tnLst>
+  </p:timing>
+</p:sld>
+</file>
+
+<file path=ppt/slides/slide27.xml><?xml version="1.0" encoding="utf-8"?>
+<p:sld xmlns:a="http://schemas.openxmlformats.org/drawingml/2006/main" xmlns:r="http://schemas.openxmlformats.org/officeDocument/2006/relationships" xmlns:p="http://schemas.openxmlformats.org/presentationml/2006/main">
+  <p:cSld>
+    <p:spTree>
+      <p:nvGrpSpPr>
+        <p:cNvPr id="1" name=""/>
+        <p:cNvGrpSpPr/>
+        <p:nvPr/>
+      </p:nvGrpSpPr>
+      <p:grpSpPr>
+        <a:xfrm>
+          <a:off x="0" y="0"/>
+          <a:ext cx="0" cy="0"/>
+          <a:chOff x="0" y="0"/>
+          <a:chExt cx="0" cy="0"/>
+        </a:xfrm>
+      </p:grpSpPr>
+      <p:sp>
+        <p:nvSpPr>
+          <p:cNvPr id="3" name="TextBox 2"/>
+          <p:cNvSpPr txBox="1"/>
+          <p:nvPr/>
+        </p:nvSpPr>
+        <p:spPr>
+          <a:xfrm>
+            <a:off x="457200" y="768719"/>
+            <a:ext cx="8229600" cy="1754327"/>
+          </a:xfrm>
+          <a:prstGeom prst="rect">
+            <a:avLst/>
+          </a:prstGeom>
+          <a:solidFill>
+            <a:srgbClr val="EFEFEF"/>
+          </a:solidFill>
+        </p:spPr>
+        <p:style>
+          <a:lnRef idx="2">
+            <a:schemeClr val="dk1"/>
+          </a:lnRef>
+          <a:fillRef idx="1">
+            <a:schemeClr val="lt1"/>
+          </a:fillRef>
+          <a:effectRef idx="0">
+            <a:schemeClr val="dk1"/>
+          </a:effectRef>
+          <a:fontRef idx="minor">
+            <a:schemeClr val="dk1"/>
+          </a:fontRef>
+        </p:style>
+        <p:txBody>
+          <a:bodyPr wrap="square" rtlCol="0">
+            <a:spAutoFit/>
+          </a:bodyPr>
+          <a:lstStyle/>
+          <a:p>
+            <a:r>
+              <a:rPr lang="en-US" dirty="0" smtClean="0">
+                <a:solidFill>
                   <a:srgbClr val="0000FF"/>
                 </a:solidFill>
               </a:rPr>
@@ -11711,7 +11798,7 @@
 </p:sld>
 </file>
 
-<file path=ppt/slides/slide27.xml><?xml version="1.0" encoding="utf-8"?>
+<file path=ppt/slides/slide28.xml><?xml version="1.0" encoding="utf-8"?>
 <p:sld xmlns:a="http://schemas.openxmlformats.org/drawingml/2006/main" xmlns:r="http://schemas.openxmlformats.org/officeDocument/2006/relationships" xmlns:p="http://schemas.openxmlformats.org/presentationml/2006/main">
   <p:cSld>
     <p:spTree>
@@ -11821,7 +11908,7 @@
 </p:sld>
 </file>
 
-<file path=ppt/slides/slide28.xml><?xml version="1.0" encoding="utf-8"?>
+<file path=ppt/slides/slide29.xml><?xml version="1.0" encoding="utf-8"?>
 <p:sld xmlns:a="http://schemas.openxmlformats.org/drawingml/2006/main" xmlns:r="http://schemas.openxmlformats.org/officeDocument/2006/relationships" xmlns:p="http://schemas.openxmlformats.org/presentationml/2006/main">
   <p:cSld>
     <p:spTree>
@@ -12930,550 +13017,6 @@
     <p:extLst>
       <p:ext uri="{BB962C8B-B14F-4D97-AF65-F5344CB8AC3E}">
         <p14:creationId xmlns:p14="http://schemas.microsoft.com/office/powerpoint/2010/main" val="2738712961"/>
-      </p:ext>
-    </p:extLst>
-  </p:cSld>
-  <p:clrMapOvr>
-    <a:masterClrMapping/>
-  </p:clrMapOvr>
-  <p:timing>
-    <p:tnLst>
-      <p:par>
-        <p:cTn xmlns:p14="http://schemas.microsoft.com/office/powerpoint/2010/main" id="1" dur="indefinite" restart="never" nodeType="tmRoot"/>
-      </p:par>
-    </p:tnLst>
-  </p:timing>
-</p:sld>
-</file>
-
-<file path=ppt/slides/slide29.xml><?xml version="1.0" encoding="utf-8"?>
-<p:sld xmlns:a="http://schemas.openxmlformats.org/drawingml/2006/main" xmlns:r="http://schemas.openxmlformats.org/officeDocument/2006/relationships" xmlns:p="http://schemas.openxmlformats.org/presentationml/2006/main">
-  <p:cSld>
-    <p:spTree>
-      <p:nvGrpSpPr>
-        <p:cNvPr id="1" name=""/>
-        <p:cNvGrpSpPr/>
-        <p:nvPr/>
-      </p:nvGrpSpPr>
-      <p:grpSpPr>
-        <a:xfrm>
-          <a:off x="0" y="0"/>
-          <a:ext cx="0" cy="0"/>
-          <a:chOff x="0" y="0"/>
-          <a:chExt cx="0" cy="0"/>
-        </a:xfrm>
-      </p:grpSpPr>
-      <p:sp>
-        <p:nvSpPr>
-          <p:cNvPr id="3" name="TextBox 2"/>
-          <p:cNvSpPr txBox="1"/>
-          <p:nvPr/>
-        </p:nvSpPr>
-        <p:spPr>
-          <a:xfrm>
-            <a:off x="457200" y="768719"/>
-            <a:ext cx="8229600" cy="2031325"/>
-          </a:xfrm>
-          <a:prstGeom prst="rect">
-            <a:avLst/>
-          </a:prstGeom>
-          <a:solidFill>
-            <a:srgbClr val="EFEFEF"/>
-          </a:solidFill>
-        </p:spPr>
-        <p:style>
-          <a:lnRef idx="2">
-            <a:schemeClr val="dk1"/>
-          </a:lnRef>
-          <a:fillRef idx="1">
-            <a:schemeClr val="lt1"/>
-          </a:fillRef>
-          <a:effectRef idx="0">
-            <a:schemeClr val="dk1"/>
-          </a:effectRef>
-          <a:fontRef idx="minor">
-            <a:schemeClr val="dk1"/>
-          </a:fontRef>
-        </p:style>
-        <p:txBody>
-          <a:bodyPr wrap="square" rtlCol="0">
-            <a:spAutoFit/>
-          </a:bodyPr>
-          <a:lstStyle/>
-          <a:p>
-            <a:r>
-              <a:rPr lang="en-US" dirty="0">
-                <a:solidFill>
-                  <a:srgbClr val="0000FF"/>
-                </a:solidFill>
-              </a:rPr>
-              <a:t>from</a:t>
-            </a:r>
-            <a:r>
-              <a:rPr lang="en-US" dirty="0">
-                <a:solidFill>
-                  <a:srgbClr val="000000"/>
-                </a:solidFill>
-              </a:rPr>
-              <a:t> </a:t>
-            </a:r>
-            <a:r>
-              <a:rPr lang="en-US" dirty="0" err="1">
-                <a:solidFill>
-                  <a:srgbClr val="000000"/>
-                </a:solidFill>
-              </a:rPr>
-              <a:t>pyspark.sql.functions</a:t>
-            </a:r>
-            <a:r>
-              <a:rPr lang="en-US" dirty="0">
-                <a:solidFill>
-                  <a:srgbClr val="000000"/>
-                </a:solidFill>
-              </a:rPr>
-              <a:t> </a:t>
-            </a:r>
-            <a:r>
-              <a:rPr lang="en-US" dirty="0">
-                <a:solidFill>
-                  <a:srgbClr val="0000FF"/>
-                </a:solidFill>
-              </a:rPr>
-              <a:t>import</a:t>
-            </a:r>
-            <a:r>
-              <a:rPr lang="en-US" dirty="0">
-                <a:solidFill>
-                  <a:srgbClr val="000000"/>
-                </a:solidFill>
-              </a:rPr>
-              <a:t> </a:t>
-            </a:r>
-            <a:r>
-              <a:rPr lang="en-US" dirty="0" err="1">
-                <a:solidFill>
-                  <a:srgbClr val="000000"/>
-                </a:solidFill>
-              </a:rPr>
-              <a:t>udf</a:t>
-            </a:r>
-            <a:r>
-              <a:rPr lang="en-US" dirty="0">
-                <a:solidFill>
-                  <a:srgbClr val="000000"/>
-                </a:solidFill>
-              </a:rPr>
-              <a:t> </a:t>
-            </a:r>
-          </a:p>
-          <a:p>
-            <a:r>
-              <a:rPr lang="en-US" dirty="0">
-                <a:solidFill>
-                  <a:srgbClr val="0000FF"/>
-                </a:solidFill>
-              </a:rPr>
-              <a:t>from</a:t>
-            </a:r>
-            <a:r>
-              <a:rPr lang="en-US" dirty="0">
-                <a:solidFill>
-                  <a:srgbClr val="000000"/>
-                </a:solidFill>
-              </a:rPr>
-              <a:t> </a:t>
-            </a:r>
-            <a:r>
-              <a:rPr lang="en-US" dirty="0" err="1">
-                <a:solidFill>
-                  <a:srgbClr val="000000"/>
-                </a:solidFill>
-              </a:rPr>
-              <a:t>pyspark.sql.types</a:t>
-            </a:r>
-            <a:r>
-              <a:rPr lang="en-US" dirty="0">
-                <a:solidFill>
-                  <a:srgbClr val="000000"/>
-                </a:solidFill>
-              </a:rPr>
-              <a:t> </a:t>
-            </a:r>
-            <a:r>
-              <a:rPr lang="en-US" dirty="0">
-                <a:solidFill>
-                  <a:srgbClr val="0000FF"/>
-                </a:solidFill>
-              </a:rPr>
-              <a:t>import</a:t>
-            </a:r>
-            <a:r>
-              <a:rPr lang="en-US" dirty="0">
-                <a:solidFill>
-                  <a:srgbClr val="000000"/>
-                </a:solidFill>
-              </a:rPr>
-              <a:t> </a:t>
-            </a:r>
-            <a:r>
-              <a:rPr lang="en-US" dirty="0" err="1">
-                <a:solidFill>
-                  <a:srgbClr val="000000"/>
-                </a:solidFill>
-              </a:rPr>
-              <a:t>IntegerType</a:t>
-            </a:r>
-            <a:endParaRPr lang="en-US" dirty="0">
-              <a:solidFill>
-                <a:srgbClr val="000000"/>
-              </a:solidFill>
-            </a:endParaRPr>
-          </a:p>
-          <a:p>
-            <a:r>
-              <a:rPr lang="en-US" dirty="0" err="1">
-                <a:solidFill>
-                  <a:srgbClr val="000000"/>
-                </a:solidFill>
-              </a:rPr>
-              <a:t>X_udf</a:t>
-            </a:r>
-            <a:r>
-              <a:rPr lang="en-US" dirty="0">
-                <a:solidFill>
-                  <a:srgbClr val="000000"/>
-                </a:solidFill>
-              </a:rPr>
-              <a:t> = </a:t>
-            </a:r>
-            <a:r>
-              <a:rPr lang="en-US" dirty="0" err="1">
-                <a:solidFill>
-                  <a:srgbClr val="000000"/>
-                </a:solidFill>
-              </a:rPr>
-              <a:t>udf</a:t>
-            </a:r>
-            <a:r>
-              <a:rPr lang="en-US" dirty="0">
-                <a:solidFill>
-                  <a:srgbClr val="000000"/>
-                </a:solidFill>
-              </a:rPr>
-              <a:t>(</a:t>
-            </a:r>
-            <a:r>
-              <a:rPr lang="en-US" dirty="0">
-                <a:solidFill>
-                  <a:srgbClr val="0000FF"/>
-                </a:solidFill>
-              </a:rPr>
-              <a:t>lambda</a:t>
-            </a:r>
-            <a:r>
-              <a:rPr lang="en-US" dirty="0">
-                <a:solidFill>
-                  <a:srgbClr val="000000"/>
-                </a:solidFill>
-              </a:rPr>
-              <a:t> x: </a:t>
-            </a:r>
-            <a:r>
-              <a:rPr lang="en-US" dirty="0" err="1">
-                <a:solidFill>
-                  <a:srgbClr val="000000"/>
-                </a:solidFill>
-              </a:rPr>
-              <a:t>XScore</a:t>
-            </a:r>
-            <a:r>
-              <a:rPr lang="en-US" dirty="0">
-                <a:solidFill>
-                  <a:srgbClr val="000000"/>
-                </a:solidFill>
-              </a:rPr>
-              <a:t>(x), </a:t>
-            </a:r>
-            <a:r>
-              <a:rPr lang="en-US" dirty="0" err="1">
-                <a:solidFill>
-                  <a:srgbClr val="000000"/>
-                </a:solidFill>
-              </a:rPr>
-              <a:t>IntegerType</a:t>
-            </a:r>
-            <a:r>
-              <a:rPr lang="en-US" dirty="0">
-                <a:solidFill>
-                  <a:srgbClr val="000000"/>
-                </a:solidFill>
-              </a:rPr>
-              <a:t>())</a:t>
-            </a:r>
-          </a:p>
-          <a:p>
-            <a:endParaRPr lang="en-US" dirty="0">
-              <a:solidFill>
-                <a:srgbClr val="000000"/>
-              </a:solidFill>
-            </a:endParaRPr>
-          </a:p>
-          <a:p>
-            <a:r>
-              <a:rPr lang="en-US" dirty="0" err="1">
-                <a:solidFill>
-                  <a:srgbClr val="000000"/>
-                </a:solidFill>
-              </a:rPr>
-              <a:t>df_p</a:t>
-            </a:r>
-            <a:r>
-              <a:rPr lang="en-US" dirty="0">
-                <a:solidFill>
-                  <a:srgbClr val="000000"/>
-                </a:solidFill>
-              </a:rPr>
-              <a:t>=</a:t>
-            </a:r>
-            <a:r>
-              <a:rPr lang="en-US" dirty="0" err="1">
-                <a:solidFill>
-                  <a:srgbClr val="000000"/>
-                </a:solidFill>
-              </a:rPr>
-              <a:t>df_p.withColumn</a:t>
-            </a:r>
-            <a:r>
-              <a:rPr lang="en-US" dirty="0">
-                <a:solidFill>
-                  <a:srgbClr val="000000"/>
-                </a:solidFill>
-              </a:rPr>
-              <a:t>(</a:t>
-            </a:r>
-            <a:r>
-              <a:rPr lang="en-US" dirty="0">
-                <a:solidFill>
-                  <a:srgbClr val="FF0000"/>
-                </a:solidFill>
-              </a:rPr>
-              <a:t>'rfm_class'</a:t>
-            </a:r>
-            <a:r>
-              <a:rPr lang="en-US" dirty="0">
-                <a:solidFill>
-                  <a:srgbClr val="000000"/>
-                </a:solidFill>
-              </a:rPr>
-              <a:t>,</a:t>
-            </a:r>
-            <a:r>
-              <a:rPr lang="en-US" dirty="0" err="1">
-                <a:solidFill>
-                  <a:srgbClr val="000000"/>
-                </a:solidFill>
-              </a:rPr>
-              <a:t>X_udf</a:t>
-            </a:r>
-            <a:r>
-              <a:rPr lang="en-US" dirty="0">
-                <a:solidFill>
-                  <a:srgbClr val="000000"/>
-                </a:solidFill>
-              </a:rPr>
-              <a:t>(</a:t>
-            </a:r>
-            <a:r>
-              <a:rPr lang="en-US" dirty="0">
-                <a:solidFill>
-                  <a:srgbClr val="FF0000"/>
-                </a:solidFill>
-              </a:rPr>
-              <a:t>'</a:t>
-            </a:r>
-            <a:r>
-              <a:rPr lang="en-US" dirty="0" err="1">
-                <a:solidFill>
-                  <a:srgbClr val="FF0000"/>
-                </a:solidFill>
-              </a:rPr>
-              <a:t>RFMScore</a:t>
-            </a:r>
-            <a:r>
-              <a:rPr lang="en-US" dirty="0">
-                <a:solidFill>
-                  <a:srgbClr val="FF0000"/>
-                </a:solidFill>
-              </a:rPr>
-              <a:t>'</a:t>
-            </a:r>
-            <a:r>
-              <a:rPr lang="en-US" dirty="0">
-                <a:solidFill>
-                  <a:srgbClr val="000000"/>
-                </a:solidFill>
-              </a:rPr>
-              <a:t>))</a:t>
-            </a:r>
-          </a:p>
-          <a:p>
-            <a:r>
-              <a:rPr lang="en-US" dirty="0" err="1">
-                <a:solidFill>
-                  <a:srgbClr val="000000"/>
-                </a:solidFill>
-              </a:rPr>
-              <a:t>df_p.show</a:t>
-            </a:r>
-            <a:r>
-              <a:rPr lang="en-US" dirty="0">
-                <a:solidFill>
-                  <a:srgbClr val="000000"/>
-                </a:solidFill>
-              </a:rPr>
-              <a:t>(</a:t>
-            </a:r>
-            <a:r>
-              <a:rPr lang="en-US" dirty="0">
-                <a:solidFill>
-                  <a:srgbClr val="008000"/>
-                </a:solidFill>
-              </a:rPr>
-              <a:t>5</a:t>
-            </a:r>
-            <a:r>
-              <a:rPr lang="en-US" dirty="0">
-                <a:solidFill>
-                  <a:srgbClr val="000000"/>
-                </a:solidFill>
-              </a:rPr>
-              <a:t>)</a:t>
-            </a:r>
-          </a:p>
-          <a:p>
-            <a:r>
-              <a:rPr lang="en-US" dirty="0" err="1">
-                <a:solidFill>
-                  <a:srgbClr val="000000"/>
-                </a:solidFill>
-              </a:rPr>
-              <a:t>df_plot</a:t>
-            </a:r>
-            <a:r>
-              <a:rPr lang="en-US" dirty="0">
-                <a:solidFill>
-                  <a:srgbClr val="000000"/>
-                </a:solidFill>
-              </a:rPr>
-              <a:t>=</a:t>
-            </a:r>
-            <a:r>
-              <a:rPr lang="en-US" dirty="0" err="1">
-                <a:solidFill>
-                  <a:srgbClr val="000000"/>
-                </a:solidFill>
-              </a:rPr>
-              <a:t>df_p.select</a:t>
-            </a:r>
-            <a:r>
-              <a:rPr lang="en-US" dirty="0">
-                <a:solidFill>
-                  <a:srgbClr val="000000"/>
-                </a:solidFill>
-              </a:rPr>
-              <a:t>(</a:t>
-            </a:r>
-            <a:r>
-              <a:rPr lang="en-US" dirty="0">
-                <a:solidFill>
-                  <a:srgbClr val="008000"/>
-                </a:solidFill>
-              </a:rPr>
-              <a:t>'*</a:t>
-            </a:r>
-            <a:r>
-              <a:rPr lang="en-US" dirty="0">
-                <a:solidFill>
-                  <a:srgbClr val="000000"/>
-                </a:solidFill>
-              </a:rPr>
-              <a:t>').</a:t>
-            </a:r>
-            <a:r>
-              <a:rPr lang="en-US" dirty="0" err="1">
-                <a:solidFill>
-                  <a:srgbClr val="000000"/>
-                </a:solidFill>
-              </a:rPr>
-              <a:t>toPandas</a:t>
-            </a:r>
-            <a:r>
-              <a:rPr lang="en-US" dirty="0">
-                <a:solidFill>
-                  <a:srgbClr val="000000"/>
-                </a:solidFill>
-              </a:rPr>
-              <a:t>()</a:t>
-            </a:r>
-            <a:endParaRPr lang="en-US" dirty="0" smtClean="0">
-              <a:solidFill>
-                <a:srgbClr val="000000"/>
-              </a:solidFill>
-            </a:endParaRPr>
-          </a:p>
-        </p:txBody>
-      </p:sp>
-      <p:sp>
-        <p:nvSpPr>
-          <p:cNvPr id="6" name="Title 1"/>
-          <p:cNvSpPr txBox="1">
-            <a:spLocks/>
-          </p:cNvSpPr>
-          <p:nvPr/>
-        </p:nvSpPr>
-        <p:spPr>
-          <a:xfrm>
-            <a:off x="-1" y="0"/>
-            <a:ext cx="4999091" cy="718596"/>
-          </a:xfrm>
-          <a:prstGeom prst="rect">
-            <a:avLst/>
-          </a:prstGeom>
-        </p:spPr>
-        <p:txBody>
-          <a:bodyPr vert="horz" lIns="91440" tIns="45720" rIns="91440" bIns="45720" rtlCol="0" anchor="ctr">
-            <a:normAutofit/>
-          </a:bodyPr>
-          <a:lstStyle>
-            <a:lvl1pPr algn="ctr" defTabSz="457200" rtl="0" eaLnBrk="1" latinLnBrk="0" hangingPunct="1">
-              <a:spcBef>
-                <a:spcPct val="0"/>
-              </a:spcBef>
-              <a:buNone/>
-              <a:defRPr sz="4400" kern="1200">
-                <a:solidFill>
-                  <a:schemeClr val="tx1"/>
-                </a:solidFill>
-                <a:latin typeface="+mj-lt"/>
-                <a:ea typeface="+mj-ea"/>
-                <a:cs typeface="+mj-cs"/>
-              </a:defRPr>
-            </a:lvl1pPr>
-          </a:lstStyle>
-          <a:p>
-            <a:pPr algn="l"/>
-            <a:r>
-              <a:rPr lang="en-US" sz="3200" dirty="0" smtClean="0"/>
-              <a:t>Preparation </a:t>
-            </a:r>
-            <a:endParaRPr lang="en-US" sz="3200" dirty="0"/>
-          </a:p>
-        </p:txBody>
-      </p:sp>
-    </p:spTree>
-    <p:extLst>
-      <p:ext uri="{BB962C8B-B14F-4D97-AF65-F5344CB8AC3E}">
-        <p14:creationId xmlns:p14="http://schemas.microsoft.com/office/powerpoint/2010/main" val="2904445041"/>
       </p:ext>
     </p:extLst>
   </p:cSld>
@@ -13553,8 +13096,8 @@
               <a:t>Clustering based on </a:t>
             </a:r>
             <a:r>
-              <a:rPr lang="en-US" dirty="0" err="1" smtClean="0"/>
-              <a:t>quantile</a:t>
+              <a:rPr lang="en-US" dirty="0" smtClean="0"/>
+              <a:t>quintile</a:t>
             </a:r>
             <a:endParaRPr lang="en-US" dirty="0" smtClean="0"/>
           </a:p>
@@ -13582,8 +13125,13 @@
             <a:pPr lvl="1"/>
             <a:r>
               <a:rPr lang="en-US" dirty="0" smtClean="0"/>
-              <a:t>Parameter tuning</a:t>
-            </a:r>
+              <a:t>Parameter </a:t>
+            </a:r>
+            <a:r>
+              <a:rPr lang="en-US" dirty="0" smtClean="0"/>
+              <a:t>tuning</a:t>
+            </a:r>
+            <a:endParaRPr lang="en-US" dirty="0" smtClean="0"/>
           </a:p>
           <a:p>
             <a:r>
@@ -13651,10 +13199,561 @@
   <p:clrMapOvr>
     <a:masterClrMapping/>
   </p:clrMapOvr>
+  <p:timing>
+    <p:tnLst>
+      <p:par>
+        <p:cTn xmlns:p14="http://schemas.microsoft.com/office/powerpoint/2010/main" id="1" dur="indefinite" restart="never" nodeType="tmRoot"/>
+      </p:par>
+    </p:tnLst>
+  </p:timing>
 </p:sld>
 </file>
 
 <file path=ppt/slides/slide30.xml><?xml version="1.0" encoding="utf-8"?>
+<p:sld xmlns:a="http://schemas.openxmlformats.org/drawingml/2006/main" xmlns:r="http://schemas.openxmlformats.org/officeDocument/2006/relationships" xmlns:p="http://schemas.openxmlformats.org/presentationml/2006/main">
+  <p:cSld>
+    <p:spTree>
+      <p:nvGrpSpPr>
+        <p:cNvPr id="1" name=""/>
+        <p:cNvGrpSpPr/>
+        <p:nvPr/>
+      </p:nvGrpSpPr>
+      <p:grpSpPr>
+        <a:xfrm>
+          <a:off x="0" y="0"/>
+          <a:ext cx="0" cy="0"/>
+          <a:chOff x="0" y="0"/>
+          <a:chExt cx="0" cy="0"/>
+        </a:xfrm>
+      </p:grpSpPr>
+      <p:sp>
+        <p:nvSpPr>
+          <p:cNvPr id="3" name="TextBox 2"/>
+          <p:cNvSpPr txBox="1"/>
+          <p:nvPr/>
+        </p:nvSpPr>
+        <p:spPr>
+          <a:xfrm>
+            <a:off x="457200" y="768719"/>
+            <a:ext cx="8229600" cy="2031325"/>
+          </a:xfrm>
+          <a:prstGeom prst="rect">
+            <a:avLst/>
+          </a:prstGeom>
+          <a:solidFill>
+            <a:srgbClr val="EFEFEF"/>
+          </a:solidFill>
+        </p:spPr>
+        <p:style>
+          <a:lnRef idx="2">
+            <a:schemeClr val="dk1"/>
+          </a:lnRef>
+          <a:fillRef idx="1">
+            <a:schemeClr val="lt1"/>
+          </a:fillRef>
+          <a:effectRef idx="0">
+            <a:schemeClr val="dk1"/>
+          </a:effectRef>
+          <a:fontRef idx="minor">
+            <a:schemeClr val="dk1"/>
+          </a:fontRef>
+        </p:style>
+        <p:txBody>
+          <a:bodyPr wrap="square" rtlCol="0">
+            <a:spAutoFit/>
+          </a:bodyPr>
+          <a:lstStyle/>
+          <a:p>
+            <a:r>
+              <a:rPr lang="en-US" dirty="0">
+                <a:solidFill>
+                  <a:srgbClr val="0000FF"/>
+                </a:solidFill>
+              </a:rPr>
+              <a:t>from</a:t>
+            </a:r>
+            <a:r>
+              <a:rPr lang="en-US" dirty="0">
+                <a:solidFill>
+                  <a:srgbClr val="000000"/>
+                </a:solidFill>
+              </a:rPr>
+              <a:t> </a:t>
+            </a:r>
+            <a:r>
+              <a:rPr lang="en-US" dirty="0" err="1">
+                <a:solidFill>
+                  <a:srgbClr val="000000"/>
+                </a:solidFill>
+              </a:rPr>
+              <a:t>pyspark.sql.functions</a:t>
+            </a:r>
+            <a:r>
+              <a:rPr lang="en-US" dirty="0">
+                <a:solidFill>
+                  <a:srgbClr val="000000"/>
+                </a:solidFill>
+              </a:rPr>
+              <a:t> </a:t>
+            </a:r>
+            <a:r>
+              <a:rPr lang="en-US" dirty="0">
+                <a:solidFill>
+                  <a:srgbClr val="0000FF"/>
+                </a:solidFill>
+              </a:rPr>
+              <a:t>import</a:t>
+            </a:r>
+            <a:r>
+              <a:rPr lang="en-US" dirty="0">
+                <a:solidFill>
+                  <a:srgbClr val="000000"/>
+                </a:solidFill>
+              </a:rPr>
+              <a:t> </a:t>
+            </a:r>
+            <a:r>
+              <a:rPr lang="en-US" dirty="0" err="1">
+                <a:solidFill>
+                  <a:srgbClr val="000000"/>
+                </a:solidFill>
+              </a:rPr>
+              <a:t>udf</a:t>
+            </a:r>
+            <a:r>
+              <a:rPr lang="en-US" dirty="0">
+                <a:solidFill>
+                  <a:srgbClr val="000000"/>
+                </a:solidFill>
+              </a:rPr>
+              <a:t> </a:t>
+            </a:r>
+          </a:p>
+          <a:p>
+            <a:r>
+              <a:rPr lang="en-US" dirty="0">
+                <a:solidFill>
+                  <a:srgbClr val="0000FF"/>
+                </a:solidFill>
+              </a:rPr>
+              <a:t>from</a:t>
+            </a:r>
+            <a:r>
+              <a:rPr lang="en-US" dirty="0">
+                <a:solidFill>
+                  <a:srgbClr val="000000"/>
+                </a:solidFill>
+              </a:rPr>
+              <a:t> </a:t>
+            </a:r>
+            <a:r>
+              <a:rPr lang="en-US" dirty="0" err="1">
+                <a:solidFill>
+                  <a:srgbClr val="000000"/>
+                </a:solidFill>
+              </a:rPr>
+              <a:t>pyspark.sql.types</a:t>
+            </a:r>
+            <a:r>
+              <a:rPr lang="en-US" dirty="0">
+                <a:solidFill>
+                  <a:srgbClr val="000000"/>
+                </a:solidFill>
+              </a:rPr>
+              <a:t> </a:t>
+            </a:r>
+            <a:r>
+              <a:rPr lang="en-US" dirty="0">
+                <a:solidFill>
+                  <a:srgbClr val="0000FF"/>
+                </a:solidFill>
+              </a:rPr>
+              <a:t>import</a:t>
+            </a:r>
+            <a:r>
+              <a:rPr lang="en-US" dirty="0">
+                <a:solidFill>
+                  <a:srgbClr val="000000"/>
+                </a:solidFill>
+              </a:rPr>
+              <a:t> </a:t>
+            </a:r>
+            <a:r>
+              <a:rPr lang="en-US" dirty="0" err="1">
+                <a:solidFill>
+                  <a:srgbClr val="000000"/>
+                </a:solidFill>
+              </a:rPr>
+              <a:t>IntegerType</a:t>
+            </a:r>
+            <a:endParaRPr lang="en-US" dirty="0">
+              <a:solidFill>
+                <a:srgbClr val="000000"/>
+              </a:solidFill>
+            </a:endParaRPr>
+          </a:p>
+          <a:p>
+            <a:r>
+              <a:rPr lang="en-US" dirty="0" err="1">
+                <a:solidFill>
+                  <a:srgbClr val="000000"/>
+                </a:solidFill>
+              </a:rPr>
+              <a:t>X_udf</a:t>
+            </a:r>
+            <a:r>
+              <a:rPr lang="en-US" dirty="0">
+                <a:solidFill>
+                  <a:srgbClr val="000000"/>
+                </a:solidFill>
+              </a:rPr>
+              <a:t> = </a:t>
+            </a:r>
+            <a:r>
+              <a:rPr lang="en-US" dirty="0" err="1">
+                <a:solidFill>
+                  <a:srgbClr val="000000"/>
+                </a:solidFill>
+              </a:rPr>
+              <a:t>udf</a:t>
+            </a:r>
+            <a:r>
+              <a:rPr lang="en-US" dirty="0">
+                <a:solidFill>
+                  <a:srgbClr val="000000"/>
+                </a:solidFill>
+              </a:rPr>
+              <a:t>(</a:t>
+            </a:r>
+            <a:r>
+              <a:rPr lang="en-US" dirty="0">
+                <a:solidFill>
+                  <a:srgbClr val="0000FF"/>
+                </a:solidFill>
+              </a:rPr>
+              <a:t>lambda</a:t>
+            </a:r>
+            <a:r>
+              <a:rPr lang="en-US" dirty="0">
+                <a:solidFill>
+                  <a:srgbClr val="000000"/>
+                </a:solidFill>
+              </a:rPr>
+              <a:t> x: </a:t>
+            </a:r>
+            <a:r>
+              <a:rPr lang="en-US" dirty="0" err="1">
+                <a:solidFill>
+                  <a:srgbClr val="000000"/>
+                </a:solidFill>
+              </a:rPr>
+              <a:t>XScore</a:t>
+            </a:r>
+            <a:r>
+              <a:rPr lang="en-US" dirty="0">
+                <a:solidFill>
+                  <a:srgbClr val="000000"/>
+                </a:solidFill>
+              </a:rPr>
+              <a:t>(x), </a:t>
+            </a:r>
+            <a:r>
+              <a:rPr lang="en-US" dirty="0" err="1">
+                <a:solidFill>
+                  <a:srgbClr val="000000"/>
+                </a:solidFill>
+              </a:rPr>
+              <a:t>IntegerType</a:t>
+            </a:r>
+            <a:r>
+              <a:rPr lang="en-US" dirty="0">
+                <a:solidFill>
+                  <a:srgbClr val="000000"/>
+                </a:solidFill>
+              </a:rPr>
+              <a:t>())</a:t>
+            </a:r>
+          </a:p>
+          <a:p>
+            <a:endParaRPr lang="en-US" dirty="0">
+              <a:solidFill>
+                <a:srgbClr val="000000"/>
+              </a:solidFill>
+            </a:endParaRPr>
+          </a:p>
+          <a:p>
+            <a:r>
+              <a:rPr lang="en-US" dirty="0" err="1">
+                <a:solidFill>
+                  <a:srgbClr val="000000"/>
+                </a:solidFill>
+              </a:rPr>
+              <a:t>df_p</a:t>
+            </a:r>
+            <a:r>
+              <a:rPr lang="en-US" dirty="0">
+                <a:solidFill>
+                  <a:srgbClr val="000000"/>
+                </a:solidFill>
+              </a:rPr>
+              <a:t>=</a:t>
+            </a:r>
+            <a:r>
+              <a:rPr lang="en-US" dirty="0" err="1">
+                <a:solidFill>
+                  <a:srgbClr val="000000"/>
+                </a:solidFill>
+              </a:rPr>
+              <a:t>df_p.withColumn</a:t>
+            </a:r>
+            <a:r>
+              <a:rPr lang="en-US" dirty="0">
+                <a:solidFill>
+                  <a:srgbClr val="000000"/>
+                </a:solidFill>
+              </a:rPr>
+              <a:t>(</a:t>
+            </a:r>
+            <a:r>
+              <a:rPr lang="en-US" dirty="0">
+                <a:solidFill>
+                  <a:srgbClr val="FF0000"/>
+                </a:solidFill>
+              </a:rPr>
+              <a:t>'rfm_class'</a:t>
+            </a:r>
+            <a:r>
+              <a:rPr lang="en-US" dirty="0">
+                <a:solidFill>
+                  <a:srgbClr val="000000"/>
+                </a:solidFill>
+              </a:rPr>
+              <a:t>,</a:t>
+            </a:r>
+            <a:r>
+              <a:rPr lang="en-US" dirty="0" err="1">
+                <a:solidFill>
+                  <a:srgbClr val="000000"/>
+                </a:solidFill>
+              </a:rPr>
+              <a:t>X_udf</a:t>
+            </a:r>
+            <a:r>
+              <a:rPr lang="en-US" dirty="0">
+                <a:solidFill>
+                  <a:srgbClr val="000000"/>
+                </a:solidFill>
+              </a:rPr>
+              <a:t>(</a:t>
+            </a:r>
+            <a:r>
+              <a:rPr lang="en-US" dirty="0">
+                <a:solidFill>
+                  <a:srgbClr val="FF0000"/>
+                </a:solidFill>
+              </a:rPr>
+              <a:t>'</a:t>
+            </a:r>
+            <a:r>
+              <a:rPr lang="en-US" dirty="0" err="1">
+                <a:solidFill>
+                  <a:srgbClr val="FF0000"/>
+                </a:solidFill>
+              </a:rPr>
+              <a:t>RFMScore</a:t>
+            </a:r>
+            <a:r>
+              <a:rPr lang="en-US" dirty="0">
+                <a:solidFill>
+                  <a:srgbClr val="FF0000"/>
+                </a:solidFill>
+              </a:rPr>
+              <a:t>'</a:t>
+            </a:r>
+            <a:r>
+              <a:rPr lang="en-US" dirty="0">
+                <a:solidFill>
+                  <a:srgbClr val="000000"/>
+                </a:solidFill>
+              </a:rPr>
+              <a:t>))</a:t>
+            </a:r>
+          </a:p>
+          <a:p>
+            <a:r>
+              <a:rPr lang="en-US" dirty="0" err="1">
+                <a:solidFill>
+                  <a:srgbClr val="000000"/>
+                </a:solidFill>
+              </a:rPr>
+              <a:t>df_p.show</a:t>
+            </a:r>
+            <a:r>
+              <a:rPr lang="en-US" dirty="0">
+                <a:solidFill>
+                  <a:srgbClr val="000000"/>
+                </a:solidFill>
+              </a:rPr>
+              <a:t>(</a:t>
+            </a:r>
+            <a:r>
+              <a:rPr lang="en-US" dirty="0">
+                <a:solidFill>
+                  <a:srgbClr val="008000"/>
+                </a:solidFill>
+              </a:rPr>
+              <a:t>5</a:t>
+            </a:r>
+            <a:r>
+              <a:rPr lang="en-US" dirty="0">
+                <a:solidFill>
+                  <a:srgbClr val="000000"/>
+                </a:solidFill>
+              </a:rPr>
+              <a:t>)</a:t>
+            </a:r>
+          </a:p>
+          <a:p>
+            <a:r>
+              <a:rPr lang="en-US" dirty="0" err="1">
+                <a:solidFill>
+                  <a:srgbClr val="000000"/>
+                </a:solidFill>
+              </a:rPr>
+              <a:t>df_plot</a:t>
+            </a:r>
+            <a:r>
+              <a:rPr lang="en-US" dirty="0">
+                <a:solidFill>
+                  <a:srgbClr val="000000"/>
+                </a:solidFill>
+              </a:rPr>
+              <a:t>=</a:t>
+            </a:r>
+            <a:r>
+              <a:rPr lang="en-US" dirty="0" err="1">
+                <a:solidFill>
+                  <a:srgbClr val="000000"/>
+                </a:solidFill>
+              </a:rPr>
+              <a:t>df_p.select</a:t>
+            </a:r>
+            <a:r>
+              <a:rPr lang="en-US" dirty="0">
+                <a:solidFill>
+                  <a:srgbClr val="000000"/>
+                </a:solidFill>
+              </a:rPr>
+              <a:t>(</a:t>
+            </a:r>
+            <a:r>
+              <a:rPr lang="en-US" dirty="0">
+                <a:solidFill>
+                  <a:srgbClr val="008000"/>
+                </a:solidFill>
+              </a:rPr>
+              <a:t>'*</a:t>
+            </a:r>
+            <a:r>
+              <a:rPr lang="en-US" dirty="0">
+                <a:solidFill>
+                  <a:srgbClr val="000000"/>
+                </a:solidFill>
+              </a:rPr>
+              <a:t>').</a:t>
+            </a:r>
+            <a:r>
+              <a:rPr lang="en-US" dirty="0" err="1">
+                <a:solidFill>
+                  <a:srgbClr val="000000"/>
+                </a:solidFill>
+              </a:rPr>
+              <a:t>toPandas</a:t>
+            </a:r>
+            <a:r>
+              <a:rPr lang="en-US" dirty="0">
+                <a:solidFill>
+                  <a:srgbClr val="000000"/>
+                </a:solidFill>
+              </a:rPr>
+              <a:t>()</a:t>
+            </a:r>
+            <a:endParaRPr lang="en-US" dirty="0" smtClean="0">
+              <a:solidFill>
+                <a:srgbClr val="000000"/>
+              </a:solidFill>
+            </a:endParaRPr>
+          </a:p>
+        </p:txBody>
+      </p:sp>
+      <p:sp>
+        <p:nvSpPr>
+          <p:cNvPr id="6" name="Title 1"/>
+          <p:cNvSpPr txBox="1">
+            <a:spLocks/>
+          </p:cNvSpPr>
+          <p:nvPr/>
+        </p:nvSpPr>
+        <p:spPr>
+          <a:xfrm>
+            <a:off x="-1" y="0"/>
+            <a:ext cx="4999091" cy="718596"/>
+          </a:xfrm>
+          <a:prstGeom prst="rect">
+            <a:avLst/>
+          </a:prstGeom>
+        </p:spPr>
+        <p:txBody>
+          <a:bodyPr vert="horz" lIns="91440" tIns="45720" rIns="91440" bIns="45720" rtlCol="0" anchor="ctr">
+            <a:normAutofit/>
+          </a:bodyPr>
+          <a:lstStyle>
+            <a:lvl1pPr algn="ctr" defTabSz="457200" rtl="0" eaLnBrk="1" latinLnBrk="0" hangingPunct="1">
+              <a:spcBef>
+                <a:spcPct val="0"/>
+              </a:spcBef>
+              <a:buNone/>
+              <a:defRPr sz="4400" kern="1200">
+                <a:solidFill>
+                  <a:schemeClr val="tx1"/>
+                </a:solidFill>
+                <a:latin typeface="+mj-lt"/>
+                <a:ea typeface="+mj-ea"/>
+                <a:cs typeface="+mj-cs"/>
+              </a:defRPr>
+            </a:lvl1pPr>
+          </a:lstStyle>
+          <a:p>
+            <a:pPr algn="l"/>
+            <a:r>
+              <a:rPr lang="en-US" sz="3200" dirty="0" smtClean="0"/>
+              <a:t>Preparation </a:t>
+            </a:r>
+            <a:endParaRPr lang="en-US" sz="3200" dirty="0"/>
+          </a:p>
+        </p:txBody>
+      </p:sp>
+    </p:spTree>
+    <p:extLst>
+      <p:ext uri="{BB962C8B-B14F-4D97-AF65-F5344CB8AC3E}">
+        <p14:creationId xmlns:p14="http://schemas.microsoft.com/office/powerpoint/2010/main" val="2904445041"/>
+      </p:ext>
+    </p:extLst>
+  </p:cSld>
+  <p:clrMapOvr>
+    <a:masterClrMapping/>
+  </p:clrMapOvr>
+  <p:timing>
+    <p:tnLst>
+      <p:par>
+        <p:cTn xmlns:p14="http://schemas.microsoft.com/office/powerpoint/2010/main" id="1" dur="indefinite" restart="never" nodeType="tmRoot"/>
+      </p:par>
+    </p:tnLst>
+  </p:timing>
+</p:sld>
+</file>
+
+<file path=ppt/slides/slide31.xml><?xml version="1.0" encoding="utf-8"?>
 <p:sld xmlns:a="http://schemas.openxmlformats.org/drawingml/2006/main" xmlns:r="http://schemas.openxmlformats.org/officeDocument/2006/relationships" xmlns:p="http://schemas.openxmlformats.org/presentationml/2006/main">
   <p:cSld>
     <p:spTree>
@@ -14370,7 +14469,7 @@
 </p:sld>
 </file>
 
-<file path=ppt/slides/slide31.xml><?xml version="1.0" encoding="utf-8"?>
+<file path=ppt/slides/slide32.xml><?xml version="1.0" encoding="utf-8"?>
 <p:sld xmlns:a="http://schemas.openxmlformats.org/drawingml/2006/main" xmlns:r="http://schemas.openxmlformats.org/officeDocument/2006/relationships" xmlns:p="http://schemas.openxmlformats.org/presentationml/2006/main">
   <p:cSld>
     <p:spTree>
@@ -14468,7 +14567,7 @@
 </p:sld>
 </file>
 
-<file path=ppt/slides/slide32.xml><?xml version="1.0" encoding="utf-8"?>
+<file path=ppt/slides/slide33.xml><?xml version="1.0" encoding="utf-8"?>
 <p:sld xmlns:a="http://schemas.openxmlformats.org/drawingml/2006/main" xmlns:r="http://schemas.openxmlformats.org/officeDocument/2006/relationships" xmlns:p="http://schemas.openxmlformats.org/presentationml/2006/main">
   <p:cSld>
     <p:spTree>
@@ -14729,7 +14828,7 @@
 </p:sld>
 </file>
 
-<file path=ppt/slides/slide33.xml><?xml version="1.0" encoding="utf-8"?>
+<file path=ppt/slides/slide34.xml><?xml version="1.0" encoding="utf-8"?>
 <p:sld xmlns:a="http://schemas.openxmlformats.org/drawingml/2006/main" xmlns:r="http://schemas.openxmlformats.org/officeDocument/2006/relationships" xmlns:p="http://schemas.openxmlformats.org/presentationml/2006/main">
   <p:cSld>
     <p:spTree>
@@ -15730,7 +15829,7 @@
 </p:sld>
 </file>
 
-<file path=ppt/slides/slide34.xml><?xml version="1.0" encoding="utf-8"?>
+<file path=ppt/slides/slide35.xml><?xml version="1.0" encoding="utf-8"?>
 <p:sld xmlns:a="http://schemas.openxmlformats.org/drawingml/2006/main" xmlns:r="http://schemas.openxmlformats.org/officeDocument/2006/relationships" xmlns:p="http://schemas.openxmlformats.org/presentationml/2006/main">
   <p:cSld>
     <p:spTree>
@@ -15904,7 +16003,7 @@
 </p:sld>
 </file>
 
-<file path=ppt/slides/slide35.xml><?xml version="1.0" encoding="utf-8"?>
+<file path=ppt/slides/slide36.xml><?xml version="1.0" encoding="utf-8"?>
 <p:sld xmlns:a="http://schemas.openxmlformats.org/drawingml/2006/main" xmlns:r="http://schemas.openxmlformats.org/officeDocument/2006/relationships" xmlns:p="http://schemas.openxmlformats.org/presentationml/2006/main">
   <p:cSld>
     <p:spTree>
@@ -16853,7 +16952,7 @@
 </p:sld>
 </file>
 
-<file path=ppt/slides/slide36.xml><?xml version="1.0" encoding="utf-8"?>
+<file path=ppt/slides/slide37.xml><?xml version="1.0" encoding="utf-8"?>
 <p:sld xmlns:a="http://schemas.openxmlformats.org/drawingml/2006/main" xmlns:r="http://schemas.openxmlformats.org/officeDocument/2006/relationships" xmlns:p="http://schemas.openxmlformats.org/presentationml/2006/main">
   <p:cSld>
     <p:spTree>
@@ -16934,7 +17033,7 @@
 </p:sld>
 </file>
 
-<file path=ppt/slides/slide37.xml><?xml version="1.0" encoding="utf-8"?>
+<file path=ppt/slides/slide38.xml><?xml version="1.0" encoding="utf-8"?>
 <p:sld xmlns:a="http://schemas.openxmlformats.org/drawingml/2006/main" xmlns:r="http://schemas.openxmlformats.org/officeDocument/2006/relationships" xmlns:p="http://schemas.openxmlformats.org/presentationml/2006/main">
   <p:cSld>
     <p:spTree>
@@ -17764,7 +17863,7 @@
 </p:sld>
 </file>
 
-<file path=ppt/slides/slide38.xml><?xml version="1.0" encoding="utf-8"?>
+<file path=ppt/slides/slide39.xml><?xml version="1.0" encoding="utf-8"?>
 <p:sld xmlns:a="http://schemas.openxmlformats.org/drawingml/2006/main" xmlns:r="http://schemas.openxmlformats.org/officeDocument/2006/relationships" xmlns:p="http://schemas.openxmlformats.org/presentationml/2006/main">
   <p:cSld>
     <p:spTree>
@@ -17929,7 +18028,631 @@
 </p:sld>
 </file>
 
-<file path=ppt/slides/slide39.xml><?xml version="1.0" encoding="utf-8"?>
+<file path=ppt/slides/slide4.xml><?xml version="1.0" encoding="utf-8"?>
+<p:sld xmlns:a="http://schemas.openxmlformats.org/drawingml/2006/main" xmlns:r="http://schemas.openxmlformats.org/officeDocument/2006/relationships" xmlns:p="http://schemas.openxmlformats.org/presentationml/2006/main">
+  <p:cSld>
+    <p:spTree>
+      <p:nvGrpSpPr>
+        <p:cNvPr id="1" name=""/>
+        <p:cNvGrpSpPr/>
+        <p:nvPr/>
+      </p:nvGrpSpPr>
+      <p:grpSpPr>
+        <a:xfrm>
+          <a:off x="0" y="0"/>
+          <a:ext cx="0" cy="0"/>
+          <a:chOff x="0" y="0"/>
+          <a:chExt cx="0" cy="0"/>
+        </a:xfrm>
+      </p:grpSpPr>
+      <p:sp>
+        <p:nvSpPr>
+          <p:cNvPr id="2" name="Title 1"/>
+          <p:cNvSpPr>
+            <a:spLocks noGrp="1"/>
+          </p:cNvSpPr>
+          <p:nvPr>
+            <p:ph type="title"/>
+          </p:nvPr>
+        </p:nvSpPr>
+        <p:spPr>
+          <a:xfrm>
+            <a:off x="0" y="0"/>
+            <a:ext cx="2918018" cy="718596"/>
+          </a:xfrm>
+        </p:spPr>
+        <p:txBody>
+          <a:bodyPr>
+            <a:normAutofit/>
+          </a:bodyPr>
+          <a:lstStyle/>
+          <a:p>
+            <a:pPr algn="l"/>
+            <a:r>
+              <a:rPr lang="en-US" sz="3200" dirty="0" smtClean="0"/>
+              <a:t>Load Dataset</a:t>
+            </a:r>
+            <a:endParaRPr lang="en-US" sz="3200" dirty="0"/>
+          </a:p>
+        </p:txBody>
+      </p:sp>
+      <p:sp>
+        <p:nvSpPr>
+          <p:cNvPr id="10" name="Content Placeholder 9"/>
+          <p:cNvSpPr>
+            <a:spLocks noGrp="1"/>
+          </p:cNvSpPr>
+          <p:nvPr>
+            <p:ph idx="1"/>
+          </p:nvPr>
+        </p:nvSpPr>
+        <p:spPr/>
+        <p:txBody>
+          <a:bodyPr/>
+          <a:lstStyle/>
+          <a:p>
+            <a:endParaRPr lang="en-US" dirty="0"/>
+          </a:p>
+        </p:txBody>
+      </p:sp>
+      <p:sp>
+        <p:nvSpPr>
+          <p:cNvPr id="3" name="TextBox 2"/>
+          <p:cNvSpPr txBox="1"/>
+          <p:nvPr/>
+        </p:nvSpPr>
+        <p:spPr>
+          <a:xfrm>
+            <a:off x="457200" y="768719"/>
+            <a:ext cx="8229600" cy="5909311"/>
+          </a:xfrm>
+          <a:prstGeom prst="rect">
+            <a:avLst/>
+          </a:prstGeom>
+          <a:solidFill>
+            <a:srgbClr val="EFEFEF"/>
+          </a:solidFill>
+        </p:spPr>
+        <p:style>
+          <a:lnRef idx="2">
+            <a:schemeClr val="dk1"/>
+          </a:lnRef>
+          <a:fillRef idx="1">
+            <a:schemeClr val="lt1"/>
+          </a:fillRef>
+          <a:effectRef idx="0">
+            <a:schemeClr val="dk1"/>
+          </a:effectRef>
+          <a:fontRef idx="minor">
+            <a:schemeClr val="dk1"/>
+          </a:fontRef>
+        </p:style>
+        <p:txBody>
+          <a:bodyPr wrap="square" rtlCol="0">
+            <a:spAutoFit/>
+          </a:bodyPr>
+          <a:lstStyle/>
+          <a:p>
+            <a:r>
+              <a:rPr lang="en-US" dirty="0">
+                <a:solidFill>
+                  <a:srgbClr val="0000FF"/>
+                </a:solidFill>
+              </a:rPr>
+              <a:t>import</a:t>
+            </a:r>
+            <a:r>
+              <a:rPr lang="en-US" dirty="0"/>
+              <a:t> </a:t>
+            </a:r>
+            <a:r>
+              <a:rPr lang="en-US" dirty="0" err="1"/>
+              <a:t>numpy</a:t>
+            </a:r>
+            <a:r>
+              <a:rPr lang="en-US" dirty="0"/>
+              <a:t> </a:t>
+            </a:r>
+            <a:r>
+              <a:rPr lang="en-US" dirty="0">
+                <a:solidFill>
+                  <a:srgbClr val="0000FF"/>
+                </a:solidFill>
+              </a:rPr>
+              <a:t>as</a:t>
+            </a:r>
+            <a:r>
+              <a:rPr lang="en-US" dirty="0"/>
+              <a:t> </a:t>
+            </a:r>
+            <a:r>
+              <a:rPr lang="en-US" dirty="0" err="1"/>
+              <a:t>np</a:t>
+            </a:r>
+            <a:endParaRPr lang="en-US" dirty="0"/>
+          </a:p>
+          <a:p>
+            <a:r>
+              <a:rPr lang="en-US" dirty="0">
+                <a:solidFill>
+                  <a:srgbClr val="0000FF"/>
+                </a:solidFill>
+              </a:rPr>
+              <a:t>import</a:t>
+            </a:r>
+            <a:r>
+              <a:rPr lang="en-US" dirty="0"/>
+              <a:t> pandas </a:t>
+            </a:r>
+            <a:r>
+              <a:rPr lang="en-US" dirty="0">
+                <a:solidFill>
+                  <a:srgbClr val="0000FF"/>
+                </a:solidFill>
+              </a:rPr>
+              <a:t>as </a:t>
+            </a:r>
+            <a:r>
+              <a:rPr lang="en-US" dirty="0" err="1"/>
+              <a:t>pd</a:t>
+            </a:r>
+            <a:endParaRPr lang="en-US" dirty="0"/>
+          </a:p>
+          <a:p>
+            <a:r>
+              <a:rPr lang="en-US" dirty="0">
+                <a:solidFill>
+                  <a:srgbClr val="0000FF"/>
+                </a:solidFill>
+              </a:rPr>
+              <a:t>import</a:t>
+            </a:r>
+            <a:r>
+              <a:rPr lang="en-US" dirty="0"/>
+              <a:t> </a:t>
+            </a:r>
+            <a:r>
+              <a:rPr lang="en-US" dirty="0" err="1"/>
+              <a:t>seaborn</a:t>
+            </a:r>
+            <a:r>
+              <a:rPr lang="en-US" dirty="0"/>
+              <a:t> </a:t>
+            </a:r>
+            <a:r>
+              <a:rPr lang="en-US" dirty="0">
+                <a:solidFill>
+                  <a:srgbClr val="0000FF"/>
+                </a:solidFill>
+              </a:rPr>
+              <a:t>as</a:t>
+            </a:r>
+            <a:r>
+              <a:rPr lang="en-US" dirty="0"/>
+              <a:t> </a:t>
+            </a:r>
+            <a:r>
+              <a:rPr lang="en-US" dirty="0" err="1"/>
+              <a:t>sns</a:t>
+            </a:r>
+            <a:endParaRPr lang="en-US" dirty="0"/>
+          </a:p>
+          <a:p>
+            <a:r>
+              <a:rPr lang="en-US" dirty="0">
+                <a:solidFill>
+                  <a:srgbClr val="0000FF"/>
+                </a:solidFill>
+              </a:rPr>
+              <a:t>import</a:t>
+            </a:r>
+            <a:r>
+              <a:rPr lang="en-US" dirty="0"/>
+              <a:t> </a:t>
+            </a:r>
+            <a:r>
+              <a:rPr lang="en-US" dirty="0" err="1"/>
+              <a:t>matplotlib.pyplot</a:t>
+            </a:r>
+            <a:r>
+              <a:rPr lang="en-US" dirty="0"/>
+              <a:t> as </a:t>
+            </a:r>
+            <a:r>
+              <a:rPr lang="en-US" dirty="0" err="1"/>
+              <a:t>plt</a:t>
+            </a:r>
+            <a:endParaRPr lang="en-US" dirty="0"/>
+          </a:p>
+          <a:p>
+            <a:endParaRPr lang="en-US" dirty="0"/>
+          </a:p>
+          <a:p>
+            <a:endParaRPr lang="en-US" dirty="0"/>
+          </a:p>
+          <a:p>
+            <a:r>
+              <a:rPr lang="en-US" dirty="0">
+                <a:solidFill>
+                  <a:srgbClr val="0000FF"/>
+                </a:solidFill>
+              </a:rPr>
+              <a:t>import</a:t>
+            </a:r>
+            <a:r>
+              <a:rPr lang="en-US" dirty="0"/>
+              <a:t> </a:t>
+            </a:r>
+            <a:r>
+              <a:rPr lang="en-US" dirty="0" err="1"/>
+              <a:t>findspark</a:t>
+            </a:r>
+            <a:endParaRPr lang="en-US" dirty="0"/>
+          </a:p>
+          <a:p>
+            <a:r>
+              <a:rPr lang="en-US" dirty="0" err="1"/>
+              <a:t>findspark.init</a:t>
+            </a:r>
+            <a:r>
+              <a:rPr lang="en-US" dirty="0"/>
+              <a:t>(</a:t>
+            </a:r>
+            <a:r>
+              <a:rPr lang="en-US" dirty="0">
+                <a:solidFill>
+                  <a:srgbClr val="FF0000"/>
+                </a:solidFill>
+              </a:rPr>
+              <a:t>'/</a:t>
+            </a:r>
+            <a:r>
+              <a:rPr lang="en-US" dirty="0" err="1">
+                <a:solidFill>
+                  <a:srgbClr val="FF0000"/>
+                </a:solidFill>
+              </a:rPr>
+              <a:t>usr</a:t>
+            </a:r>
+            <a:r>
+              <a:rPr lang="en-US" dirty="0">
+                <a:solidFill>
+                  <a:srgbClr val="FF0000"/>
+                </a:solidFill>
+              </a:rPr>
+              <a:t>/local/Cellar/apache-spark/2.4.0/</a:t>
+            </a:r>
+            <a:r>
+              <a:rPr lang="en-US" dirty="0" err="1">
+                <a:solidFill>
+                  <a:srgbClr val="FF0000"/>
+                </a:solidFill>
+              </a:rPr>
+              <a:t>libexec</a:t>
+            </a:r>
+            <a:r>
+              <a:rPr lang="en-US" dirty="0"/>
+              <a:t>')</a:t>
+            </a:r>
+          </a:p>
+          <a:p>
+            <a:endParaRPr lang="en-US" dirty="0" smtClean="0">
+              <a:solidFill>
+                <a:srgbClr val="0000FF"/>
+              </a:solidFill>
+            </a:endParaRPr>
+          </a:p>
+          <a:p>
+            <a:r>
+              <a:rPr lang="en-US" dirty="0" smtClean="0">
+                <a:solidFill>
+                  <a:srgbClr val="0000FF"/>
+                </a:solidFill>
+              </a:rPr>
+              <a:t>from</a:t>
+            </a:r>
+            <a:r>
+              <a:rPr lang="en-US" dirty="0" smtClean="0"/>
+              <a:t> </a:t>
+            </a:r>
+            <a:r>
+              <a:rPr lang="en-US" dirty="0" err="1"/>
+              <a:t>pyspark.sql</a:t>
+            </a:r>
+            <a:r>
+              <a:rPr lang="en-US" dirty="0"/>
+              <a:t> </a:t>
+            </a:r>
+            <a:r>
+              <a:rPr lang="en-US" dirty="0">
+                <a:solidFill>
+                  <a:srgbClr val="0000FF"/>
+                </a:solidFill>
+              </a:rPr>
+              <a:t>import</a:t>
+            </a:r>
+            <a:r>
+              <a:rPr lang="en-US" dirty="0"/>
+              <a:t> </a:t>
+            </a:r>
+            <a:r>
+              <a:rPr lang="en-US" dirty="0" err="1" smtClean="0"/>
+              <a:t>SparkSession</a:t>
+            </a:r>
+            <a:endParaRPr lang="en-US" dirty="0"/>
+          </a:p>
+          <a:p>
+            <a:r>
+              <a:rPr lang="en-US" dirty="0"/>
+              <a:t>spark = </a:t>
+            </a:r>
+            <a:r>
+              <a:rPr lang="en-US" dirty="0" err="1"/>
+              <a:t>SparkSession.builder</a:t>
+            </a:r>
+            <a:r>
+              <a:rPr lang="en-US" dirty="0"/>
+              <a:t> \</a:t>
+            </a:r>
+          </a:p>
+          <a:p>
+            <a:r>
+              <a:rPr lang="en-US" dirty="0"/>
+              <a:t>    .master(</a:t>
+            </a:r>
+            <a:r>
+              <a:rPr lang="en-US" dirty="0">
+                <a:solidFill>
+                  <a:srgbClr val="FF0000"/>
+                </a:solidFill>
+              </a:rPr>
+              <a:t>"local")</a:t>
+            </a:r>
+            <a:r>
+              <a:rPr lang="en-US" dirty="0"/>
+              <a:t> \</a:t>
+            </a:r>
+          </a:p>
+          <a:p>
+            <a:r>
+              <a:rPr lang="en-US" dirty="0"/>
+              <a:t>    .</a:t>
+            </a:r>
+            <a:r>
+              <a:rPr lang="en-US" dirty="0" err="1"/>
+              <a:t>appName</a:t>
+            </a:r>
+            <a:r>
+              <a:rPr lang="en-US" dirty="0"/>
+              <a:t>(</a:t>
+            </a:r>
+            <a:r>
+              <a:rPr lang="en-US" dirty="0">
+                <a:solidFill>
+                  <a:srgbClr val="FF0000"/>
+                </a:solidFill>
+              </a:rPr>
+              <a:t>"RFM Analysis"</a:t>
+            </a:r>
+            <a:r>
+              <a:rPr lang="en-US" dirty="0"/>
+              <a:t>) \</a:t>
+            </a:r>
+          </a:p>
+          <a:p>
+            <a:r>
+              <a:rPr lang="en-US" dirty="0"/>
+              <a:t>    .</a:t>
+            </a:r>
+            <a:r>
+              <a:rPr lang="en-US" dirty="0" err="1"/>
+              <a:t>config</a:t>
+            </a:r>
+            <a:r>
+              <a:rPr lang="en-US" dirty="0"/>
+              <a:t>(</a:t>
+            </a:r>
+            <a:r>
+              <a:rPr lang="en-US" dirty="0">
+                <a:solidFill>
+                  <a:srgbClr val="FF0000"/>
+                </a:solidFill>
+              </a:rPr>
+              <a:t>"</a:t>
+            </a:r>
+            <a:r>
+              <a:rPr lang="en-US" dirty="0" err="1">
+                <a:solidFill>
+                  <a:srgbClr val="FF0000"/>
+                </a:solidFill>
+              </a:rPr>
+              <a:t>spark.some.config.option</a:t>
+            </a:r>
+            <a:r>
+              <a:rPr lang="en-US" dirty="0">
+                <a:solidFill>
+                  <a:srgbClr val="FF0000"/>
+                </a:solidFill>
+              </a:rPr>
+              <a:t>"</a:t>
+            </a:r>
+            <a:r>
+              <a:rPr lang="en-US" dirty="0"/>
+              <a:t>, </a:t>
+            </a:r>
+            <a:r>
+              <a:rPr lang="en-US" dirty="0">
+                <a:solidFill>
+                  <a:srgbClr val="FF0000"/>
+                </a:solidFill>
+              </a:rPr>
+              <a:t>"some-value"</a:t>
+            </a:r>
+            <a:r>
+              <a:rPr lang="en-US" dirty="0"/>
+              <a:t>) \</a:t>
+            </a:r>
+          </a:p>
+          <a:p>
+            <a:r>
+              <a:rPr lang="en-US" dirty="0"/>
+              <a:t>    .</a:t>
+            </a:r>
+            <a:r>
+              <a:rPr lang="en-US" dirty="0" err="1"/>
+              <a:t>getOrCreate</a:t>
+            </a:r>
+            <a:r>
+              <a:rPr lang="en-US" dirty="0"/>
+              <a:t>()</a:t>
+            </a:r>
+          </a:p>
+          <a:p>
+            <a:endParaRPr lang="en-US" dirty="0"/>
+          </a:p>
+          <a:p>
+            <a:endParaRPr lang="en-US" dirty="0"/>
+          </a:p>
+          <a:p>
+            <a:r>
+              <a:rPr lang="en-US" dirty="0" err="1"/>
+              <a:t>df</a:t>
+            </a:r>
+            <a:r>
+              <a:rPr lang="en-US" dirty="0"/>
+              <a:t> = </a:t>
+            </a:r>
+            <a:r>
+              <a:rPr lang="en-US" dirty="0" err="1"/>
+              <a:t>spark.read.format</a:t>
+            </a:r>
+            <a:r>
+              <a:rPr lang="en-US" dirty="0"/>
+              <a:t>(</a:t>
+            </a:r>
+            <a:r>
+              <a:rPr lang="en-US" dirty="0">
+                <a:solidFill>
+                  <a:srgbClr val="FF0000"/>
+                </a:solidFill>
+              </a:rPr>
+              <a:t>'</a:t>
+            </a:r>
+            <a:r>
+              <a:rPr lang="en-US" dirty="0" err="1">
+                <a:solidFill>
+                  <a:srgbClr val="FF0000"/>
+                </a:solidFill>
+              </a:rPr>
+              <a:t>com.databricks.spark.csv</a:t>
+            </a:r>
+            <a:r>
+              <a:rPr lang="en-US" dirty="0"/>
+              <a:t>').\</a:t>
+            </a:r>
+          </a:p>
+          <a:p>
+            <a:r>
+              <a:rPr lang="en-US" dirty="0"/>
+              <a:t>    options(header=</a:t>
+            </a:r>
+            <a:r>
+              <a:rPr lang="en-US" dirty="0">
+                <a:solidFill>
+                  <a:srgbClr val="FF0000"/>
+                </a:solidFill>
+              </a:rPr>
+              <a:t>'true</a:t>
+            </a:r>
+            <a:r>
+              <a:rPr lang="en-US" dirty="0"/>
+              <a:t>', \</a:t>
+            </a:r>
+          </a:p>
+          <a:p>
+            <a:r>
+              <a:rPr lang="en-US" dirty="0"/>
+              <a:t>    </a:t>
+            </a:r>
+            <a:r>
+              <a:rPr lang="en-US" dirty="0" err="1"/>
+              <a:t>inferschema</a:t>
+            </a:r>
+            <a:r>
+              <a:rPr lang="en-US" dirty="0"/>
+              <a:t>=</a:t>
+            </a:r>
+            <a:r>
+              <a:rPr lang="en-US" dirty="0">
+                <a:solidFill>
+                  <a:srgbClr val="FF0000"/>
+                </a:solidFill>
+              </a:rPr>
+              <a:t>'true'</a:t>
+            </a:r>
+            <a:r>
+              <a:rPr lang="en-US" dirty="0"/>
+              <a:t>).\</a:t>
+            </a:r>
+          </a:p>
+          <a:p>
+            <a:r>
+              <a:rPr lang="en-US" dirty="0"/>
+              <a:t>    load(</a:t>
+            </a:r>
+            <a:r>
+              <a:rPr lang="en-US" dirty="0">
+                <a:solidFill>
+                  <a:srgbClr val="FF0000"/>
+                </a:solidFill>
+              </a:rPr>
+              <a:t>"</a:t>
+            </a:r>
+            <a:r>
+              <a:rPr lang="en-US" dirty="0" err="1" smtClean="0">
+                <a:solidFill>
+                  <a:srgbClr val="FF0000"/>
+                </a:solidFill>
+              </a:rPr>
+              <a:t>onlineretail.csv</a:t>
+            </a:r>
+            <a:r>
+              <a:rPr lang="en-US" dirty="0" smtClean="0">
+                <a:solidFill>
+                  <a:srgbClr val="FF0000"/>
+                </a:solidFill>
+              </a:rPr>
+              <a:t>”</a:t>
+            </a:r>
+            <a:r>
+              <a:rPr lang="en-US" dirty="0" smtClean="0"/>
+              <a:t>)</a:t>
+            </a:r>
+            <a:endParaRPr lang="en-US" dirty="0"/>
+          </a:p>
+        </p:txBody>
+      </p:sp>
+    </p:spTree>
+    <p:extLst>
+      <p:ext uri="{BB962C8B-B14F-4D97-AF65-F5344CB8AC3E}">
+        <p14:creationId xmlns:p14="http://schemas.microsoft.com/office/powerpoint/2010/main" val="2821408314"/>
+      </p:ext>
+    </p:extLst>
+  </p:cSld>
+  <p:clrMapOvr>
+    <a:masterClrMapping/>
+  </p:clrMapOvr>
+  <p:timing>
+    <p:tnLst>
+      <p:par>
+        <p:cTn xmlns:p14="http://schemas.microsoft.com/office/powerpoint/2010/main" id="1" dur="indefinite" restart="never" nodeType="tmRoot"/>
+      </p:par>
+    </p:tnLst>
+  </p:timing>
+</p:sld>
+</file>
+
+<file path=ppt/slides/slide40.xml><?xml version="1.0" encoding="utf-8"?>
 <p:sld xmlns:a="http://schemas.openxmlformats.org/drawingml/2006/main" xmlns:r="http://schemas.openxmlformats.org/officeDocument/2006/relationships" xmlns:p="http://schemas.openxmlformats.org/presentationml/2006/main">
   <p:cSld>
     <p:spTree>
@@ -18010,642 +18733,7 @@
 </p:sld>
 </file>
 
-<file path=ppt/slides/slide4.xml><?xml version="1.0" encoding="utf-8"?>
-<p:sld xmlns:a="http://schemas.openxmlformats.org/drawingml/2006/main" xmlns:r="http://schemas.openxmlformats.org/officeDocument/2006/relationships" xmlns:p="http://schemas.openxmlformats.org/presentationml/2006/main">
-  <p:cSld>
-    <p:spTree>
-      <p:nvGrpSpPr>
-        <p:cNvPr id="1" name=""/>
-        <p:cNvGrpSpPr/>
-        <p:nvPr/>
-      </p:nvGrpSpPr>
-      <p:grpSpPr>
-        <a:xfrm>
-          <a:off x="0" y="0"/>
-          <a:ext cx="0" cy="0"/>
-          <a:chOff x="0" y="0"/>
-          <a:chExt cx="0" cy="0"/>
-        </a:xfrm>
-      </p:grpSpPr>
-      <p:sp>
-        <p:nvSpPr>
-          <p:cNvPr id="2" name="Title 1"/>
-          <p:cNvSpPr>
-            <a:spLocks noGrp="1"/>
-          </p:cNvSpPr>
-          <p:nvPr>
-            <p:ph type="title"/>
-          </p:nvPr>
-        </p:nvSpPr>
-        <p:spPr>
-          <a:xfrm>
-            <a:off x="0" y="0"/>
-            <a:ext cx="2918018" cy="718596"/>
-          </a:xfrm>
-        </p:spPr>
-        <p:txBody>
-          <a:bodyPr>
-            <a:normAutofit/>
-          </a:bodyPr>
-          <a:lstStyle/>
-          <a:p>
-            <a:pPr algn="l"/>
-            <a:r>
-              <a:rPr lang="en-US" sz="3200" dirty="0" smtClean="0"/>
-              <a:t>Load Dataset</a:t>
-            </a:r>
-            <a:endParaRPr lang="en-US" sz="3200" dirty="0"/>
-          </a:p>
-        </p:txBody>
-      </p:sp>
-      <p:sp>
-        <p:nvSpPr>
-          <p:cNvPr id="10" name="Content Placeholder 9"/>
-          <p:cNvSpPr>
-            <a:spLocks noGrp="1"/>
-          </p:cNvSpPr>
-          <p:nvPr>
-            <p:ph idx="1"/>
-          </p:nvPr>
-        </p:nvSpPr>
-        <p:spPr/>
-        <p:txBody>
-          <a:bodyPr/>
-          <a:lstStyle/>
-          <a:p>
-            <a:endParaRPr lang="en-US" dirty="0"/>
-          </a:p>
-        </p:txBody>
-      </p:sp>
-      <p:sp>
-        <p:nvSpPr>
-          <p:cNvPr id="3" name="TextBox 2"/>
-          <p:cNvSpPr txBox="1"/>
-          <p:nvPr/>
-        </p:nvSpPr>
-        <p:spPr>
-          <a:xfrm>
-            <a:off x="457200" y="768719"/>
-            <a:ext cx="8229600" cy="5909311"/>
-          </a:xfrm>
-          <a:prstGeom prst="rect">
-            <a:avLst/>
-          </a:prstGeom>
-          <a:solidFill>
-            <a:srgbClr val="EFEFEF"/>
-          </a:solidFill>
-        </p:spPr>
-        <p:style>
-          <a:lnRef idx="2">
-            <a:schemeClr val="dk1"/>
-          </a:lnRef>
-          <a:fillRef idx="1">
-            <a:schemeClr val="lt1"/>
-          </a:fillRef>
-          <a:effectRef idx="0">
-            <a:schemeClr val="dk1"/>
-          </a:effectRef>
-          <a:fontRef idx="minor">
-            <a:schemeClr val="dk1"/>
-          </a:fontRef>
-        </p:style>
-        <p:txBody>
-          <a:bodyPr wrap="square" rtlCol="0">
-            <a:spAutoFit/>
-          </a:bodyPr>
-          <a:lstStyle/>
-          <a:p>
-            <a:r>
-              <a:rPr lang="en-US" dirty="0">
-                <a:solidFill>
-                  <a:srgbClr val="0000FF"/>
-                </a:solidFill>
-              </a:rPr>
-              <a:t>import</a:t>
-            </a:r>
-            <a:r>
-              <a:rPr lang="en-US" dirty="0"/>
-              <a:t> </a:t>
-            </a:r>
-            <a:r>
-              <a:rPr lang="en-US" dirty="0" err="1"/>
-              <a:t>numpy</a:t>
-            </a:r>
-            <a:r>
-              <a:rPr lang="en-US" dirty="0"/>
-              <a:t> </a:t>
-            </a:r>
-            <a:r>
-              <a:rPr lang="en-US" dirty="0">
-                <a:solidFill>
-                  <a:srgbClr val="0000FF"/>
-                </a:solidFill>
-              </a:rPr>
-              <a:t>as</a:t>
-            </a:r>
-            <a:r>
-              <a:rPr lang="en-US" dirty="0"/>
-              <a:t> </a:t>
-            </a:r>
-            <a:r>
-              <a:rPr lang="en-US" dirty="0" err="1"/>
-              <a:t>np</a:t>
-            </a:r>
-            <a:endParaRPr lang="en-US" dirty="0"/>
-          </a:p>
-          <a:p>
-            <a:r>
-              <a:rPr lang="en-US" dirty="0">
-                <a:solidFill>
-                  <a:srgbClr val="0000FF"/>
-                </a:solidFill>
-              </a:rPr>
-              <a:t>import</a:t>
-            </a:r>
-            <a:r>
-              <a:rPr lang="en-US" dirty="0"/>
-              <a:t> pandas </a:t>
-            </a:r>
-            <a:r>
-              <a:rPr lang="en-US" dirty="0">
-                <a:solidFill>
-                  <a:srgbClr val="0000FF"/>
-                </a:solidFill>
-              </a:rPr>
-              <a:t>as </a:t>
-            </a:r>
-            <a:r>
-              <a:rPr lang="en-US" dirty="0" err="1"/>
-              <a:t>pd</a:t>
-            </a:r>
-            <a:endParaRPr lang="en-US" dirty="0"/>
-          </a:p>
-          <a:p>
-            <a:r>
-              <a:rPr lang="en-US" dirty="0">
-                <a:solidFill>
-                  <a:srgbClr val="0000FF"/>
-                </a:solidFill>
-              </a:rPr>
-              <a:t>import</a:t>
-            </a:r>
-            <a:r>
-              <a:rPr lang="en-US" dirty="0"/>
-              <a:t> </a:t>
-            </a:r>
-            <a:r>
-              <a:rPr lang="en-US" dirty="0" err="1"/>
-              <a:t>seaborn</a:t>
-            </a:r>
-            <a:r>
-              <a:rPr lang="en-US" dirty="0"/>
-              <a:t> </a:t>
-            </a:r>
-            <a:r>
-              <a:rPr lang="en-US" dirty="0">
-                <a:solidFill>
-                  <a:srgbClr val="0000FF"/>
-                </a:solidFill>
-              </a:rPr>
-              <a:t>as</a:t>
-            </a:r>
-            <a:r>
-              <a:rPr lang="en-US" dirty="0"/>
-              <a:t> </a:t>
-            </a:r>
-            <a:r>
-              <a:rPr lang="en-US" dirty="0" err="1"/>
-              <a:t>sns</a:t>
-            </a:r>
-            <a:endParaRPr lang="en-US" dirty="0"/>
-          </a:p>
-          <a:p>
-            <a:r>
-              <a:rPr lang="en-US" dirty="0">
-                <a:solidFill>
-                  <a:srgbClr val="0000FF"/>
-                </a:solidFill>
-              </a:rPr>
-              <a:t>import</a:t>
-            </a:r>
-            <a:r>
-              <a:rPr lang="en-US" dirty="0"/>
-              <a:t> </a:t>
-            </a:r>
-            <a:r>
-              <a:rPr lang="en-US" dirty="0" err="1"/>
-              <a:t>matplotlib.pyplot</a:t>
-            </a:r>
-            <a:r>
-              <a:rPr lang="en-US" dirty="0"/>
-              <a:t> as </a:t>
-            </a:r>
-            <a:r>
-              <a:rPr lang="en-US" dirty="0" err="1"/>
-              <a:t>plt</a:t>
-            </a:r>
-            <a:endParaRPr lang="en-US" dirty="0"/>
-          </a:p>
-          <a:p>
-            <a:endParaRPr lang="en-US" dirty="0"/>
-          </a:p>
-          <a:p>
-            <a:endParaRPr lang="en-US" dirty="0"/>
-          </a:p>
-          <a:p>
-            <a:r>
-              <a:rPr lang="en-US" dirty="0">
-                <a:solidFill>
-                  <a:srgbClr val="0000FF"/>
-                </a:solidFill>
-              </a:rPr>
-              <a:t>import</a:t>
-            </a:r>
-            <a:r>
-              <a:rPr lang="en-US" dirty="0"/>
-              <a:t> </a:t>
-            </a:r>
-            <a:r>
-              <a:rPr lang="en-US" dirty="0" err="1"/>
-              <a:t>findspark</a:t>
-            </a:r>
-            <a:endParaRPr lang="en-US" dirty="0"/>
-          </a:p>
-          <a:p>
-            <a:r>
-              <a:rPr lang="en-US" dirty="0" err="1"/>
-              <a:t>findspark.init</a:t>
-            </a:r>
-            <a:r>
-              <a:rPr lang="en-US" dirty="0"/>
-              <a:t>(</a:t>
-            </a:r>
-            <a:r>
-              <a:rPr lang="en-US" dirty="0">
-                <a:solidFill>
-                  <a:srgbClr val="FF0000"/>
-                </a:solidFill>
-              </a:rPr>
-              <a:t>'/</a:t>
-            </a:r>
-            <a:r>
-              <a:rPr lang="en-US" dirty="0" err="1">
-                <a:solidFill>
-                  <a:srgbClr val="FF0000"/>
-                </a:solidFill>
-              </a:rPr>
-              <a:t>usr</a:t>
-            </a:r>
-            <a:r>
-              <a:rPr lang="en-US" dirty="0">
-                <a:solidFill>
-                  <a:srgbClr val="FF0000"/>
-                </a:solidFill>
-              </a:rPr>
-              <a:t>/local/Cellar/apache-spark/2.4.0/</a:t>
-            </a:r>
-            <a:r>
-              <a:rPr lang="en-US" dirty="0" err="1">
-                <a:solidFill>
-                  <a:srgbClr val="FF0000"/>
-                </a:solidFill>
-              </a:rPr>
-              <a:t>libexec</a:t>
-            </a:r>
-            <a:r>
-              <a:rPr lang="en-US" dirty="0"/>
-              <a:t>')</a:t>
-            </a:r>
-          </a:p>
-          <a:p>
-            <a:endParaRPr lang="en-US" dirty="0" smtClean="0">
-              <a:solidFill>
-                <a:srgbClr val="0000FF"/>
-              </a:solidFill>
-            </a:endParaRPr>
-          </a:p>
-          <a:p>
-            <a:r>
-              <a:rPr lang="en-US" dirty="0" smtClean="0">
-                <a:solidFill>
-                  <a:srgbClr val="0000FF"/>
-                </a:solidFill>
-              </a:rPr>
-              <a:t>from</a:t>
-            </a:r>
-            <a:r>
-              <a:rPr lang="en-US" dirty="0" smtClean="0"/>
-              <a:t> </a:t>
-            </a:r>
-            <a:r>
-              <a:rPr lang="en-US" dirty="0" err="1"/>
-              <a:t>pyspark.sql</a:t>
-            </a:r>
-            <a:r>
-              <a:rPr lang="en-US" dirty="0"/>
-              <a:t> </a:t>
-            </a:r>
-            <a:r>
-              <a:rPr lang="en-US" dirty="0">
-                <a:solidFill>
-                  <a:srgbClr val="0000FF"/>
-                </a:solidFill>
-              </a:rPr>
-              <a:t>import</a:t>
-            </a:r>
-            <a:r>
-              <a:rPr lang="en-US" dirty="0"/>
-              <a:t> </a:t>
-            </a:r>
-            <a:r>
-              <a:rPr lang="en-US" dirty="0" err="1" smtClean="0"/>
-              <a:t>SparkSession</a:t>
-            </a:r>
-            <a:endParaRPr lang="en-US" dirty="0"/>
-          </a:p>
-          <a:p>
-            <a:r>
-              <a:rPr lang="en-US" dirty="0"/>
-              <a:t>spark = </a:t>
-            </a:r>
-            <a:r>
-              <a:rPr lang="en-US" dirty="0" err="1"/>
-              <a:t>SparkSession.builder</a:t>
-            </a:r>
-            <a:r>
-              <a:rPr lang="en-US" dirty="0"/>
-              <a:t> \</a:t>
-            </a:r>
-          </a:p>
-          <a:p>
-            <a:r>
-              <a:rPr lang="en-US" dirty="0"/>
-              <a:t>    .master(</a:t>
-            </a:r>
-            <a:r>
-              <a:rPr lang="en-US" dirty="0">
-                <a:solidFill>
-                  <a:srgbClr val="FF0000"/>
-                </a:solidFill>
-              </a:rPr>
-              <a:t>"local")</a:t>
-            </a:r>
-            <a:r>
-              <a:rPr lang="en-US" dirty="0"/>
-              <a:t> \</a:t>
-            </a:r>
-          </a:p>
-          <a:p>
-            <a:r>
-              <a:rPr lang="en-US" dirty="0"/>
-              <a:t>    .</a:t>
-            </a:r>
-            <a:r>
-              <a:rPr lang="en-US" dirty="0" err="1"/>
-              <a:t>appName</a:t>
-            </a:r>
-            <a:r>
-              <a:rPr lang="en-US" dirty="0"/>
-              <a:t>(</a:t>
-            </a:r>
-            <a:r>
-              <a:rPr lang="en-US" dirty="0">
-                <a:solidFill>
-                  <a:srgbClr val="FF0000"/>
-                </a:solidFill>
-              </a:rPr>
-              <a:t>"RFM Analysis"</a:t>
-            </a:r>
-            <a:r>
-              <a:rPr lang="en-US" dirty="0"/>
-              <a:t>) \</a:t>
-            </a:r>
-          </a:p>
-          <a:p>
-            <a:r>
-              <a:rPr lang="en-US" dirty="0"/>
-              <a:t>    .</a:t>
-            </a:r>
-            <a:r>
-              <a:rPr lang="en-US" dirty="0" err="1"/>
-              <a:t>config</a:t>
-            </a:r>
-            <a:r>
-              <a:rPr lang="en-US" dirty="0"/>
-              <a:t>(</a:t>
-            </a:r>
-            <a:r>
-              <a:rPr lang="en-US" dirty="0">
-                <a:solidFill>
-                  <a:srgbClr val="FF0000"/>
-                </a:solidFill>
-              </a:rPr>
-              <a:t>"</a:t>
-            </a:r>
-            <a:r>
-              <a:rPr lang="en-US" dirty="0" err="1">
-                <a:solidFill>
-                  <a:srgbClr val="FF0000"/>
-                </a:solidFill>
-              </a:rPr>
-              <a:t>spark.some.config.option</a:t>
-            </a:r>
-            <a:r>
-              <a:rPr lang="en-US" dirty="0">
-                <a:solidFill>
-                  <a:srgbClr val="FF0000"/>
-                </a:solidFill>
-              </a:rPr>
-              <a:t>"</a:t>
-            </a:r>
-            <a:r>
-              <a:rPr lang="en-US" dirty="0"/>
-              <a:t>, </a:t>
-            </a:r>
-            <a:r>
-              <a:rPr lang="en-US" dirty="0">
-                <a:solidFill>
-                  <a:srgbClr val="FF0000"/>
-                </a:solidFill>
-              </a:rPr>
-              <a:t>"some-value"</a:t>
-            </a:r>
-            <a:r>
-              <a:rPr lang="en-US" dirty="0"/>
-              <a:t>) \</a:t>
-            </a:r>
-          </a:p>
-          <a:p>
-            <a:r>
-              <a:rPr lang="en-US" dirty="0"/>
-              <a:t>    .</a:t>
-            </a:r>
-            <a:r>
-              <a:rPr lang="en-US" dirty="0" err="1"/>
-              <a:t>getOrCreate</a:t>
-            </a:r>
-            <a:r>
-              <a:rPr lang="en-US" dirty="0"/>
-              <a:t>()</a:t>
-            </a:r>
-          </a:p>
-          <a:p>
-            <a:endParaRPr lang="en-US" dirty="0"/>
-          </a:p>
-          <a:p>
-            <a:endParaRPr lang="en-US" dirty="0"/>
-          </a:p>
-          <a:p>
-            <a:r>
-              <a:rPr lang="en-US" dirty="0" err="1"/>
-              <a:t>df</a:t>
-            </a:r>
-            <a:r>
-              <a:rPr lang="en-US" dirty="0"/>
-              <a:t> = </a:t>
-            </a:r>
-            <a:r>
-              <a:rPr lang="en-US" dirty="0" err="1"/>
-              <a:t>spark.read.format</a:t>
-            </a:r>
-            <a:r>
-              <a:rPr lang="en-US" dirty="0"/>
-              <a:t>(</a:t>
-            </a:r>
-            <a:r>
-              <a:rPr lang="en-US" dirty="0">
-                <a:solidFill>
-                  <a:srgbClr val="FF0000"/>
-                </a:solidFill>
-              </a:rPr>
-              <a:t>'</a:t>
-            </a:r>
-            <a:r>
-              <a:rPr lang="en-US" dirty="0" err="1">
-                <a:solidFill>
-                  <a:srgbClr val="FF0000"/>
-                </a:solidFill>
-              </a:rPr>
-              <a:t>com.databricks.spark.csv</a:t>
-            </a:r>
-            <a:r>
-              <a:rPr lang="en-US" dirty="0"/>
-              <a:t>').\</a:t>
-            </a:r>
-          </a:p>
-          <a:p>
-            <a:r>
-              <a:rPr lang="en-US" dirty="0"/>
-              <a:t>    options(header=</a:t>
-            </a:r>
-            <a:r>
-              <a:rPr lang="en-US" dirty="0">
-                <a:solidFill>
-                  <a:srgbClr val="FF0000"/>
-                </a:solidFill>
-              </a:rPr>
-              <a:t>'true</a:t>
-            </a:r>
-            <a:r>
-              <a:rPr lang="en-US" dirty="0"/>
-              <a:t>', \</a:t>
-            </a:r>
-          </a:p>
-          <a:p>
-            <a:r>
-              <a:rPr lang="en-US" dirty="0"/>
-              <a:t>    </a:t>
-            </a:r>
-            <a:r>
-              <a:rPr lang="en-US" dirty="0" err="1"/>
-              <a:t>inferschema</a:t>
-            </a:r>
-            <a:r>
-              <a:rPr lang="en-US" dirty="0"/>
-              <a:t>=</a:t>
-            </a:r>
-            <a:r>
-              <a:rPr lang="en-US" dirty="0">
-                <a:solidFill>
-                  <a:srgbClr val="FF0000"/>
-                </a:solidFill>
-              </a:rPr>
-              <a:t>'true'</a:t>
-            </a:r>
-            <a:r>
-              <a:rPr lang="en-US" dirty="0"/>
-              <a:t>).\</a:t>
-            </a:r>
-          </a:p>
-          <a:p>
-            <a:r>
-              <a:rPr lang="en-US" dirty="0"/>
-              <a:t>    load(</a:t>
-            </a:r>
-            <a:r>
-              <a:rPr lang="en-US" dirty="0">
-                <a:solidFill>
-                  <a:srgbClr val="FF0000"/>
-                </a:solidFill>
-              </a:rPr>
-              <a:t>"onlineretail.</a:t>
-            </a:r>
-            <a:r>
-              <a:rPr lang="en-US" dirty="0" err="1">
-                <a:solidFill>
-                  <a:srgbClr val="FF0000"/>
-                </a:solidFill>
-              </a:rPr>
-              <a:t>csv</a:t>
-            </a:r>
-            <a:r>
-              <a:rPr lang="en-US" dirty="0">
-                <a:solidFill>
-                  <a:srgbClr val="FF0000"/>
-                </a:solidFill>
-              </a:rPr>
-              <a:t>"</a:t>
-            </a:r>
-            <a:r>
-              <a:rPr lang="en-US" dirty="0"/>
-              <a:t>,header=</a:t>
-            </a:r>
-            <a:r>
-              <a:rPr lang="en-US" dirty="0">
-                <a:solidFill>
-                  <a:srgbClr val="3366FF"/>
-                </a:solidFill>
-              </a:rPr>
-              <a:t>True</a:t>
-            </a:r>
-            <a:r>
-              <a:rPr lang="en-US" dirty="0"/>
-              <a:t>)</a:t>
-            </a:r>
-          </a:p>
-        </p:txBody>
-      </p:sp>
-    </p:spTree>
-    <p:extLst>
-      <p:ext uri="{BB962C8B-B14F-4D97-AF65-F5344CB8AC3E}">
-        <p14:creationId xmlns:p14="http://schemas.microsoft.com/office/powerpoint/2010/main" val="2821408314"/>
-      </p:ext>
-    </p:extLst>
-  </p:cSld>
-  <p:clrMapOvr>
-    <a:masterClrMapping/>
-  </p:clrMapOvr>
-  <p:timing>
-    <p:tnLst>
-      <p:par>
-        <p:cTn xmlns:p14="http://schemas.microsoft.com/office/powerpoint/2010/main" id="1" dur="indefinite" restart="never" nodeType="tmRoot"/>
-      </p:par>
-    </p:tnLst>
-  </p:timing>
-</p:sld>
-</file>
-
-<file path=ppt/slides/slide40.xml><?xml version="1.0" encoding="utf-8"?>
+<file path=ppt/slides/slide41.xml><?xml version="1.0" encoding="utf-8"?>
 <p:sld xmlns:a="http://schemas.openxmlformats.org/drawingml/2006/main" xmlns:r="http://schemas.openxmlformats.org/officeDocument/2006/relationships" xmlns:p="http://schemas.openxmlformats.org/presentationml/2006/main">
   <p:cSld>
     <p:spTree>
@@ -21173,8 +21261,37 @@
                   <a:srgbClr val="008000"/>
                 </a:solidFill>
               </a:rPr>
-              <a:t>## Calculate time diff</a:t>
-            </a:r>
+              <a:t>## </a:t>
+            </a:r>
+            <a:r>
+              <a:rPr lang="en-US" dirty="0" smtClean="0">
+                <a:solidFill>
+                  <a:srgbClr val="008000"/>
+                </a:solidFill>
+              </a:rPr>
+              <a:t>Calculate time diff </a:t>
+            </a:r>
+            <a:r>
+              <a:rPr lang="mr-IN" dirty="0" smtClean="0">
+                <a:solidFill>
+                  <a:srgbClr val="008000"/>
+                </a:solidFill>
+              </a:rPr>
+              <a:t>–</a:t>
+            </a:r>
+            <a:r>
+              <a:rPr lang="en-US" dirty="0" smtClean="0">
+                <a:solidFill>
+                  <a:srgbClr val="008000"/>
+                </a:solidFill>
+              </a:rPr>
+              <a:t> find the latest date</a:t>
+            </a:r>
+            <a:endParaRPr lang="en-US" dirty="0">
+              <a:solidFill>
+                <a:srgbClr val="008000"/>
+              </a:solidFill>
+            </a:endParaRPr>
           </a:p>
           <a:p>
             <a:r>
